--- a/2023-2024/synthèses de cours/complexités.pptx
+++ b/2023-2024/synthèses de cours/complexités.pptx
@@ -4,13 +4,13 @@
   <p:sldMasterIdLst>
     <p:sldMasterId id="2147483648" r:id="rId2"/>
     <p:sldMasterId id="2147483661" r:id="rId3"/>
-    <p:sldMasterId id="2147483674" r:id="rId4"/>
   </p:sldMasterIdLst>
   <p:sldIdLst>
-    <p:sldId id="256" r:id="rId5"/>
-    <p:sldId id="257" r:id="rId6"/>
-    <p:sldId id="258" r:id="rId7"/>
-    <p:sldId id="259" r:id="rId8"/>
+    <p:sldId id="256" r:id="rId4"/>
+    <p:sldId id="257" r:id="rId5"/>
+    <p:sldId id="258" r:id="rId6"/>
+    <p:sldId id="259" r:id="rId7"/>
+    <p:sldId id="260" r:id="rId8"/>
   </p:sldIdLst>
   <p:sldSz cx="9144000" cy="5143500"/>
   <p:notesSz cx="7559675" cy="10691813"/>
@@ -58,7 +58,7 @@
       </p:grpSpPr>
       <p:sp>
         <p:nvSpPr>
-          <p:cNvPr id="33" name="PlaceHolder 1"/>
+          <p:cNvPr id="25" name="PlaceHolder 1"/>
           <p:cNvSpPr>
             <a:spLocks noGrp="1"/>
           </p:cNvSpPr>
@@ -95,7 +95,7 @@
       </p:sp>
       <p:sp>
         <p:nvSpPr>
-          <p:cNvPr id="34" name="PlaceHolder 2"/>
+          <p:cNvPr id="26" name="PlaceHolder 2"/>
           <p:cNvSpPr>
             <a:spLocks noGrp="1"/>
           </p:cNvSpPr>
@@ -129,7 +129,7 @@
       </p:sp>
       <p:sp>
         <p:nvSpPr>
-          <p:cNvPr id="35" name="PlaceHolder 3"/>
+          <p:cNvPr id="27" name="PlaceHolder 3"/>
           <p:cNvSpPr>
             <a:spLocks noGrp="1"/>
           </p:cNvSpPr>
@@ -185,7 +185,7 @@
       </p:grpSpPr>
       <p:sp>
         <p:nvSpPr>
-          <p:cNvPr id="36" name="PlaceHolder 1"/>
+          <p:cNvPr id="28" name="PlaceHolder 1"/>
           <p:cNvSpPr>
             <a:spLocks noGrp="1"/>
           </p:cNvSpPr>
@@ -222,7 +222,7 @@
       </p:sp>
       <p:sp>
         <p:nvSpPr>
-          <p:cNvPr id="37" name="PlaceHolder 2"/>
+          <p:cNvPr id="29" name="PlaceHolder 2"/>
           <p:cNvSpPr>
             <a:spLocks noGrp="1"/>
           </p:cNvSpPr>
@@ -256,7 +256,7 @@
       </p:sp>
       <p:sp>
         <p:nvSpPr>
-          <p:cNvPr id="38" name="PlaceHolder 3"/>
+          <p:cNvPr id="30" name="PlaceHolder 3"/>
           <p:cNvSpPr>
             <a:spLocks noGrp="1"/>
           </p:cNvSpPr>
@@ -290,7 +290,7 @@
       </p:sp>
       <p:sp>
         <p:nvSpPr>
-          <p:cNvPr id="39" name="PlaceHolder 4"/>
+          <p:cNvPr id="31" name="PlaceHolder 4"/>
           <p:cNvSpPr>
             <a:spLocks noGrp="1"/>
           </p:cNvSpPr>
@@ -324,7 +324,7 @@
       </p:sp>
       <p:sp>
         <p:nvSpPr>
-          <p:cNvPr id="40" name="PlaceHolder 5"/>
+          <p:cNvPr id="32" name="PlaceHolder 5"/>
           <p:cNvSpPr>
             <a:spLocks noGrp="1"/>
           </p:cNvSpPr>
@@ -380,7 +380,7 @@
       </p:grpSpPr>
       <p:sp>
         <p:nvSpPr>
-          <p:cNvPr id="41" name="PlaceHolder 1"/>
+          <p:cNvPr id="33" name="PlaceHolder 1"/>
           <p:cNvSpPr>
             <a:spLocks noGrp="1"/>
           </p:cNvSpPr>
@@ -417,7 +417,7 @@
       </p:sp>
       <p:sp>
         <p:nvSpPr>
-          <p:cNvPr id="42" name="PlaceHolder 2"/>
+          <p:cNvPr id="34" name="PlaceHolder 2"/>
           <p:cNvSpPr>
             <a:spLocks noGrp="1"/>
           </p:cNvSpPr>
@@ -451,7 +451,7 @@
       </p:sp>
       <p:sp>
         <p:nvSpPr>
-          <p:cNvPr id="43" name="PlaceHolder 3"/>
+          <p:cNvPr id="35" name="PlaceHolder 3"/>
           <p:cNvSpPr>
             <a:spLocks noGrp="1"/>
           </p:cNvSpPr>
@@ -485,7 +485,7 @@
       </p:sp>
       <p:sp>
         <p:nvSpPr>
-          <p:cNvPr id="44" name="PlaceHolder 4"/>
+          <p:cNvPr id="36" name="PlaceHolder 4"/>
           <p:cNvSpPr>
             <a:spLocks noGrp="1"/>
           </p:cNvSpPr>
@@ -519,7 +519,7 @@
       </p:sp>
       <p:sp>
         <p:nvSpPr>
-          <p:cNvPr id="45" name="PlaceHolder 5"/>
+          <p:cNvPr id="37" name="PlaceHolder 5"/>
           <p:cNvSpPr>
             <a:spLocks noGrp="1"/>
           </p:cNvSpPr>
@@ -553,7 +553,7 @@
       </p:sp>
       <p:sp>
         <p:nvSpPr>
-          <p:cNvPr id="46" name="PlaceHolder 6"/>
+          <p:cNvPr id="38" name="PlaceHolder 6"/>
           <p:cNvSpPr>
             <a:spLocks noGrp="1"/>
           </p:cNvSpPr>
@@ -587,7 +587,7 @@
       </p:sp>
       <p:sp>
         <p:nvSpPr>
-          <p:cNvPr id="47" name="PlaceHolder 7"/>
+          <p:cNvPr id="39" name="PlaceHolder 7"/>
           <p:cNvSpPr>
             <a:spLocks noGrp="1"/>
           </p:cNvSpPr>
@@ -665,7 +665,7 @@
       </p:grpSpPr>
       <p:sp>
         <p:nvSpPr>
-          <p:cNvPr id="52" name="PlaceHolder 1"/>
+          <p:cNvPr id="44" name="PlaceHolder 1"/>
           <p:cNvSpPr>
             <a:spLocks noGrp="1"/>
           </p:cNvSpPr>
@@ -702,7 +702,7 @@
       </p:sp>
       <p:sp>
         <p:nvSpPr>
-          <p:cNvPr id="53" name="PlaceHolder 2"/>
+          <p:cNvPr id="45" name="PlaceHolder 2"/>
           <p:cNvSpPr>
             <a:spLocks noGrp="1"/>
           </p:cNvSpPr>
@@ -761,7 +761,7 @@
       </p:grpSpPr>
       <p:sp>
         <p:nvSpPr>
-          <p:cNvPr id="54" name="PlaceHolder 1"/>
+          <p:cNvPr id="46" name="PlaceHolder 1"/>
           <p:cNvSpPr>
             <a:spLocks noGrp="1"/>
           </p:cNvSpPr>
@@ -798,7 +798,7 @@
       </p:sp>
       <p:sp>
         <p:nvSpPr>
-          <p:cNvPr id="55" name="PlaceHolder 2"/>
+          <p:cNvPr id="47" name="PlaceHolder 2"/>
           <p:cNvSpPr>
             <a:spLocks noGrp="1"/>
           </p:cNvSpPr>
@@ -854,7 +854,7 @@
       </p:grpSpPr>
       <p:sp>
         <p:nvSpPr>
-          <p:cNvPr id="56" name="PlaceHolder 1"/>
+          <p:cNvPr id="48" name="PlaceHolder 1"/>
           <p:cNvSpPr>
             <a:spLocks noGrp="1"/>
           </p:cNvSpPr>
@@ -891,7 +891,7 @@
       </p:sp>
       <p:sp>
         <p:nvSpPr>
-          <p:cNvPr id="57" name="PlaceHolder 2"/>
+          <p:cNvPr id="49" name="PlaceHolder 2"/>
           <p:cNvSpPr>
             <a:spLocks noGrp="1"/>
           </p:cNvSpPr>
@@ -925,7 +925,7 @@
       </p:sp>
       <p:sp>
         <p:nvSpPr>
-          <p:cNvPr id="58" name="PlaceHolder 3"/>
+          <p:cNvPr id="50" name="PlaceHolder 3"/>
           <p:cNvSpPr>
             <a:spLocks noGrp="1"/>
           </p:cNvSpPr>
@@ -981,7 +981,7 @@
       </p:grpSpPr>
       <p:sp>
         <p:nvSpPr>
-          <p:cNvPr id="59" name="PlaceHolder 1"/>
+          <p:cNvPr id="51" name="PlaceHolder 1"/>
           <p:cNvSpPr>
             <a:spLocks noGrp="1"/>
           </p:cNvSpPr>
@@ -1040,7 +1040,7 @@
       </p:grpSpPr>
       <p:sp>
         <p:nvSpPr>
-          <p:cNvPr id="60" name="PlaceHolder 1"/>
+          <p:cNvPr id="52" name="PlaceHolder 1"/>
           <p:cNvSpPr>
             <a:spLocks noGrp="1"/>
           </p:cNvSpPr>
@@ -1099,7 +1099,7 @@
       </p:grpSpPr>
       <p:sp>
         <p:nvSpPr>
-          <p:cNvPr id="61" name="PlaceHolder 1"/>
+          <p:cNvPr id="53" name="PlaceHolder 1"/>
           <p:cNvSpPr>
             <a:spLocks noGrp="1"/>
           </p:cNvSpPr>
@@ -1136,7 +1136,7 @@
       </p:sp>
       <p:sp>
         <p:nvSpPr>
-          <p:cNvPr id="62" name="PlaceHolder 2"/>
+          <p:cNvPr id="54" name="PlaceHolder 2"/>
           <p:cNvSpPr>
             <a:spLocks noGrp="1"/>
           </p:cNvSpPr>
@@ -1170,7 +1170,7 @@
       </p:sp>
       <p:sp>
         <p:nvSpPr>
-          <p:cNvPr id="63" name="PlaceHolder 3"/>
+          <p:cNvPr id="55" name="PlaceHolder 3"/>
           <p:cNvSpPr>
             <a:spLocks noGrp="1"/>
           </p:cNvSpPr>
@@ -1204,7 +1204,7 @@
       </p:sp>
       <p:sp>
         <p:nvSpPr>
-          <p:cNvPr id="64" name="PlaceHolder 4"/>
+          <p:cNvPr id="56" name="PlaceHolder 4"/>
           <p:cNvSpPr>
             <a:spLocks noGrp="1"/>
           </p:cNvSpPr>
@@ -1260,7 +1260,7 @@
       </p:grpSpPr>
       <p:sp>
         <p:nvSpPr>
-          <p:cNvPr id="12" name="PlaceHolder 1"/>
+          <p:cNvPr id="4" name="PlaceHolder 1"/>
           <p:cNvSpPr>
             <a:spLocks noGrp="1"/>
           </p:cNvSpPr>
@@ -1297,7 +1297,7 @@
       </p:sp>
       <p:sp>
         <p:nvSpPr>
-          <p:cNvPr id="13" name="PlaceHolder 2"/>
+          <p:cNvPr id="5" name="PlaceHolder 2"/>
           <p:cNvSpPr>
             <a:spLocks noGrp="1"/>
           </p:cNvSpPr>
@@ -1356,7 +1356,7 @@
       </p:grpSpPr>
       <p:sp>
         <p:nvSpPr>
-          <p:cNvPr id="65" name="PlaceHolder 1"/>
+          <p:cNvPr id="57" name="PlaceHolder 1"/>
           <p:cNvSpPr>
             <a:spLocks noGrp="1"/>
           </p:cNvSpPr>
@@ -1393,7 +1393,7 @@
       </p:sp>
       <p:sp>
         <p:nvSpPr>
-          <p:cNvPr id="66" name="PlaceHolder 2"/>
+          <p:cNvPr id="58" name="PlaceHolder 2"/>
           <p:cNvSpPr>
             <a:spLocks noGrp="1"/>
           </p:cNvSpPr>
@@ -1427,7 +1427,7 @@
       </p:sp>
       <p:sp>
         <p:nvSpPr>
-          <p:cNvPr id="67" name="PlaceHolder 3"/>
+          <p:cNvPr id="59" name="PlaceHolder 3"/>
           <p:cNvSpPr>
             <a:spLocks noGrp="1"/>
           </p:cNvSpPr>
@@ -1461,7 +1461,7 @@
       </p:sp>
       <p:sp>
         <p:nvSpPr>
-          <p:cNvPr id="68" name="PlaceHolder 4"/>
+          <p:cNvPr id="60" name="PlaceHolder 4"/>
           <p:cNvSpPr>
             <a:spLocks noGrp="1"/>
           </p:cNvSpPr>
@@ -1517,7 +1517,7 @@
       </p:grpSpPr>
       <p:sp>
         <p:nvSpPr>
-          <p:cNvPr id="69" name="PlaceHolder 1"/>
+          <p:cNvPr id="61" name="PlaceHolder 1"/>
           <p:cNvSpPr>
             <a:spLocks noGrp="1"/>
           </p:cNvSpPr>
@@ -1554,7 +1554,7 @@
       </p:sp>
       <p:sp>
         <p:nvSpPr>
-          <p:cNvPr id="70" name="PlaceHolder 2"/>
+          <p:cNvPr id="62" name="PlaceHolder 2"/>
           <p:cNvSpPr>
             <a:spLocks noGrp="1"/>
           </p:cNvSpPr>
@@ -1588,7 +1588,7 @@
       </p:sp>
       <p:sp>
         <p:nvSpPr>
-          <p:cNvPr id="71" name="PlaceHolder 3"/>
+          <p:cNvPr id="63" name="PlaceHolder 3"/>
           <p:cNvSpPr>
             <a:spLocks noGrp="1"/>
           </p:cNvSpPr>
@@ -1622,7 +1622,7 @@
       </p:sp>
       <p:sp>
         <p:nvSpPr>
-          <p:cNvPr id="72" name="PlaceHolder 4"/>
+          <p:cNvPr id="64" name="PlaceHolder 4"/>
           <p:cNvSpPr>
             <a:spLocks noGrp="1"/>
           </p:cNvSpPr>
@@ -1678,7 +1678,7 @@
       </p:grpSpPr>
       <p:sp>
         <p:nvSpPr>
-          <p:cNvPr id="73" name="PlaceHolder 1"/>
+          <p:cNvPr id="65" name="PlaceHolder 1"/>
           <p:cNvSpPr>
             <a:spLocks noGrp="1"/>
           </p:cNvSpPr>
@@ -1715,7 +1715,7 @@
       </p:sp>
       <p:sp>
         <p:nvSpPr>
-          <p:cNvPr id="74" name="PlaceHolder 2"/>
+          <p:cNvPr id="66" name="PlaceHolder 2"/>
           <p:cNvSpPr>
             <a:spLocks noGrp="1"/>
           </p:cNvSpPr>
@@ -1749,7 +1749,7 @@
       </p:sp>
       <p:sp>
         <p:nvSpPr>
-          <p:cNvPr id="75" name="PlaceHolder 3"/>
+          <p:cNvPr id="67" name="PlaceHolder 3"/>
           <p:cNvSpPr>
             <a:spLocks noGrp="1"/>
           </p:cNvSpPr>
@@ -1805,7 +1805,7 @@
       </p:grpSpPr>
       <p:sp>
         <p:nvSpPr>
-          <p:cNvPr id="76" name="PlaceHolder 1"/>
+          <p:cNvPr id="68" name="PlaceHolder 1"/>
           <p:cNvSpPr>
             <a:spLocks noGrp="1"/>
           </p:cNvSpPr>
@@ -1842,7 +1842,7 @@
       </p:sp>
       <p:sp>
         <p:nvSpPr>
-          <p:cNvPr id="77" name="PlaceHolder 2"/>
+          <p:cNvPr id="69" name="PlaceHolder 2"/>
           <p:cNvSpPr>
             <a:spLocks noGrp="1"/>
           </p:cNvSpPr>
@@ -1876,7 +1876,7 @@
       </p:sp>
       <p:sp>
         <p:nvSpPr>
-          <p:cNvPr id="78" name="PlaceHolder 3"/>
+          <p:cNvPr id="70" name="PlaceHolder 3"/>
           <p:cNvSpPr>
             <a:spLocks noGrp="1"/>
           </p:cNvSpPr>
@@ -1910,7 +1910,7 @@
       </p:sp>
       <p:sp>
         <p:nvSpPr>
-          <p:cNvPr id="79" name="PlaceHolder 4"/>
+          <p:cNvPr id="71" name="PlaceHolder 4"/>
           <p:cNvSpPr>
             <a:spLocks noGrp="1"/>
           </p:cNvSpPr>
@@ -1944,7 +1944,7 @@
       </p:sp>
       <p:sp>
         <p:nvSpPr>
-          <p:cNvPr id="80" name="PlaceHolder 5"/>
+          <p:cNvPr id="72" name="PlaceHolder 5"/>
           <p:cNvSpPr>
             <a:spLocks noGrp="1"/>
           </p:cNvSpPr>
@@ -2000,7 +2000,7 @@
       </p:grpSpPr>
       <p:sp>
         <p:nvSpPr>
-          <p:cNvPr id="81" name="PlaceHolder 1"/>
+          <p:cNvPr id="73" name="PlaceHolder 1"/>
           <p:cNvSpPr>
             <a:spLocks noGrp="1"/>
           </p:cNvSpPr>
@@ -2037,7 +2037,7 @@
       </p:sp>
       <p:sp>
         <p:nvSpPr>
-          <p:cNvPr id="82" name="PlaceHolder 2"/>
+          <p:cNvPr id="74" name="PlaceHolder 2"/>
           <p:cNvSpPr>
             <a:spLocks noGrp="1"/>
           </p:cNvSpPr>
@@ -2071,7 +2071,7 @@
       </p:sp>
       <p:sp>
         <p:nvSpPr>
-          <p:cNvPr id="83" name="PlaceHolder 3"/>
+          <p:cNvPr id="75" name="PlaceHolder 3"/>
           <p:cNvSpPr>
             <a:spLocks noGrp="1"/>
           </p:cNvSpPr>
@@ -2105,7 +2105,7 @@
       </p:sp>
       <p:sp>
         <p:nvSpPr>
-          <p:cNvPr id="84" name="PlaceHolder 4"/>
+          <p:cNvPr id="76" name="PlaceHolder 4"/>
           <p:cNvSpPr>
             <a:spLocks noGrp="1"/>
           </p:cNvSpPr>
@@ -2139,7 +2139,7 @@
       </p:sp>
       <p:sp>
         <p:nvSpPr>
-          <p:cNvPr id="85" name="PlaceHolder 5"/>
+          <p:cNvPr id="77" name="PlaceHolder 5"/>
           <p:cNvSpPr>
             <a:spLocks noGrp="1"/>
           </p:cNvSpPr>
@@ -2173,7 +2173,7 @@
       </p:sp>
       <p:sp>
         <p:nvSpPr>
-          <p:cNvPr id="86" name="PlaceHolder 6"/>
+          <p:cNvPr id="78" name="PlaceHolder 6"/>
           <p:cNvSpPr>
             <a:spLocks noGrp="1"/>
           </p:cNvSpPr>
@@ -2207,7 +2207,7 @@
       </p:sp>
       <p:sp>
         <p:nvSpPr>
-          <p:cNvPr id="87" name="PlaceHolder 7"/>
+          <p:cNvPr id="79" name="PlaceHolder 7"/>
           <p:cNvSpPr>
             <a:spLocks noGrp="1"/>
           </p:cNvSpPr>
@@ -2234,403 +2234,6 @@
           </a:bodyPr>
           <a:p>
             <a:endParaRPr b="0" lang="fr-FR" sz="3200" spc="-1" strike="noStrike">
-              <a:latin typeface="Arial"/>
-            </a:endParaRPr>
-          </a:p>
-        </p:txBody>
-      </p:sp>
-    </p:spTree>
-  </p:cSld>
-</p:sldLayout>
-</file>
-
-<file path=ppt/slideLayouts/slideLayout25.xml><?xml version="1.0" encoding="utf-8"?>
-<p:sldLayout xmlns:a="http://schemas.openxmlformats.org/drawingml/2006/main" xmlns:p="http://schemas.openxmlformats.org/presentationml/2006/main" xmlns:r="http://schemas.openxmlformats.org/officeDocument/2006/relationships" xmlns:p14="http://schemas.microsoft.com/office/powerpoint/2010/main" xmlns:p15="http://schemas.microsoft.com/office/powerpoint/2012/main" xmlns:mc="http://schemas.openxmlformats.org/markup-compatibility/2006" type="blank" preserve="1">
-  <p:cSld name="Blank Slide">
-    <p:spTree>
-      <p:nvGrpSpPr>
-        <p:cNvPr id="1" name=""/>
-        <p:cNvGrpSpPr/>
-        <p:nvPr/>
-      </p:nvGrpSpPr>
-      <p:grpSpPr>
-        <a:xfrm>
-          <a:off x="0" y="0"/>
-          <a:ext cx="0" cy="0"/>
-          <a:chOff x="0" y="0"/>
-          <a:chExt cx="0" cy="0"/>
-        </a:xfrm>
-      </p:grpSpPr>
-    </p:spTree>
-  </p:cSld>
-</p:sldLayout>
-</file>
-
-<file path=ppt/slideLayouts/slideLayout26.xml><?xml version="1.0" encoding="utf-8"?>
-<p:sldLayout xmlns:a="http://schemas.openxmlformats.org/drawingml/2006/main" xmlns:p="http://schemas.openxmlformats.org/presentationml/2006/main" xmlns:r="http://schemas.openxmlformats.org/officeDocument/2006/relationships" xmlns:p14="http://schemas.microsoft.com/office/powerpoint/2010/main" xmlns:p15="http://schemas.microsoft.com/office/powerpoint/2012/main" xmlns:mc="http://schemas.openxmlformats.org/markup-compatibility/2006" type="tx" preserve="1">
-  <p:cSld name="Title Slide">
-    <p:spTree>
-      <p:nvGrpSpPr>
-        <p:cNvPr id="1" name=""/>
-        <p:cNvGrpSpPr/>
-        <p:nvPr/>
-      </p:nvGrpSpPr>
-      <p:grpSpPr>
-        <a:xfrm>
-          <a:off x="0" y="0"/>
-          <a:ext cx="0" cy="0"/>
-          <a:chOff x="0" y="0"/>
-          <a:chExt cx="0" cy="0"/>
-        </a:xfrm>
-      </p:grpSpPr>
-      <p:sp>
-        <p:nvSpPr>
-          <p:cNvPr id="92" name="PlaceHolder 1"/>
-          <p:cNvSpPr>
-            <a:spLocks noGrp="1"/>
-          </p:cNvSpPr>
-          <p:nvPr>
-            <p:ph type="title"/>
-          </p:nvPr>
-        </p:nvSpPr>
-        <p:spPr>
-          <a:xfrm>
-            <a:off x="457200" y="205200"/>
-            <a:ext cx="8229240" cy="858600"/>
-          </a:xfrm>
-          <a:prstGeom prst="rect">
-            <a:avLst/>
-          </a:prstGeom>
-          <a:noFill/>
-          <a:ln w="0">
-            <a:noFill/>
-          </a:ln>
-        </p:spPr>
-        <p:txBody>
-          <a:bodyPr lIns="0" rIns="0" tIns="0" bIns="0" anchor="ctr">
-            <a:noAutofit/>
-          </a:bodyPr>
-          <a:p>
-            <a:pPr algn="ctr">
-              <a:buNone/>
-            </a:pPr>
-            <a:endParaRPr b="0" lang="fr-FR" sz="4400" spc="-1" strike="noStrike">
-              <a:latin typeface="Arial"/>
-            </a:endParaRPr>
-          </a:p>
-        </p:txBody>
-      </p:sp>
-      <p:sp>
-        <p:nvSpPr>
-          <p:cNvPr id="93" name="PlaceHolder 2"/>
-          <p:cNvSpPr>
-            <a:spLocks noGrp="1"/>
-          </p:cNvSpPr>
-          <p:nvPr>
-            <p:ph type="subTitle"/>
-          </p:nvPr>
-        </p:nvSpPr>
-        <p:spPr>
-          <a:xfrm>
-            <a:off x="457200" y="1203480"/>
-            <a:ext cx="8229240" cy="2982960"/>
-          </a:xfrm>
-          <a:prstGeom prst="rect">
-            <a:avLst/>
-          </a:prstGeom>
-          <a:noFill/>
-          <a:ln w="0">
-            <a:noFill/>
-          </a:ln>
-        </p:spPr>
-        <p:txBody>
-          <a:bodyPr lIns="0" rIns="0" tIns="0" bIns="0" anchor="ctr">
-            <a:noAutofit/>
-          </a:bodyPr>
-          <a:p>
-            <a:pPr algn="ctr">
-              <a:buNone/>
-            </a:pPr>
-            <a:endParaRPr b="0" lang="fr-FR" sz="3200" spc="-1" strike="noStrike">
-              <a:latin typeface="Arial"/>
-            </a:endParaRPr>
-          </a:p>
-        </p:txBody>
-      </p:sp>
-    </p:spTree>
-  </p:cSld>
-</p:sldLayout>
-</file>
-
-<file path=ppt/slideLayouts/slideLayout27.xml><?xml version="1.0" encoding="utf-8"?>
-<p:sldLayout xmlns:a="http://schemas.openxmlformats.org/drawingml/2006/main" xmlns:p="http://schemas.openxmlformats.org/presentationml/2006/main" xmlns:r="http://schemas.openxmlformats.org/officeDocument/2006/relationships" xmlns:p14="http://schemas.microsoft.com/office/powerpoint/2010/main" xmlns:p15="http://schemas.microsoft.com/office/powerpoint/2012/main" xmlns:mc="http://schemas.openxmlformats.org/markup-compatibility/2006" type="obj" preserve="1">
-  <p:cSld name="Title, Content">
-    <p:spTree>
-      <p:nvGrpSpPr>
-        <p:cNvPr id="1" name=""/>
-        <p:cNvGrpSpPr/>
-        <p:nvPr/>
-      </p:nvGrpSpPr>
-      <p:grpSpPr>
-        <a:xfrm>
-          <a:off x="0" y="0"/>
-          <a:ext cx="0" cy="0"/>
-          <a:chOff x="0" y="0"/>
-          <a:chExt cx="0" cy="0"/>
-        </a:xfrm>
-      </p:grpSpPr>
-      <p:sp>
-        <p:nvSpPr>
-          <p:cNvPr id="94" name="PlaceHolder 1"/>
-          <p:cNvSpPr>
-            <a:spLocks noGrp="1"/>
-          </p:cNvSpPr>
-          <p:nvPr>
-            <p:ph type="title"/>
-          </p:nvPr>
-        </p:nvSpPr>
-        <p:spPr>
-          <a:xfrm>
-            <a:off x="457200" y="205200"/>
-            <a:ext cx="8229240" cy="858600"/>
-          </a:xfrm>
-          <a:prstGeom prst="rect">
-            <a:avLst/>
-          </a:prstGeom>
-          <a:noFill/>
-          <a:ln w="0">
-            <a:noFill/>
-          </a:ln>
-        </p:spPr>
-        <p:txBody>
-          <a:bodyPr lIns="0" rIns="0" tIns="0" bIns="0" anchor="ctr">
-            <a:noAutofit/>
-          </a:bodyPr>
-          <a:p>
-            <a:pPr algn="ctr">
-              <a:buNone/>
-            </a:pPr>
-            <a:endParaRPr b="0" lang="fr-FR" sz="4400" spc="-1" strike="noStrike">
-              <a:latin typeface="Arial"/>
-            </a:endParaRPr>
-          </a:p>
-        </p:txBody>
-      </p:sp>
-      <p:sp>
-        <p:nvSpPr>
-          <p:cNvPr id="95" name="PlaceHolder 2"/>
-          <p:cNvSpPr>
-            <a:spLocks noGrp="1"/>
-          </p:cNvSpPr>
-          <p:nvPr>
-            <p:ph/>
-          </p:nvPr>
-        </p:nvSpPr>
-        <p:spPr>
-          <a:xfrm>
-            <a:off x="457200" y="1203480"/>
-            <a:ext cx="8229240" cy="2982960"/>
-          </a:xfrm>
-          <a:prstGeom prst="rect">
-            <a:avLst/>
-          </a:prstGeom>
-          <a:noFill/>
-          <a:ln w="0">
-            <a:noFill/>
-          </a:ln>
-        </p:spPr>
-        <p:txBody>
-          <a:bodyPr lIns="0" rIns="0" tIns="0" bIns="0" anchor="t">
-            <a:normAutofit/>
-          </a:bodyPr>
-          <a:p>
-            <a:endParaRPr b="0" lang="fr-FR" sz="3200" spc="-1" strike="noStrike">
-              <a:latin typeface="Arial"/>
-            </a:endParaRPr>
-          </a:p>
-        </p:txBody>
-      </p:sp>
-    </p:spTree>
-  </p:cSld>
-</p:sldLayout>
-</file>
-
-<file path=ppt/slideLayouts/slideLayout28.xml><?xml version="1.0" encoding="utf-8"?>
-<p:sldLayout xmlns:a="http://schemas.openxmlformats.org/drawingml/2006/main" xmlns:p="http://schemas.openxmlformats.org/presentationml/2006/main" xmlns:r="http://schemas.openxmlformats.org/officeDocument/2006/relationships" xmlns:p14="http://schemas.microsoft.com/office/powerpoint/2010/main" xmlns:p15="http://schemas.microsoft.com/office/powerpoint/2012/main" xmlns:mc="http://schemas.openxmlformats.org/markup-compatibility/2006" type="twoObj" preserve="1">
-  <p:cSld name="Title, 2 Content">
-    <p:spTree>
-      <p:nvGrpSpPr>
-        <p:cNvPr id="1" name=""/>
-        <p:cNvGrpSpPr/>
-        <p:nvPr/>
-      </p:nvGrpSpPr>
-      <p:grpSpPr>
-        <a:xfrm>
-          <a:off x="0" y="0"/>
-          <a:ext cx="0" cy="0"/>
-          <a:chOff x="0" y="0"/>
-          <a:chExt cx="0" cy="0"/>
-        </a:xfrm>
-      </p:grpSpPr>
-      <p:sp>
-        <p:nvSpPr>
-          <p:cNvPr id="96" name="PlaceHolder 1"/>
-          <p:cNvSpPr>
-            <a:spLocks noGrp="1"/>
-          </p:cNvSpPr>
-          <p:nvPr>
-            <p:ph type="title"/>
-          </p:nvPr>
-        </p:nvSpPr>
-        <p:spPr>
-          <a:xfrm>
-            <a:off x="457200" y="205200"/>
-            <a:ext cx="8229240" cy="858600"/>
-          </a:xfrm>
-          <a:prstGeom prst="rect">
-            <a:avLst/>
-          </a:prstGeom>
-          <a:noFill/>
-          <a:ln w="0">
-            <a:noFill/>
-          </a:ln>
-        </p:spPr>
-        <p:txBody>
-          <a:bodyPr lIns="0" rIns="0" tIns="0" bIns="0" anchor="ctr">
-            <a:noAutofit/>
-          </a:bodyPr>
-          <a:p>
-            <a:pPr algn="ctr">
-              <a:buNone/>
-            </a:pPr>
-            <a:endParaRPr b="0" lang="fr-FR" sz="4400" spc="-1" strike="noStrike">
-              <a:latin typeface="Arial"/>
-            </a:endParaRPr>
-          </a:p>
-        </p:txBody>
-      </p:sp>
-      <p:sp>
-        <p:nvSpPr>
-          <p:cNvPr id="97" name="PlaceHolder 2"/>
-          <p:cNvSpPr>
-            <a:spLocks noGrp="1"/>
-          </p:cNvSpPr>
-          <p:nvPr>
-            <p:ph/>
-          </p:nvPr>
-        </p:nvSpPr>
-        <p:spPr>
-          <a:xfrm>
-            <a:off x="457200" y="1203480"/>
-            <a:ext cx="4015800" cy="2982960"/>
-          </a:xfrm>
-          <a:prstGeom prst="rect">
-            <a:avLst/>
-          </a:prstGeom>
-          <a:noFill/>
-          <a:ln w="0">
-            <a:noFill/>
-          </a:ln>
-        </p:spPr>
-        <p:txBody>
-          <a:bodyPr lIns="0" rIns="0" tIns="0" bIns="0" anchor="t">
-            <a:normAutofit/>
-          </a:bodyPr>
-          <a:p>
-            <a:endParaRPr b="0" lang="fr-FR" sz="3200" spc="-1" strike="noStrike">
-              <a:latin typeface="Arial"/>
-            </a:endParaRPr>
-          </a:p>
-        </p:txBody>
-      </p:sp>
-      <p:sp>
-        <p:nvSpPr>
-          <p:cNvPr id="98" name="PlaceHolder 3"/>
-          <p:cNvSpPr>
-            <a:spLocks noGrp="1"/>
-          </p:cNvSpPr>
-          <p:nvPr>
-            <p:ph/>
-          </p:nvPr>
-        </p:nvSpPr>
-        <p:spPr>
-          <a:xfrm>
-            <a:off x="4674240" y="1203480"/>
-            <a:ext cx="4015800" cy="2982960"/>
-          </a:xfrm>
-          <a:prstGeom prst="rect">
-            <a:avLst/>
-          </a:prstGeom>
-          <a:noFill/>
-          <a:ln w="0">
-            <a:noFill/>
-          </a:ln>
-        </p:spPr>
-        <p:txBody>
-          <a:bodyPr lIns="0" rIns="0" tIns="0" bIns="0" anchor="t">
-            <a:normAutofit/>
-          </a:bodyPr>
-          <a:p>
-            <a:endParaRPr b="0" lang="fr-FR" sz="3200" spc="-1" strike="noStrike">
-              <a:latin typeface="Arial"/>
-            </a:endParaRPr>
-          </a:p>
-        </p:txBody>
-      </p:sp>
-    </p:spTree>
-  </p:cSld>
-</p:sldLayout>
-</file>
-
-<file path=ppt/slideLayouts/slideLayout29.xml><?xml version="1.0" encoding="utf-8"?>
-<p:sldLayout xmlns:a="http://schemas.openxmlformats.org/drawingml/2006/main" xmlns:p="http://schemas.openxmlformats.org/presentationml/2006/main" xmlns:r="http://schemas.openxmlformats.org/officeDocument/2006/relationships" xmlns:p14="http://schemas.microsoft.com/office/powerpoint/2010/main" xmlns:p15="http://schemas.microsoft.com/office/powerpoint/2012/main" xmlns:mc="http://schemas.openxmlformats.org/markup-compatibility/2006" type="titleOnly" preserve="1">
-  <p:cSld name="Title Only">
-    <p:spTree>
-      <p:nvGrpSpPr>
-        <p:cNvPr id="1" name=""/>
-        <p:cNvGrpSpPr/>
-        <p:nvPr/>
-      </p:nvGrpSpPr>
-      <p:grpSpPr>
-        <a:xfrm>
-          <a:off x="0" y="0"/>
-          <a:ext cx="0" cy="0"/>
-          <a:chOff x="0" y="0"/>
-          <a:chExt cx="0" cy="0"/>
-        </a:xfrm>
-      </p:grpSpPr>
-      <p:sp>
-        <p:nvSpPr>
-          <p:cNvPr id="99" name="PlaceHolder 1"/>
-          <p:cNvSpPr>
-            <a:spLocks noGrp="1"/>
-          </p:cNvSpPr>
-          <p:nvPr>
-            <p:ph type="title"/>
-          </p:nvPr>
-        </p:nvSpPr>
-        <p:spPr>
-          <a:xfrm>
-            <a:off x="457200" y="205200"/>
-            <a:ext cx="8229240" cy="858600"/>
-          </a:xfrm>
-          <a:prstGeom prst="rect">
-            <a:avLst/>
-          </a:prstGeom>
-          <a:noFill/>
-          <a:ln w="0">
-            <a:noFill/>
-          </a:ln>
-        </p:spPr>
-        <p:txBody>
-          <a:bodyPr lIns="0" rIns="0" tIns="0" bIns="0" anchor="ctr">
-            <a:noAutofit/>
-          </a:bodyPr>
-          <a:p>
-            <a:pPr algn="ctr">
-              <a:buNone/>
-            </a:pPr>
-            <a:endParaRPr b="0" lang="fr-FR" sz="4400" spc="-1" strike="noStrike">
               <a:latin typeface="Arial"/>
             </a:endParaRPr>
           </a:p>
@@ -2660,7 +2263,7 @@
       </p:grpSpPr>
       <p:sp>
         <p:nvSpPr>
-          <p:cNvPr id="14" name="PlaceHolder 1"/>
+          <p:cNvPr id="6" name="PlaceHolder 1"/>
           <p:cNvSpPr>
             <a:spLocks noGrp="1"/>
           </p:cNvSpPr>
@@ -2697,7 +2300,7 @@
       </p:sp>
       <p:sp>
         <p:nvSpPr>
-          <p:cNvPr id="15" name="PlaceHolder 2"/>
+          <p:cNvPr id="7" name="PlaceHolder 2"/>
           <p:cNvSpPr>
             <a:spLocks noGrp="1"/>
           </p:cNvSpPr>
@@ -2709,1133 +2312,6 @@
           <a:xfrm>
             <a:off x="457200" y="1203480"/>
             <a:ext cx="8229240" cy="2982960"/>
-          </a:xfrm>
-          <a:prstGeom prst="rect">
-            <a:avLst/>
-          </a:prstGeom>
-          <a:noFill/>
-          <a:ln w="0">
-            <a:noFill/>
-          </a:ln>
-        </p:spPr>
-        <p:txBody>
-          <a:bodyPr lIns="0" rIns="0" tIns="0" bIns="0" anchor="t">
-            <a:normAutofit/>
-          </a:bodyPr>
-          <a:p>
-            <a:endParaRPr b="0" lang="fr-FR" sz="3200" spc="-1" strike="noStrike">
-              <a:latin typeface="Arial"/>
-            </a:endParaRPr>
-          </a:p>
-        </p:txBody>
-      </p:sp>
-    </p:spTree>
-  </p:cSld>
-</p:sldLayout>
-</file>
-
-<file path=ppt/slideLayouts/slideLayout30.xml><?xml version="1.0" encoding="utf-8"?>
-<p:sldLayout xmlns:a="http://schemas.openxmlformats.org/drawingml/2006/main" xmlns:p="http://schemas.openxmlformats.org/presentationml/2006/main" xmlns:r="http://schemas.openxmlformats.org/officeDocument/2006/relationships" xmlns:p14="http://schemas.microsoft.com/office/powerpoint/2010/main" xmlns:p15="http://schemas.microsoft.com/office/powerpoint/2012/main" xmlns:mc="http://schemas.openxmlformats.org/markup-compatibility/2006" type="objOnly" preserve="1">
-  <p:cSld name="Centered Text">
-    <p:spTree>
-      <p:nvGrpSpPr>
-        <p:cNvPr id="1" name=""/>
-        <p:cNvGrpSpPr/>
-        <p:nvPr/>
-      </p:nvGrpSpPr>
-      <p:grpSpPr>
-        <a:xfrm>
-          <a:off x="0" y="0"/>
-          <a:ext cx="0" cy="0"/>
-          <a:chOff x="0" y="0"/>
-          <a:chExt cx="0" cy="0"/>
-        </a:xfrm>
-      </p:grpSpPr>
-      <p:sp>
-        <p:nvSpPr>
-          <p:cNvPr id="100" name="PlaceHolder 1"/>
-          <p:cNvSpPr>
-            <a:spLocks noGrp="1"/>
-          </p:cNvSpPr>
-          <p:nvPr>
-            <p:ph type="subTitle"/>
-          </p:nvPr>
-        </p:nvSpPr>
-        <p:spPr>
-          <a:xfrm>
-            <a:off x="457200" y="205200"/>
-            <a:ext cx="8229240" cy="3981240"/>
-          </a:xfrm>
-          <a:prstGeom prst="rect">
-            <a:avLst/>
-          </a:prstGeom>
-          <a:noFill/>
-          <a:ln w="0">
-            <a:noFill/>
-          </a:ln>
-        </p:spPr>
-        <p:txBody>
-          <a:bodyPr lIns="0" rIns="0" tIns="0" bIns="0" anchor="ctr">
-            <a:noAutofit/>
-          </a:bodyPr>
-          <a:p>
-            <a:pPr algn="ctr">
-              <a:buNone/>
-            </a:pPr>
-            <a:endParaRPr b="0" lang="fr-FR" sz="3200" spc="-1" strike="noStrike">
-              <a:latin typeface="Arial"/>
-            </a:endParaRPr>
-          </a:p>
-        </p:txBody>
-      </p:sp>
-    </p:spTree>
-  </p:cSld>
-</p:sldLayout>
-</file>
-
-<file path=ppt/slideLayouts/slideLayout31.xml><?xml version="1.0" encoding="utf-8"?>
-<p:sldLayout xmlns:a="http://schemas.openxmlformats.org/drawingml/2006/main" xmlns:p="http://schemas.openxmlformats.org/presentationml/2006/main" xmlns:r="http://schemas.openxmlformats.org/officeDocument/2006/relationships" xmlns:p14="http://schemas.microsoft.com/office/powerpoint/2010/main" xmlns:p15="http://schemas.microsoft.com/office/powerpoint/2012/main" xmlns:mc="http://schemas.openxmlformats.org/markup-compatibility/2006" type="twoObjAndObj" preserve="1">
-  <p:cSld name="Title, 2 Content and Content">
-    <p:spTree>
-      <p:nvGrpSpPr>
-        <p:cNvPr id="1" name=""/>
-        <p:cNvGrpSpPr/>
-        <p:nvPr/>
-      </p:nvGrpSpPr>
-      <p:grpSpPr>
-        <a:xfrm>
-          <a:off x="0" y="0"/>
-          <a:ext cx="0" cy="0"/>
-          <a:chOff x="0" y="0"/>
-          <a:chExt cx="0" cy="0"/>
-        </a:xfrm>
-      </p:grpSpPr>
-      <p:sp>
-        <p:nvSpPr>
-          <p:cNvPr id="101" name="PlaceHolder 1"/>
-          <p:cNvSpPr>
-            <a:spLocks noGrp="1"/>
-          </p:cNvSpPr>
-          <p:nvPr>
-            <p:ph type="title"/>
-          </p:nvPr>
-        </p:nvSpPr>
-        <p:spPr>
-          <a:xfrm>
-            <a:off x="457200" y="205200"/>
-            <a:ext cx="8229240" cy="858600"/>
-          </a:xfrm>
-          <a:prstGeom prst="rect">
-            <a:avLst/>
-          </a:prstGeom>
-          <a:noFill/>
-          <a:ln w="0">
-            <a:noFill/>
-          </a:ln>
-        </p:spPr>
-        <p:txBody>
-          <a:bodyPr lIns="0" rIns="0" tIns="0" bIns="0" anchor="ctr">
-            <a:noAutofit/>
-          </a:bodyPr>
-          <a:p>
-            <a:pPr algn="ctr">
-              <a:buNone/>
-            </a:pPr>
-            <a:endParaRPr b="0" lang="fr-FR" sz="4400" spc="-1" strike="noStrike">
-              <a:latin typeface="Arial"/>
-            </a:endParaRPr>
-          </a:p>
-        </p:txBody>
-      </p:sp>
-      <p:sp>
-        <p:nvSpPr>
-          <p:cNvPr id="102" name="PlaceHolder 2"/>
-          <p:cNvSpPr>
-            <a:spLocks noGrp="1"/>
-          </p:cNvSpPr>
-          <p:nvPr>
-            <p:ph/>
-          </p:nvPr>
-        </p:nvSpPr>
-        <p:spPr>
-          <a:xfrm>
-            <a:off x="457200" y="1203480"/>
-            <a:ext cx="4015800" cy="1422720"/>
-          </a:xfrm>
-          <a:prstGeom prst="rect">
-            <a:avLst/>
-          </a:prstGeom>
-          <a:noFill/>
-          <a:ln w="0">
-            <a:noFill/>
-          </a:ln>
-        </p:spPr>
-        <p:txBody>
-          <a:bodyPr lIns="0" rIns="0" tIns="0" bIns="0" anchor="t">
-            <a:normAutofit/>
-          </a:bodyPr>
-          <a:p>
-            <a:endParaRPr b="0" lang="fr-FR" sz="3200" spc="-1" strike="noStrike">
-              <a:latin typeface="Arial"/>
-            </a:endParaRPr>
-          </a:p>
-        </p:txBody>
-      </p:sp>
-      <p:sp>
-        <p:nvSpPr>
-          <p:cNvPr id="103" name="PlaceHolder 3"/>
-          <p:cNvSpPr>
-            <a:spLocks noGrp="1"/>
-          </p:cNvSpPr>
-          <p:nvPr>
-            <p:ph/>
-          </p:nvPr>
-        </p:nvSpPr>
-        <p:spPr>
-          <a:xfrm>
-            <a:off x="4674240" y="1203480"/>
-            <a:ext cx="4015800" cy="2982960"/>
-          </a:xfrm>
-          <a:prstGeom prst="rect">
-            <a:avLst/>
-          </a:prstGeom>
-          <a:noFill/>
-          <a:ln w="0">
-            <a:noFill/>
-          </a:ln>
-        </p:spPr>
-        <p:txBody>
-          <a:bodyPr lIns="0" rIns="0" tIns="0" bIns="0" anchor="t">
-            <a:normAutofit/>
-          </a:bodyPr>
-          <a:p>
-            <a:endParaRPr b="0" lang="fr-FR" sz="3200" spc="-1" strike="noStrike">
-              <a:latin typeface="Arial"/>
-            </a:endParaRPr>
-          </a:p>
-        </p:txBody>
-      </p:sp>
-      <p:sp>
-        <p:nvSpPr>
-          <p:cNvPr id="104" name="PlaceHolder 4"/>
-          <p:cNvSpPr>
-            <a:spLocks noGrp="1"/>
-          </p:cNvSpPr>
-          <p:nvPr>
-            <p:ph/>
-          </p:nvPr>
-        </p:nvSpPr>
-        <p:spPr>
-          <a:xfrm>
-            <a:off x="457200" y="2761920"/>
-            <a:ext cx="4015800" cy="1422720"/>
-          </a:xfrm>
-          <a:prstGeom prst="rect">
-            <a:avLst/>
-          </a:prstGeom>
-          <a:noFill/>
-          <a:ln w="0">
-            <a:noFill/>
-          </a:ln>
-        </p:spPr>
-        <p:txBody>
-          <a:bodyPr lIns="0" rIns="0" tIns="0" bIns="0" anchor="t">
-            <a:normAutofit/>
-          </a:bodyPr>
-          <a:p>
-            <a:endParaRPr b="0" lang="fr-FR" sz="3200" spc="-1" strike="noStrike">
-              <a:latin typeface="Arial"/>
-            </a:endParaRPr>
-          </a:p>
-        </p:txBody>
-      </p:sp>
-    </p:spTree>
-  </p:cSld>
-</p:sldLayout>
-</file>
-
-<file path=ppt/slideLayouts/slideLayout32.xml><?xml version="1.0" encoding="utf-8"?>
-<p:sldLayout xmlns:a="http://schemas.openxmlformats.org/drawingml/2006/main" xmlns:p="http://schemas.openxmlformats.org/presentationml/2006/main" xmlns:r="http://schemas.openxmlformats.org/officeDocument/2006/relationships" xmlns:p14="http://schemas.microsoft.com/office/powerpoint/2010/main" xmlns:p15="http://schemas.microsoft.com/office/powerpoint/2012/main" xmlns:mc="http://schemas.openxmlformats.org/markup-compatibility/2006" type="objAndTwoObj" preserve="1">
-  <p:cSld name="Title Content and 2 Content">
-    <p:spTree>
-      <p:nvGrpSpPr>
-        <p:cNvPr id="1" name=""/>
-        <p:cNvGrpSpPr/>
-        <p:nvPr/>
-      </p:nvGrpSpPr>
-      <p:grpSpPr>
-        <a:xfrm>
-          <a:off x="0" y="0"/>
-          <a:ext cx="0" cy="0"/>
-          <a:chOff x="0" y="0"/>
-          <a:chExt cx="0" cy="0"/>
-        </a:xfrm>
-      </p:grpSpPr>
-      <p:sp>
-        <p:nvSpPr>
-          <p:cNvPr id="105" name="PlaceHolder 1"/>
-          <p:cNvSpPr>
-            <a:spLocks noGrp="1"/>
-          </p:cNvSpPr>
-          <p:nvPr>
-            <p:ph type="title"/>
-          </p:nvPr>
-        </p:nvSpPr>
-        <p:spPr>
-          <a:xfrm>
-            <a:off x="457200" y="205200"/>
-            <a:ext cx="8229240" cy="858600"/>
-          </a:xfrm>
-          <a:prstGeom prst="rect">
-            <a:avLst/>
-          </a:prstGeom>
-          <a:noFill/>
-          <a:ln w="0">
-            <a:noFill/>
-          </a:ln>
-        </p:spPr>
-        <p:txBody>
-          <a:bodyPr lIns="0" rIns="0" tIns="0" bIns="0" anchor="ctr">
-            <a:noAutofit/>
-          </a:bodyPr>
-          <a:p>
-            <a:pPr algn="ctr">
-              <a:buNone/>
-            </a:pPr>
-            <a:endParaRPr b="0" lang="fr-FR" sz="4400" spc="-1" strike="noStrike">
-              <a:latin typeface="Arial"/>
-            </a:endParaRPr>
-          </a:p>
-        </p:txBody>
-      </p:sp>
-      <p:sp>
-        <p:nvSpPr>
-          <p:cNvPr id="106" name="PlaceHolder 2"/>
-          <p:cNvSpPr>
-            <a:spLocks noGrp="1"/>
-          </p:cNvSpPr>
-          <p:nvPr>
-            <p:ph/>
-          </p:nvPr>
-        </p:nvSpPr>
-        <p:spPr>
-          <a:xfrm>
-            <a:off x="457200" y="1203480"/>
-            <a:ext cx="4015800" cy="2982960"/>
-          </a:xfrm>
-          <a:prstGeom prst="rect">
-            <a:avLst/>
-          </a:prstGeom>
-          <a:noFill/>
-          <a:ln w="0">
-            <a:noFill/>
-          </a:ln>
-        </p:spPr>
-        <p:txBody>
-          <a:bodyPr lIns="0" rIns="0" tIns="0" bIns="0" anchor="t">
-            <a:normAutofit/>
-          </a:bodyPr>
-          <a:p>
-            <a:endParaRPr b="0" lang="fr-FR" sz="3200" spc="-1" strike="noStrike">
-              <a:latin typeface="Arial"/>
-            </a:endParaRPr>
-          </a:p>
-        </p:txBody>
-      </p:sp>
-      <p:sp>
-        <p:nvSpPr>
-          <p:cNvPr id="107" name="PlaceHolder 3"/>
-          <p:cNvSpPr>
-            <a:spLocks noGrp="1"/>
-          </p:cNvSpPr>
-          <p:nvPr>
-            <p:ph/>
-          </p:nvPr>
-        </p:nvSpPr>
-        <p:spPr>
-          <a:xfrm>
-            <a:off x="4674240" y="1203480"/>
-            <a:ext cx="4015800" cy="1422720"/>
-          </a:xfrm>
-          <a:prstGeom prst="rect">
-            <a:avLst/>
-          </a:prstGeom>
-          <a:noFill/>
-          <a:ln w="0">
-            <a:noFill/>
-          </a:ln>
-        </p:spPr>
-        <p:txBody>
-          <a:bodyPr lIns="0" rIns="0" tIns="0" bIns="0" anchor="t">
-            <a:normAutofit/>
-          </a:bodyPr>
-          <a:p>
-            <a:endParaRPr b="0" lang="fr-FR" sz="3200" spc="-1" strike="noStrike">
-              <a:latin typeface="Arial"/>
-            </a:endParaRPr>
-          </a:p>
-        </p:txBody>
-      </p:sp>
-      <p:sp>
-        <p:nvSpPr>
-          <p:cNvPr id="108" name="PlaceHolder 4"/>
-          <p:cNvSpPr>
-            <a:spLocks noGrp="1"/>
-          </p:cNvSpPr>
-          <p:nvPr>
-            <p:ph/>
-          </p:nvPr>
-        </p:nvSpPr>
-        <p:spPr>
-          <a:xfrm>
-            <a:off x="4674240" y="2761920"/>
-            <a:ext cx="4015800" cy="1422720"/>
-          </a:xfrm>
-          <a:prstGeom prst="rect">
-            <a:avLst/>
-          </a:prstGeom>
-          <a:noFill/>
-          <a:ln w="0">
-            <a:noFill/>
-          </a:ln>
-        </p:spPr>
-        <p:txBody>
-          <a:bodyPr lIns="0" rIns="0" tIns="0" bIns="0" anchor="t">
-            <a:normAutofit/>
-          </a:bodyPr>
-          <a:p>
-            <a:endParaRPr b="0" lang="fr-FR" sz="3200" spc="-1" strike="noStrike">
-              <a:latin typeface="Arial"/>
-            </a:endParaRPr>
-          </a:p>
-        </p:txBody>
-      </p:sp>
-    </p:spTree>
-  </p:cSld>
-</p:sldLayout>
-</file>
-
-<file path=ppt/slideLayouts/slideLayout33.xml><?xml version="1.0" encoding="utf-8"?>
-<p:sldLayout xmlns:a="http://schemas.openxmlformats.org/drawingml/2006/main" xmlns:p="http://schemas.openxmlformats.org/presentationml/2006/main" xmlns:r="http://schemas.openxmlformats.org/officeDocument/2006/relationships" xmlns:p14="http://schemas.microsoft.com/office/powerpoint/2010/main" xmlns:p15="http://schemas.microsoft.com/office/powerpoint/2012/main" xmlns:mc="http://schemas.openxmlformats.org/markup-compatibility/2006" type="twoObjOverTx" preserve="1">
-  <p:cSld name="Title, 2 Content over Content">
-    <p:spTree>
-      <p:nvGrpSpPr>
-        <p:cNvPr id="1" name=""/>
-        <p:cNvGrpSpPr/>
-        <p:nvPr/>
-      </p:nvGrpSpPr>
-      <p:grpSpPr>
-        <a:xfrm>
-          <a:off x="0" y="0"/>
-          <a:ext cx="0" cy="0"/>
-          <a:chOff x="0" y="0"/>
-          <a:chExt cx="0" cy="0"/>
-        </a:xfrm>
-      </p:grpSpPr>
-      <p:sp>
-        <p:nvSpPr>
-          <p:cNvPr id="109" name="PlaceHolder 1"/>
-          <p:cNvSpPr>
-            <a:spLocks noGrp="1"/>
-          </p:cNvSpPr>
-          <p:nvPr>
-            <p:ph type="title"/>
-          </p:nvPr>
-        </p:nvSpPr>
-        <p:spPr>
-          <a:xfrm>
-            <a:off x="457200" y="205200"/>
-            <a:ext cx="8229240" cy="858600"/>
-          </a:xfrm>
-          <a:prstGeom prst="rect">
-            <a:avLst/>
-          </a:prstGeom>
-          <a:noFill/>
-          <a:ln w="0">
-            <a:noFill/>
-          </a:ln>
-        </p:spPr>
-        <p:txBody>
-          <a:bodyPr lIns="0" rIns="0" tIns="0" bIns="0" anchor="ctr">
-            <a:noAutofit/>
-          </a:bodyPr>
-          <a:p>
-            <a:pPr algn="ctr">
-              <a:buNone/>
-            </a:pPr>
-            <a:endParaRPr b="0" lang="fr-FR" sz="4400" spc="-1" strike="noStrike">
-              <a:latin typeface="Arial"/>
-            </a:endParaRPr>
-          </a:p>
-        </p:txBody>
-      </p:sp>
-      <p:sp>
-        <p:nvSpPr>
-          <p:cNvPr id="110" name="PlaceHolder 2"/>
-          <p:cNvSpPr>
-            <a:spLocks noGrp="1"/>
-          </p:cNvSpPr>
-          <p:nvPr>
-            <p:ph/>
-          </p:nvPr>
-        </p:nvSpPr>
-        <p:spPr>
-          <a:xfrm>
-            <a:off x="457200" y="1203480"/>
-            <a:ext cx="4015800" cy="1422720"/>
-          </a:xfrm>
-          <a:prstGeom prst="rect">
-            <a:avLst/>
-          </a:prstGeom>
-          <a:noFill/>
-          <a:ln w="0">
-            <a:noFill/>
-          </a:ln>
-        </p:spPr>
-        <p:txBody>
-          <a:bodyPr lIns="0" rIns="0" tIns="0" bIns="0" anchor="t">
-            <a:normAutofit/>
-          </a:bodyPr>
-          <a:p>
-            <a:endParaRPr b="0" lang="fr-FR" sz="3200" spc="-1" strike="noStrike">
-              <a:latin typeface="Arial"/>
-            </a:endParaRPr>
-          </a:p>
-        </p:txBody>
-      </p:sp>
-      <p:sp>
-        <p:nvSpPr>
-          <p:cNvPr id="111" name="PlaceHolder 3"/>
-          <p:cNvSpPr>
-            <a:spLocks noGrp="1"/>
-          </p:cNvSpPr>
-          <p:nvPr>
-            <p:ph/>
-          </p:nvPr>
-        </p:nvSpPr>
-        <p:spPr>
-          <a:xfrm>
-            <a:off x="4674240" y="1203480"/>
-            <a:ext cx="4015800" cy="1422720"/>
-          </a:xfrm>
-          <a:prstGeom prst="rect">
-            <a:avLst/>
-          </a:prstGeom>
-          <a:noFill/>
-          <a:ln w="0">
-            <a:noFill/>
-          </a:ln>
-        </p:spPr>
-        <p:txBody>
-          <a:bodyPr lIns="0" rIns="0" tIns="0" bIns="0" anchor="t">
-            <a:normAutofit/>
-          </a:bodyPr>
-          <a:p>
-            <a:endParaRPr b="0" lang="fr-FR" sz="3200" spc="-1" strike="noStrike">
-              <a:latin typeface="Arial"/>
-            </a:endParaRPr>
-          </a:p>
-        </p:txBody>
-      </p:sp>
-      <p:sp>
-        <p:nvSpPr>
-          <p:cNvPr id="112" name="PlaceHolder 4"/>
-          <p:cNvSpPr>
-            <a:spLocks noGrp="1"/>
-          </p:cNvSpPr>
-          <p:nvPr>
-            <p:ph/>
-          </p:nvPr>
-        </p:nvSpPr>
-        <p:spPr>
-          <a:xfrm>
-            <a:off x="457200" y="2761920"/>
-            <a:ext cx="8229240" cy="1422720"/>
-          </a:xfrm>
-          <a:prstGeom prst="rect">
-            <a:avLst/>
-          </a:prstGeom>
-          <a:noFill/>
-          <a:ln w="0">
-            <a:noFill/>
-          </a:ln>
-        </p:spPr>
-        <p:txBody>
-          <a:bodyPr lIns="0" rIns="0" tIns="0" bIns="0" anchor="t">
-            <a:normAutofit/>
-          </a:bodyPr>
-          <a:p>
-            <a:endParaRPr b="0" lang="fr-FR" sz="3200" spc="-1" strike="noStrike">
-              <a:latin typeface="Arial"/>
-            </a:endParaRPr>
-          </a:p>
-        </p:txBody>
-      </p:sp>
-    </p:spTree>
-  </p:cSld>
-</p:sldLayout>
-</file>
-
-<file path=ppt/slideLayouts/slideLayout34.xml><?xml version="1.0" encoding="utf-8"?>
-<p:sldLayout xmlns:a="http://schemas.openxmlformats.org/drawingml/2006/main" xmlns:p="http://schemas.openxmlformats.org/presentationml/2006/main" xmlns:r="http://schemas.openxmlformats.org/officeDocument/2006/relationships" xmlns:p14="http://schemas.microsoft.com/office/powerpoint/2010/main" xmlns:p15="http://schemas.microsoft.com/office/powerpoint/2012/main" xmlns:mc="http://schemas.openxmlformats.org/markup-compatibility/2006" type="objOverTx" preserve="1">
-  <p:cSld name="Title, Content over Content">
-    <p:spTree>
-      <p:nvGrpSpPr>
-        <p:cNvPr id="1" name=""/>
-        <p:cNvGrpSpPr/>
-        <p:nvPr/>
-      </p:nvGrpSpPr>
-      <p:grpSpPr>
-        <a:xfrm>
-          <a:off x="0" y="0"/>
-          <a:ext cx="0" cy="0"/>
-          <a:chOff x="0" y="0"/>
-          <a:chExt cx="0" cy="0"/>
-        </a:xfrm>
-      </p:grpSpPr>
-      <p:sp>
-        <p:nvSpPr>
-          <p:cNvPr id="113" name="PlaceHolder 1"/>
-          <p:cNvSpPr>
-            <a:spLocks noGrp="1"/>
-          </p:cNvSpPr>
-          <p:nvPr>
-            <p:ph type="title"/>
-          </p:nvPr>
-        </p:nvSpPr>
-        <p:spPr>
-          <a:xfrm>
-            <a:off x="457200" y="205200"/>
-            <a:ext cx="8229240" cy="858600"/>
-          </a:xfrm>
-          <a:prstGeom prst="rect">
-            <a:avLst/>
-          </a:prstGeom>
-          <a:noFill/>
-          <a:ln w="0">
-            <a:noFill/>
-          </a:ln>
-        </p:spPr>
-        <p:txBody>
-          <a:bodyPr lIns="0" rIns="0" tIns="0" bIns="0" anchor="ctr">
-            <a:noAutofit/>
-          </a:bodyPr>
-          <a:p>
-            <a:pPr algn="ctr">
-              <a:buNone/>
-            </a:pPr>
-            <a:endParaRPr b="0" lang="fr-FR" sz="4400" spc="-1" strike="noStrike">
-              <a:latin typeface="Arial"/>
-            </a:endParaRPr>
-          </a:p>
-        </p:txBody>
-      </p:sp>
-      <p:sp>
-        <p:nvSpPr>
-          <p:cNvPr id="114" name="PlaceHolder 2"/>
-          <p:cNvSpPr>
-            <a:spLocks noGrp="1"/>
-          </p:cNvSpPr>
-          <p:nvPr>
-            <p:ph/>
-          </p:nvPr>
-        </p:nvSpPr>
-        <p:spPr>
-          <a:xfrm>
-            <a:off x="457200" y="1203480"/>
-            <a:ext cx="8229240" cy="1422720"/>
-          </a:xfrm>
-          <a:prstGeom prst="rect">
-            <a:avLst/>
-          </a:prstGeom>
-          <a:noFill/>
-          <a:ln w="0">
-            <a:noFill/>
-          </a:ln>
-        </p:spPr>
-        <p:txBody>
-          <a:bodyPr lIns="0" rIns="0" tIns="0" bIns="0" anchor="t">
-            <a:normAutofit/>
-          </a:bodyPr>
-          <a:p>
-            <a:endParaRPr b="0" lang="fr-FR" sz="3200" spc="-1" strike="noStrike">
-              <a:latin typeface="Arial"/>
-            </a:endParaRPr>
-          </a:p>
-        </p:txBody>
-      </p:sp>
-      <p:sp>
-        <p:nvSpPr>
-          <p:cNvPr id="115" name="PlaceHolder 3"/>
-          <p:cNvSpPr>
-            <a:spLocks noGrp="1"/>
-          </p:cNvSpPr>
-          <p:nvPr>
-            <p:ph/>
-          </p:nvPr>
-        </p:nvSpPr>
-        <p:spPr>
-          <a:xfrm>
-            <a:off x="457200" y="2761920"/>
-            <a:ext cx="8229240" cy="1422720"/>
-          </a:xfrm>
-          <a:prstGeom prst="rect">
-            <a:avLst/>
-          </a:prstGeom>
-          <a:noFill/>
-          <a:ln w="0">
-            <a:noFill/>
-          </a:ln>
-        </p:spPr>
-        <p:txBody>
-          <a:bodyPr lIns="0" rIns="0" tIns="0" bIns="0" anchor="t">
-            <a:normAutofit/>
-          </a:bodyPr>
-          <a:p>
-            <a:endParaRPr b="0" lang="fr-FR" sz="3200" spc="-1" strike="noStrike">
-              <a:latin typeface="Arial"/>
-            </a:endParaRPr>
-          </a:p>
-        </p:txBody>
-      </p:sp>
-    </p:spTree>
-  </p:cSld>
-</p:sldLayout>
-</file>
-
-<file path=ppt/slideLayouts/slideLayout35.xml><?xml version="1.0" encoding="utf-8"?>
-<p:sldLayout xmlns:a="http://schemas.openxmlformats.org/drawingml/2006/main" xmlns:p="http://schemas.openxmlformats.org/presentationml/2006/main" xmlns:r="http://schemas.openxmlformats.org/officeDocument/2006/relationships" xmlns:p14="http://schemas.microsoft.com/office/powerpoint/2010/main" xmlns:p15="http://schemas.microsoft.com/office/powerpoint/2012/main" xmlns:mc="http://schemas.openxmlformats.org/markup-compatibility/2006" type="fourObj" preserve="1">
-  <p:cSld name="Title, 4 Content">
-    <p:spTree>
-      <p:nvGrpSpPr>
-        <p:cNvPr id="1" name=""/>
-        <p:cNvGrpSpPr/>
-        <p:nvPr/>
-      </p:nvGrpSpPr>
-      <p:grpSpPr>
-        <a:xfrm>
-          <a:off x="0" y="0"/>
-          <a:ext cx="0" cy="0"/>
-          <a:chOff x="0" y="0"/>
-          <a:chExt cx="0" cy="0"/>
-        </a:xfrm>
-      </p:grpSpPr>
-      <p:sp>
-        <p:nvSpPr>
-          <p:cNvPr id="116" name="PlaceHolder 1"/>
-          <p:cNvSpPr>
-            <a:spLocks noGrp="1"/>
-          </p:cNvSpPr>
-          <p:nvPr>
-            <p:ph type="title"/>
-          </p:nvPr>
-        </p:nvSpPr>
-        <p:spPr>
-          <a:xfrm>
-            <a:off x="457200" y="205200"/>
-            <a:ext cx="8229240" cy="858600"/>
-          </a:xfrm>
-          <a:prstGeom prst="rect">
-            <a:avLst/>
-          </a:prstGeom>
-          <a:noFill/>
-          <a:ln w="0">
-            <a:noFill/>
-          </a:ln>
-        </p:spPr>
-        <p:txBody>
-          <a:bodyPr lIns="0" rIns="0" tIns="0" bIns="0" anchor="ctr">
-            <a:noAutofit/>
-          </a:bodyPr>
-          <a:p>
-            <a:pPr algn="ctr">
-              <a:buNone/>
-            </a:pPr>
-            <a:endParaRPr b="0" lang="fr-FR" sz="4400" spc="-1" strike="noStrike">
-              <a:latin typeface="Arial"/>
-            </a:endParaRPr>
-          </a:p>
-        </p:txBody>
-      </p:sp>
-      <p:sp>
-        <p:nvSpPr>
-          <p:cNvPr id="117" name="PlaceHolder 2"/>
-          <p:cNvSpPr>
-            <a:spLocks noGrp="1"/>
-          </p:cNvSpPr>
-          <p:nvPr>
-            <p:ph/>
-          </p:nvPr>
-        </p:nvSpPr>
-        <p:spPr>
-          <a:xfrm>
-            <a:off x="457200" y="1203480"/>
-            <a:ext cx="4015800" cy="1422720"/>
-          </a:xfrm>
-          <a:prstGeom prst="rect">
-            <a:avLst/>
-          </a:prstGeom>
-          <a:noFill/>
-          <a:ln w="0">
-            <a:noFill/>
-          </a:ln>
-        </p:spPr>
-        <p:txBody>
-          <a:bodyPr lIns="0" rIns="0" tIns="0" bIns="0" anchor="t">
-            <a:normAutofit/>
-          </a:bodyPr>
-          <a:p>
-            <a:endParaRPr b="0" lang="fr-FR" sz="3200" spc="-1" strike="noStrike">
-              <a:latin typeface="Arial"/>
-            </a:endParaRPr>
-          </a:p>
-        </p:txBody>
-      </p:sp>
-      <p:sp>
-        <p:nvSpPr>
-          <p:cNvPr id="118" name="PlaceHolder 3"/>
-          <p:cNvSpPr>
-            <a:spLocks noGrp="1"/>
-          </p:cNvSpPr>
-          <p:nvPr>
-            <p:ph/>
-          </p:nvPr>
-        </p:nvSpPr>
-        <p:spPr>
-          <a:xfrm>
-            <a:off x="4674240" y="1203480"/>
-            <a:ext cx="4015800" cy="1422720"/>
-          </a:xfrm>
-          <a:prstGeom prst="rect">
-            <a:avLst/>
-          </a:prstGeom>
-          <a:noFill/>
-          <a:ln w="0">
-            <a:noFill/>
-          </a:ln>
-        </p:spPr>
-        <p:txBody>
-          <a:bodyPr lIns="0" rIns="0" tIns="0" bIns="0" anchor="t">
-            <a:normAutofit/>
-          </a:bodyPr>
-          <a:p>
-            <a:endParaRPr b="0" lang="fr-FR" sz="3200" spc="-1" strike="noStrike">
-              <a:latin typeface="Arial"/>
-            </a:endParaRPr>
-          </a:p>
-        </p:txBody>
-      </p:sp>
-      <p:sp>
-        <p:nvSpPr>
-          <p:cNvPr id="119" name="PlaceHolder 4"/>
-          <p:cNvSpPr>
-            <a:spLocks noGrp="1"/>
-          </p:cNvSpPr>
-          <p:nvPr>
-            <p:ph/>
-          </p:nvPr>
-        </p:nvSpPr>
-        <p:spPr>
-          <a:xfrm>
-            <a:off x="457200" y="2761920"/>
-            <a:ext cx="4015800" cy="1422720"/>
-          </a:xfrm>
-          <a:prstGeom prst="rect">
-            <a:avLst/>
-          </a:prstGeom>
-          <a:noFill/>
-          <a:ln w="0">
-            <a:noFill/>
-          </a:ln>
-        </p:spPr>
-        <p:txBody>
-          <a:bodyPr lIns="0" rIns="0" tIns="0" bIns="0" anchor="t">
-            <a:normAutofit/>
-          </a:bodyPr>
-          <a:p>
-            <a:endParaRPr b="0" lang="fr-FR" sz="3200" spc="-1" strike="noStrike">
-              <a:latin typeface="Arial"/>
-            </a:endParaRPr>
-          </a:p>
-        </p:txBody>
-      </p:sp>
-      <p:sp>
-        <p:nvSpPr>
-          <p:cNvPr id="120" name="PlaceHolder 5"/>
-          <p:cNvSpPr>
-            <a:spLocks noGrp="1"/>
-          </p:cNvSpPr>
-          <p:nvPr>
-            <p:ph/>
-          </p:nvPr>
-        </p:nvSpPr>
-        <p:spPr>
-          <a:xfrm>
-            <a:off x="4674240" y="2761920"/>
-            <a:ext cx="4015800" cy="1422720"/>
-          </a:xfrm>
-          <a:prstGeom prst="rect">
-            <a:avLst/>
-          </a:prstGeom>
-          <a:noFill/>
-          <a:ln w="0">
-            <a:noFill/>
-          </a:ln>
-        </p:spPr>
-        <p:txBody>
-          <a:bodyPr lIns="0" rIns="0" tIns="0" bIns="0" anchor="t">
-            <a:normAutofit/>
-          </a:bodyPr>
-          <a:p>
-            <a:endParaRPr b="0" lang="fr-FR" sz="3200" spc="-1" strike="noStrike">
-              <a:latin typeface="Arial"/>
-            </a:endParaRPr>
-          </a:p>
-        </p:txBody>
-      </p:sp>
-    </p:spTree>
-  </p:cSld>
-</p:sldLayout>
-</file>
-
-<file path=ppt/slideLayouts/slideLayout36.xml><?xml version="1.0" encoding="utf-8"?>
-<p:sldLayout xmlns:a="http://schemas.openxmlformats.org/drawingml/2006/main" xmlns:p="http://schemas.openxmlformats.org/presentationml/2006/main" xmlns:r="http://schemas.openxmlformats.org/officeDocument/2006/relationships" xmlns:p14="http://schemas.microsoft.com/office/powerpoint/2010/main" xmlns:p15="http://schemas.microsoft.com/office/powerpoint/2012/main" xmlns:mc="http://schemas.openxmlformats.org/markup-compatibility/2006" type="blank" preserve="1">
-  <p:cSld name="Title, 6 Content">
-    <p:spTree>
-      <p:nvGrpSpPr>
-        <p:cNvPr id="1" name=""/>
-        <p:cNvGrpSpPr/>
-        <p:nvPr/>
-      </p:nvGrpSpPr>
-      <p:grpSpPr>
-        <a:xfrm>
-          <a:off x="0" y="0"/>
-          <a:ext cx="0" cy="0"/>
-          <a:chOff x="0" y="0"/>
-          <a:chExt cx="0" cy="0"/>
-        </a:xfrm>
-      </p:grpSpPr>
-      <p:sp>
-        <p:nvSpPr>
-          <p:cNvPr id="121" name="PlaceHolder 1"/>
-          <p:cNvSpPr>
-            <a:spLocks noGrp="1"/>
-          </p:cNvSpPr>
-          <p:nvPr>
-            <p:ph type="title"/>
-          </p:nvPr>
-        </p:nvSpPr>
-        <p:spPr>
-          <a:xfrm>
-            <a:off x="457200" y="205200"/>
-            <a:ext cx="8229240" cy="858600"/>
-          </a:xfrm>
-          <a:prstGeom prst="rect">
-            <a:avLst/>
-          </a:prstGeom>
-          <a:noFill/>
-          <a:ln w="0">
-            <a:noFill/>
-          </a:ln>
-        </p:spPr>
-        <p:txBody>
-          <a:bodyPr lIns="0" rIns="0" tIns="0" bIns="0" anchor="ctr">
-            <a:noAutofit/>
-          </a:bodyPr>
-          <a:p>
-            <a:pPr algn="ctr">
-              <a:buNone/>
-            </a:pPr>
-            <a:endParaRPr b="0" lang="fr-FR" sz="4400" spc="-1" strike="noStrike">
-              <a:latin typeface="Arial"/>
-            </a:endParaRPr>
-          </a:p>
-        </p:txBody>
-      </p:sp>
-      <p:sp>
-        <p:nvSpPr>
-          <p:cNvPr id="122" name="PlaceHolder 2"/>
-          <p:cNvSpPr>
-            <a:spLocks noGrp="1"/>
-          </p:cNvSpPr>
-          <p:nvPr>
-            <p:ph/>
-          </p:nvPr>
-        </p:nvSpPr>
-        <p:spPr>
-          <a:xfrm>
-            <a:off x="457200" y="1203480"/>
-            <a:ext cx="2649600" cy="1422720"/>
-          </a:xfrm>
-          <a:prstGeom prst="rect">
-            <a:avLst/>
-          </a:prstGeom>
-          <a:noFill/>
-          <a:ln w="0">
-            <a:noFill/>
-          </a:ln>
-        </p:spPr>
-        <p:txBody>
-          <a:bodyPr lIns="0" rIns="0" tIns="0" bIns="0" anchor="t">
-            <a:normAutofit/>
-          </a:bodyPr>
-          <a:p>
-            <a:endParaRPr b="0" lang="fr-FR" sz="3200" spc="-1" strike="noStrike">
-              <a:latin typeface="Arial"/>
-            </a:endParaRPr>
-          </a:p>
-        </p:txBody>
-      </p:sp>
-      <p:sp>
-        <p:nvSpPr>
-          <p:cNvPr id="123" name="PlaceHolder 3"/>
-          <p:cNvSpPr>
-            <a:spLocks noGrp="1"/>
-          </p:cNvSpPr>
-          <p:nvPr>
-            <p:ph/>
-          </p:nvPr>
-        </p:nvSpPr>
-        <p:spPr>
-          <a:xfrm>
-            <a:off x="3239640" y="1203480"/>
-            <a:ext cx="2649600" cy="1422720"/>
-          </a:xfrm>
-          <a:prstGeom prst="rect">
-            <a:avLst/>
-          </a:prstGeom>
-          <a:noFill/>
-          <a:ln w="0">
-            <a:noFill/>
-          </a:ln>
-        </p:spPr>
-        <p:txBody>
-          <a:bodyPr lIns="0" rIns="0" tIns="0" bIns="0" anchor="t">
-            <a:normAutofit/>
-          </a:bodyPr>
-          <a:p>
-            <a:endParaRPr b="0" lang="fr-FR" sz="3200" spc="-1" strike="noStrike">
-              <a:latin typeface="Arial"/>
-            </a:endParaRPr>
-          </a:p>
-        </p:txBody>
-      </p:sp>
-      <p:sp>
-        <p:nvSpPr>
-          <p:cNvPr id="124" name="PlaceHolder 4"/>
-          <p:cNvSpPr>
-            <a:spLocks noGrp="1"/>
-          </p:cNvSpPr>
-          <p:nvPr>
-            <p:ph/>
-          </p:nvPr>
-        </p:nvSpPr>
-        <p:spPr>
-          <a:xfrm>
-            <a:off x="6022080" y="1203480"/>
-            <a:ext cx="2649600" cy="1422720"/>
-          </a:xfrm>
-          <a:prstGeom prst="rect">
-            <a:avLst/>
-          </a:prstGeom>
-          <a:noFill/>
-          <a:ln w="0">
-            <a:noFill/>
-          </a:ln>
-        </p:spPr>
-        <p:txBody>
-          <a:bodyPr lIns="0" rIns="0" tIns="0" bIns="0" anchor="t">
-            <a:normAutofit/>
-          </a:bodyPr>
-          <a:p>
-            <a:endParaRPr b="0" lang="fr-FR" sz="3200" spc="-1" strike="noStrike">
-              <a:latin typeface="Arial"/>
-            </a:endParaRPr>
-          </a:p>
-        </p:txBody>
-      </p:sp>
-      <p:sp>
-        <p:nvSpPr>
-          <p:cNvPr id="125" name="PlaceHolder 5"/>
-          <p:cNvSpPr>
-            <a:spLocks noGrp="1"/>
-          </p:cNvSpPr>
-          <p:nvPr>
-            <p:ph/>
-          </p:nvPr>
-        </p:nvSpPr>
-        <p:spPr>
-          <a:xfrm>
-            <a:off x="457200" y="2761920"/>
-            <a:ext cx="2649600" cy="1422720"/>
-          </a:xfrm>
-          <a:prstGeom prst="rect">
-            <a:avLst/>
-          </a:prstGeom>
-          <a:noFill/>
-          <a:ln w="0">
-            <a:noFill/>
-          </a:ln>
-        </p:spPr>
-        <p:txBody>
-          <a:bodyPr lIns="0" rIns="0" tIns="0" bIns="0" anchor="t">
-            <a:normAutofit/>
-          </a:bodyPr>
-          <a:p>
-            <a:endParaRPr b="0" lang="fr-FR" sz="3200" spc="-1" strike="noStrike">
-              <a:latin typeface="Arial"/>
-            </a:endParaRPr>
-          </a:p>
-        </p:txBody>
-      </p:sp>
-      <p:sp>
-        <p:nvSpPr>
-          <p:cNvPr id="126" name="PlaceHolder 6"/>
-          <p:cNvSpPr>
-            <a:spLocks noGrp="1"/>
-          </p:cNvSpPr>
-          <p:nvPr>
-            <p:ph/>
-          </p:nvPr>
-        </p:nvSpPr>
-        <p:spPr>
-          <a:xfrm>
-            <a:off x="3239640" y="2761920"/>
-            <a:ext cx="2649600" cy="1422720"/>
-          </a:xfrm>
-          <a:prstGeom prst="rect">
-            <a:avLst/>
-          </a:prstGeom>
-          <a:noFill/>
-          <a:ln w="0">
-            <a:noFill/>
-          </a:ln>
-        </p:spPr>
-        <p:txBody>
-          <a:bodyPr lIns="0" rIns="0" tIns="0" bIns="0" anchor="t">
-            <a:normAutofit/>
-          </a:bodyPr>
-          <a:p>
-            <a:endParaRPr b="0" lang="fr-FR" sz="3200" spc="-1" strike="noStrike">
-              <a:latin typeface="Arial"/>
-            </a:endParaRPr>
-          </a:p>
-        </p:txBody>
-      </p:sp>
-      <p:sp>
-        <p:nvSpPr>
-          <p:cNvPr id="127" name="PlaceHolder 7"/>
-          <p:cNvSpPr>
-            <a:spLocks noGrp="1"/>
-          </p:cNvSpPr>
-          <p:nvPr>
-            <p:ph/>
-          </p:nvPr>
-        </p:nvSpPr>
-        <p:spPr>
-          <a:xfrm>
-            <a:off x="6022080" y="2761920"/>
-            <a:ext cx="2649600" cy="1422720"/>
           </a:xfrm>
           <a:prstGeom prst="rect">
             <a:avLst/>
@@ -3880,7 +2356,7 @@
       </p:grpSpPr>
       <p:sp>
         <p:nvSpPr>
-          <p:cNvPr id="16" name="PlaceHolder 1"/>
+          <p:cNvPr id="8" name="PlaceHolder 1"/>
           <p:cNvSpPr>
             <a:spLocks noGrp="1"/>
           </p:cNvSpPr>
@@ -3917,7 +2393,7 @@
       </p:sp>
       <p:sp>
         <p:nvSpPr>
-          <p:cNvPr id="17" name="PlaceHolder 2"/>
+          <p:cNvPr id="9" name="PlaceHolder 2"/>
           <p:cNvSpPr>
             <a:spLocks noGrp="1"/>
           </p:cNvSpPr>
@@ -3951,7 +2427,7 @@
       </p:sp>
       <p:sp>
         <p:nvSpPr>
-          <p:cNvPr id="18" name="PlaceHolder 3"/>
+          <p:cNvPr id="10" name="PlaceHolder 3"/>
           <p:cNvSpPr>
             <a:spLocks noGrp="1"/>
           </p:cNvSpPr>
@@ -4007,7 +2483,7 @@
       </p:grpSpPr>
       <p:sp>
         <p:nvSpPr>
-          <p:cNvPr id="19" name="PlaceHolder 1"/>
+          <p:cNvPr id="11" name="PlaceHolder 1"/>
           <p:cNvSpPr>
             <a:spLocks noGrp="1"/>
           </p:cNvSpPr>
@@ -4066,7 +2542,7 @@
       </p:grpSpPr>
       <p:sp>
         <p:nvSpPr>
-          <p:cNvPr id="20" name="PlaceHolder 1"/>
+          <p:cNvPr id="12" name="PlaceHolder 1"/>
           <p:cNvSpPr>
             <a:spLocks noGrp="1"/>
           </p:cNvSpPr>
@@ -4125,7 +2601,7 @@
       </p:grpSpPr>
       <p:sp>
         <p:nvSpPr>
-          <p:cNvPr id="21" name="PlaceHolder 1"/>
+          <p:cNvPr id="13" name="PlaceHolder 1"/>
           <p:cNvSpPr>
             <a:spLocks noGrp="1"/>
           </p:cNvSpPr>
@@ -4162,7 +2638,7 @@
       </p:sp>
       <p:sp>
         <p:nvSpPr>
-          <p:cNvPr id="22" name="PlaceHolder 2"/>
+          <p:cNvPr id="14" name="PlaceHolder 2"/>
           <p:cNvSpPr>
             <a:spLocks noGrp="1"/>
           </p:cNvSpPr>
@@ -4196,7 +2672,7 @@
       </p:sp>
       <p:sp>
         <p:nvSpPr>
-          <p:cNvPr id="23" name="PlaceHolder 3"/>
+          <p:cNvPr id="15" name="PlaceHolder 3"/>
           <p:cNvSpPr>
             <a:spLocks noGrp="1"/>
           </p:cNvSpPr>
@@ -4230,7 +2706,7 @@
       </p:sp>
       <p:sp>
         <p:nvSpPr>
-          <p:cNvPr id="24" name="PlaceHolder 4"/>
+          <p:cNvPr id="16" name="PlaceHolder 4"/>
           <p:cNvSpPr>
             <a:spLocks noGrp="1"/>
           </p:cNvSpPr>
@@ -4286,7 +2762,7 @@
       </p:grpSpPr>
       <p:sp>
         <p:nvSpPr>
-          <p:cNvPr id="25" name="PlaceHolder 1"/>
+          <p:cNvPr id="17" name="PlaceHolder 1"/>
           <p:cNvSpPr>
             <a:spLocks noGrp="1"/>
           </p:cNvSpPr>
@@ -4323,7 +2799,7 @@
       </p:sp>
       <p:sp>
         <p:nvSpPr>
-          <p:cNvPr id="26" name="PlaceHolder 2"/>
+          <p:cNvPr id="18" name="PlaceHolder 2"/>
           <p:cNvSpPr>
             <a:spLocks noGrp="1"/>
           </p:cNvSpPr>
@@ -4357,7 +2833,7 @@
       </p:sp>
       <p:sp>
         <p:nvSpPr>
-          <p:cNvPr id="27" name="PlaceHolder 3"/>
+          <p:cNvPr id="19" name="PlaceHolder 3"/>
           <p:cNvSpPr>
             <a:spLocks noGrp="1"/>
           </p:cNvSpPr>
@@ -4391,7 +2867,7 @@
       </p:sp>
       <p:sp>
         <p:nvSpPr>
-          <p:cNvPr id="28" name="PlaceHolder 4"/>
+          <p:cNvPr id="20" name="PlaceHolder 4"/>
           <p:cNvSpPr>
             <a:spLocks noGrp="1"/>
           </p:cNvSpPr>
@@ -4447,7 +2923,7 @@
       </p:grpSpPr>
       <p:sp>
         <p:nvSpPr>
-          <p:cNvPr id="29" name="PlaceHolder 1"/>
+          <p:cNvPr id="21" name="PlaceHolder 1"/>
           <p:cNvSpPr>
             <a:spLocks noGrp="1"/>
           </p:cNvSpPr>
@@ -4484,7 +2960,7 @@
       </p:sp>
       <p:sp>
         <p:nvSpPr>
-          <p:cNvPr id="30" name="PlaceHolder 2"/>
+          <p:cNvPr id="22" name="PlaceHolder 2"/>
           <p:cNvSpPr>
             <a:spLocks noGrp="1"/>
           </p:cNvSpPr>
@@ -4518,7 +2994,7 @@
       </p:sp>
       <p:sp>
         <p:nvSpPr>
-          <p:cNvPr id="31" name="PlaceHolder 3"/>
+          <p:cNvPr id="23" name="PlaceHolder 3"/>
           <p:cNvSpPr>
             <a:spLocks noGrp="1"/>
           </p:cNvSpPr>
@@ -4552,7 +3028,7 @@
       </p:sp>
       <p:sp>
         <p:nvSpPr>
-          <p:cNvPr id="32" name="PlaceHolder 4"/>
+          <p:cNvPr id="24" name="PlaceHolder 4"/>
           <p:cNvSpPr>
             <a:spLocks noGrp="1"/>
           </p:cNvSpPr>
@@ -4615,14 +3091,14 @@
       </p:grpSpPr>
       <p:sp>
         <p:nvSpPr>
-          <p:cNvPr id="0" name="CustomShape 1" hidden="1"/>
+          <p:cNvPr id="0" name="CustomShape 1"/>
           <p:cNvSpPr/>
           <p:nvPr/>
         </p:nvSpPr>
         <p:spPr>
           <a:xfrm>
             <a:off x="314280" y="4535640"/>
-            <a:ext cx="272880" cy="332640"/>
+            <a:ext cx="271080" cy="330840"/>
           </a:xfrm>
           <a:prstGeom prst="rect">
             <a:avLst/>
@@ -4652,7 +3128,7 @@
               </a:spcAft>
               <a:buNone/>
             </a:pPr>
-            <a:fld id="{23B069FC-18E1-47D7-9E73-03B6873A05C8}" type="slidenum">
+            <a:fld id="{95990135-5580-4D58-A1C6-4DC9F30D832E}" type="slidenum">
               <a:rPr b="0" lang="fr-FR" sz="800" spc="-1" strike="noStrike">
                 <a:solidFill>
                   <a:srgbClr val="000000"/>
@@ -4668,789 +3144,35 @@
           </a:p>
         </p:txBody>
       </p:sp>
-      <p:grpSp>
-        <p:nvGrpSpPr>
-          <p:cNvPr id="1" name="Group 4"/>
-          <p:cNvGrpSpPr/>
+      <p:sp>
+        <p:nvSpPr>
+          <p:cNvPr id="1" name="CustomShape 4"/>
+          <p:cNvSpPr/>
           <p:nvPr/>
-        </p:nvGrpSpPr>
-        <p:grpSpPr>
-          <a:xfrm>
-            <a:off x="313560" y="4233960"/>
-            <a:ext cx="610560" cy="610560"/>
-            <a:chOff x="313560" y="4233960"/>
-            <a:chExt cx="610560" cy="610560"/>
-          </a:xfrm>
-        </p:grpSpPr>
-        <p:sp>
-          <p:nvSpPr>
-            <p:cNvPr id="2" name="CustomShape 5"/>
-            <p:cNvSpPr/>
-            <p:nvPr/>
-          </p:nvSpPr>
-          <p:spPr>
-            <a:xfrm>
-              <a:off x="313560" y="4233960"/>
-              <a:ext cx="610560" cy="610560"/>
-            </a:xfrm>
-            <a:prstGeom prst="rect">
-              <a:avLst/>
-            </a:prstGeom>
-            <a:solidFill>
-              <a:srgbClr val="ff7900"/>
-            </a:solidFill>
-            <a:ln w="0">
-              <a:noFill/>
-            </a:ln>
-          </p:spPr>
-          <p:style>
-            <a:lnRef idx="0"/>
-            <a:fillRef idx="0"/>
-            <a:effectRef idx="0"/>
-            <a:fontRef idx="minor"/>
-          </p:style>
-        </p:sp>
-        <p:sp>
-          <p:nvSpPr>
-            <p:cNvPr id="3" name="CustomShape 6"/>
-            <p:cNvSpPr/>
-            <p:nvPr/>
-          </p:nvSpPr>
-          <p:spPr>
-            <a:xfrm>
-              <a:off x="500760" y="4708440"/>
-              <a:ext cx="72360" cy="85320"/>
-            </a:xfrm>
-            <a:custGeom>
-              <a:avLst/>
-              <a:gdLst/>
-              <a:ahLst/>
-              <a:rect l="l" t="t" r="r" b="b"/>
-              <a:pathLst>
-                <a:path w="93" h="109">
-                  <a:moveTo>
-                    <a:pt x="66" y="99"/>
-                  </a:moveTo>
-                  <a:cubicBezTo>
-                    <a:pt x="55" y="106"/>
-                    <a:pt x="43" y="109"/>
-                    <a:pt x="31" y="109"/>
-                  </a:cubicBezTo>
-                  <a:cubicBezTo>
-                    <a:pt x="11" y="109"/>
-                    <a:pt x="0" y="96"/>
-                    <a:pt x="0" y="79"/>
-                  </a:cubicBezTo>
-                  <a:cubicBezTo>
-                    <a:pt x="0" y="55"/>
-                    <a:pt x="21" y="42"/>
-                    <a:pt x="66" y="37"/>
-                  </a:cubicBezTo>
-                  <a:cubicBezTo>
-                    <a:pt x="66" y="32"/>
-                    <a:pt x="66" y="32"/>
-                    <a:pt x="66" y="32"/>
-                  </a:cubicBezTo>
-                  <a:cubicBezTo>
-                    <a:pt x="66" y="24"/>
-                    <a:pt x="60" y="19"/>
-                    <a:pt x="49" y="19"/>
-                  </a:cubicBezTo>
-                  <a:cubicBezTo>
-                    <a:pt x="39" y="19"/>
-                    <a:pt x="30" y="24"/>
-                    <a:pt x="24" y="32"/>
-                  </a:cubicBezTo>
-                  <a:cubicBezTo>
-                    <a:pt x="5" y="21"/>
-                    <a:pt x="5" y="21"/>
-                    <a:pt x="5" y="21"/>
-                  </a:cubicBezTo>
-                  <a:cubicBezTo>
-                    <a:pt x="15" y="7"/>
-                    <a:pt x="30" y="0"/>
-                    <a:pt x="50" y="0"/>
-                  </a:cubicBezTo>
-                  <a:cubicBezTo>
-                    <a:pt x="77" y="0"/>
-                    <a:pt x="93" y="12"/>
-                    <a:pt x="93" y="32"/>
-                  </a:cubicBezTo>
-                  <a:cubicBezTo>
-                    <a:pt x="93" y="32"/>
-                    <a:pt x="93" y="108"/>
-                    <a:pt x="93" y="108"/>
-                  </a:cubicBezTo>
-                  <a:cubicBezTo>
-                    <a:pt x="68" y="108"/>
-                    <a:pt x="68" y="108"/>
-                    <a:pt x="68" y="108"/>
-                  </a:cubicBezTo>
-                  <a:lnTo>
-                    <a:pt x="66" y="99"/>
-                  </a:lnTo>
-                  <a:close/>
-                  <a:moveTo>
-                    <a:pt x="27" y="77"/>
-                  </a:moveTo>
-                  <a:cubicBezTo>
-                    <a:pt x="27" y="84"/>
-                    <a:pt x="31" y="90"/>
-                    <a:pt x="39" y="90"/>
-                  </a:cubicBezTo>
-                  <a:cubicBezTo>
-                    <a:pt x="48" y="90"/>
-                    <a:pt x="57" y="87"/>
-                    <a:pt x="65" y="79"/>
-                  </a:cubicBezTo>
-                  <a:cubicBezTo>
-                    <a:pt x="65" y="54"/>
-                    <a:pt x="65" y="54"/>
-                    <a:pt x="65" y="54"/>
-                  </a:cubicBezTo>
-                  <a:cubicBezTo>
-                    <a:pt x="39" y="57"/>
-                    <a:pt x="27" y="64"/>
-                    <a:pt x="27" y="77"/>
-                  </a:cubicBezTo>
-                  <a:close/>
-                </a:path>
-              </a:pathLst>
-            </a:custGeom>
-            <a:solidFill>
-              <a:srgbClr val="ffffff"/>
-            </a:solidFill>
-            <a:ln w="0">
-              <a:noFill/>
-            </a:ln>
-          </p:spPr>
-          <p:style>
-            <a:lnRef idx="0"/>
-            <a:fillRef idx="0"/>
-            <a:effectRef idx="0"/>
-            <a:fontRef idx="minor"/>
-          </p:style>
-        </p:sp>
-        <p:sp>
-          <p:nvSpPr>
-            <p:cNvPr id="4" name="CustomShape 7"/>
-            <p:cNvSpPr/>
-            <p:nvPr/>
-          </p:nvSpPr>
-          <p:spPr>
-            <a:xfrm>
-              <a:off x="592920" y="4708440"/>
-              <a:ext cx="74160" cy="85320"/>
-            </a:xfrm>
-            <a:custGeom>
-              <a:avLst/>
-              <a:gdLst/>
-              <a:ahLst/>
-              <a:rect l="l" t="t" r="r" b="b"/>
-              <a:pathLst>
-                <a:path w="94" h="108">
-                  <a:moveTo>
-                    <a:pt x="0" y="5"/>
-                  </a:moveTo>
-                  <a:cubicBezTo>
-                    <a:pt x="23" y="2"/>
-                    <a:pt x="23" y="2"/>
-                    <a:pt x="23" y="2"/>
-                  </a:cubicBezTo>
-                  <a:cubicBezTo>
-                    <a:pt x="25" y="15"/>
-                    <a:pt x="25" y="15"/>
-                    <a:pt x="25" y="15"/>
-                  </a:cubicBezTo>
-                  <a:cubicBezTo>
-                    <a:pt x="38" y="5"/>
-                    <a:pt x="48" y="0"/>
-                    <a:pt x="61" y="0"/>
-                  </a:cubicBezTo>
-                  <a:cubicBezTo>
-                    <a:pt x="83" y="0"/>
-                    <a:pt x="94" y="12"/>
-                    <a:pt x="94" y="34"/>
-                  </a:cubicBezTo>
-                  <a:cubicBezTo>
-                    <a:pt x="94" y="108"/>
-                    <a:pt x="94" y="108"/>
-                    <a:pt x="94" y="108"/>
-                  </a:cubicBezTo>
-                  <a:cubicBezTo>
-                    <a:pt x="66" y="108"/>
-                    <a:pt x="66" y="108"/>
-                    <a:pt x="66" y="108"/>
-                  </a:cubicBezTo>
-                  <a:cubicBezTo>
-                    <a:pt x="66" y="39"/>
-                    <a:pt x="66" y="39"/>
-                    <a:pt x="66" y="39"/>
-                  </a:cubicBezTo>
-                  <a:cubicBezTo>
-                    <a:pt x="66" y="26"/>
-                    <a:pt x="63" y="21"/>
-                    <a:pt x="53" y="21"/>
-                  </a:cubicBezTo>
-                  <a:cubicBezTo>
-                    <a:pt x="45" y="21"/>
-                    <a:pt x="36" y="24"/>
-                    <a:pt x="27" y="32"/>
-                  </a:cubicBezTo>
-                  <a:cubicBezTo>
-                    <a:pt x="27" y="108"/>
-                    <a:pt x="27" y="108"/>
-                    <a:pt x="27" y="108"/>
-                  </a:cubicBezTo>
-                  <a:cubicBezTo>
-                    <a:pt x="0" y="108"/>
-                    <a:pt x="0" y="108"/>
-                    <a:pt x="0" y="108"/>
-                  </a:cubicBezTo>
-                  <a:lnTo>
-                    <a:pt x="0" y="5"/>
-                  </a:lnTo>
-                  <a:close/>
-                </a:path>
-              </a:pathLst>
-            </a:custGeom>
-            <a:solidFill>
-              <a:srgbClr val="ffffff"/>
-            </a:solidFill>
-            <a:ln w="0">
-              <a:noFill/>
-            </a:ln>
-          </p:spPr>
-          <p:style>
-            <a:lnRef idx="0"/>
-            <a:fillRef idx="0"/>
-            <a:effectRef idx="0"/>
-            <a:fontRef idx="minor"/>
-          </p:style>
-        </p:sp>
-        <p:sp>
-          <p:nvSpPr>
-            <p:cNvPr id="5" name="CustomShape 8"/>
-            <p:cNvSpPr/>
-            <p:nvPr/>
-          </p:nvSpPr>
-          <p:spPr>
-            <a:xfrm>
-              <a:off x="778680" y="4708440"/>
-              <a:ext cx="77040" cy="86760"/>
-            </a:xfrm>
-            <a:custGeom>
-              <a:avLst/>
-              <a:gdLst/>
-              <a:ahLst/>
-              <a:rect l="l" t="t" r="r" b="b"/>
-              <a:pathLst>
-                <a:path w="98" h="110">
-                  <a:moveTo>
-                    <a:pt x="50" y="110"/>
-                  </a:moveTo>
-                  <a:cubicBezTo>
-                    <a:pt x="19" y="110"/>
-                    <a:pt x="0" y="90"/>
-                    <a:pt x="0" y="55"/>
-                  </a:cubicBezTo>
-                  <a:cubicBezTo>
-                    <a:pt x="0" y="20"/>
-                    <a:pt x="19" y="0"/>
-                    <a:pt x="49" y="0"/>
-                  </a:cubicBezTo>
-                  <a:cubicBezTo>
-                    <a:pt x="80" y="0"/>
-                    <a:pt x="98" y="20"/>
-                    <a:pt x="98" y="54"/>
-                  </a:cubicBezTo>
-                  <a:cubicBezTo>
-                    <a:pt x="98" y="56"/>
-                    <a:pt x="97" y="57"/>
-                    <a:pt x="97" y="59"/>
-                  </a:cubicBezTo>
-                  <a:cubicBezTo>
-                    <a:pt x="27" y="59"/>
-                    <a:pt x="27" y="59"/>
-                    <a:pt x="27" y="59"/>
-                  </a:cubicBezTo>
-                  <a:cubicBezTo>
-                    <a:pt x="28" y="79"/>
-                    <a:pt x="36" y="89"/>
-                    <a:pt x="52" y="89"/>
-                  </a:cubicBezTo>
-                  <a:cubicBezTo>
-                    <a:pt x="63" y="89"/>
-                    <a:pt x="70" y="85"/>
-                    <a:pt x="76" y="76"/>
-                  </a:cubicBezTo>
-                  <a:cubicBezTo>
-                    <a:pt x="96" y="87"/>
-                    <a:pt x="96" y="87"/>
-                    <a:pt x="96" y="87"/>
-                  </a:cubicBezTo>
-                  <a:cubicBezTo>
-                    <a:pt x="87" y="102"/>
-                    <a:pt x="71" y="110"/>
-                    <a:pt x="50" y="110"/>
-                  </a:cubicBezTo>
-                  <a:close/>
-                  <a:moveTo>
-                    <a:pt x="70" y="41"/>
-                  </a:moveTo>
-                  <a:cubicBezTo>
-                    <a:pt x="70" y="27"/>
-                    <a:pt x="62" y="19"/>
-                    <a:pt x="49" y="19"/>
-                  </a:cubicBezTo>
-                  <a:cubicBezTo>
-                    <a:pt x="37" y="19"/>
-                    <a:pt x="29" y="27"/>
-                    <a:pt x="28" y="41"/>
-                  </a:cubicBezTo>
-                  <a:lnTo>
-                    <a:pt x="70" y="41"/>
-                  </a:lnTo>
-                  <a:close/>
-                </a:path>
-              </a:pathLst>
-            </a:custGeom>
-            <a:solidFill>
-              <a:srgbClr val="ffffff"/>
-            </a:solidFill>
-            <a:ln w="0">
-              <a:noFill/>
-            </a:ln>
-          </p:spPr>
-          <p:style>
-            <a:lnRef idx="0"/>
-            <a:fillRef idx="0"/>
-            <a:effectRef idx="0"/>
-            <a:fontRef idx="minor"/>
-          </p:style>
-        </p:sp>
-        <p:sp>
-          <p:nvSpPr>
-            <p:cNvPr id="6" name="CustomShape 9"/>
-            <p:cNvSpPr/>
-            <p:nvPr/>
-          </p:nvSpPr>
-          <p:spPr>
-            <a:xfrm>
-              <a:off x="347040" y="4708440"/>
-              <a:ext cx="82080" cy="86760"/>
-            </a:xfrm>
-            <a:custGeom>
-              <a:avLst/>
-              <a:gdLst/>
-              <a:ahLst/>
-              <a:rect l="l" t="t" r="r" b="b"/>
-              <a:pathLst>
-                <a:path w="104" h="111">
-                  <a:moveTo>
-                    <a:pt x="52" y="111"/>
-                  </a:moveTo>
-                  <a:cubicBezTo>
-                    <a:pt x="25" y="111"/>
-                    <a:pt x="0" y="93"/>
-                    <a:pt x="0" y="55"/>
-                  </a:cubicBezTo>
-                  <a:cubicBezTo>
-                    <a:pt x="0" y="17"/>
-                    <a:pt x="25" y="0"/>
-                    <a:pt x="52" y="0"/>
-                  </a:cubicBezTo>
-                  <a:cubicBezTo>
-                    <a:pt x="79" y="0"/>
-                    <a:pt x="104" y="17"/>
-                    <a:pt x="104" y="55"/>
-                  </a:cubicBezTo>
-                  <a:cubicBezTo>
-                    <a:pt x="104" y="93"/>
-                    <a:pt x="79" y="111"/>
-                    <a:pt x="52" y="111"/>
-                  </a:cubicBezTo>
-                  <a:close/>
-                  <a:moveTo>
-                    <a:pt x="52" y="23"/>
-                  </a:moveTo>
-                  <a:cubicBezTo>
-                    <a:pt x="31" y="23"/>
-                    <a:pt x="28" y="42"/>
-                    <a:pt x="28" y="55"/>
-                  </a:cubicBezTo>
-                  <a:cubicBezTo>
-                    <a:pt x="28" y="69"/>
-                    <a:pt x="31" y="87"/>
-                    <a:pt x="52" y="87"/>
-                  </a:cubicBezTo>
-                  <a:cubicBezTo>
-                    <a:pt x="73" y="87"/>
-                    <a:pt x="77" y="69"/>
-                    <a:pt x="77" y="55"/>
-                  </a:cubicBezTo>
-                  <a:cubicBezTo>
-                    <a:pt x="77" y="42"/>
-                    <a:pt x="73" y="23"/>
-                    <a:pt x="52" y="23"/>
-                  </a:cubicBezTo>
-                  <a:close/>
-                </a:path>
-              </a:pathLst>
-            </a:custGeom>
-            <a:solidFill>
-              <a:srgbClr val="ffffff"/>
-            </a:solidFill>
-            <a:ln w="0">
-              <a:noFill/>
-            </a:ln>
-          </p:spPr>
-          <p:style>
-            <a:lnRef idx="0"/>
-            <a:fillRef idx="0"/>
-            <a:effectRef idx="0"/>
-            <a:fontRef idx="minor"/>
-          </p:style>
-        </p:sp>
-        <p:sp>
-          <p:nvSpPr>
-            <p:cNvPr id="7" name="CustomShape 10"/>
-            <p:cNvSpPr/>
-            <p:nvPr/>
-          </p:nvSpPr>
-          <p:spPr>
-            <a:xfrm>
-              <a:off x="446760" y="4708440"/>
-              <a:ext cx="45360" cy="85320"/>
-            </a:xfrm>
-            <a:custGeom>
-              <a:avLst/>
-              <a:gdLst/>
-              <a:ahLst/>
-              <a:rect l="l" t="t" r="r" b="b"/>
-              <a:pathLst>
-                <a:path w="59" h="108">
-                  <a:moveTo>
-                    <a:pt x="0" y="3"/>
-                  </a:moveTo>
-                  <a:cubicBezTo>
-                    <a:pt x="26" y="3"/>
-                    <a:pt x="26" y="3"/>
-                    <a:pt x="26" y="3"/>
-                  </a:cubicBezTo>
-                  <a:cubicBezTo>
-                    <a:pt x="26" y="15"/>
-                    <a:pt x="26" y="15"/>
-                    <a:pt x="26" y="15"/>
-                  </a:cubicBezTo>
-                  <a:cubicBezTo>
-                    <a:pt x="31" y="8"/>
-                    <a:pt x="44" y="0"/>
-                    <a:pt x="55" y="0"/>
-                  </a:cubicBezTo>
-                  <a:cubicBezTo>
-                    <a:pt x="57" y="0"/>
-                    <a:pt x="58" y="0"/>
-                    <a:pt x="59" y="1"/>
-                  </a:cubicBezTo>
-                  <a:cubicBezTo>
-                    <a:pt x="59" y="27"/>
-                    <a:pt x="59" y="27"/>
-                    <a:pt x="59" y="27"/>
-                  </a:cubicBezTo>
-                  <a:cubicBezTo>
-                    <a:pt x="59" y="27"/>
-                    <a:pt x="58" y="27"/>
-                    <a:pt x="58" y="27"/>
-                  </a:cubicBezTo>
-                  <a:cubicBezTo>
-                    <a:pt x="46" y="27"/>
-                    <a:pt x="32" y="28"/>
-                    <a:pt x="28" y="38"/>
-                  </a:cubicBezTo>
-                  <a:cubicBezTo>
-                    <a:pt x="28" y="108"/>
-                    <a:pt x="28" y="108"/>
-                    <a:pt x="28" y="108"/>
-                  </a:cubicBezTo>
-                  <a:cubicBezTo>
-                    <a:pt x="0" y="108"/>
-                    <a:pt x="0" y="108"/>
-                    <a:pt x="0" y="108"/>
-                  </a:cubicBezTo>
-                  <a:lnTo>
-                    <a:pt x="0" y="3"/>
-                  </a:lnTo>
-                  <a:close/>
-                </a:path>
-              </a:pathLst>
-            </a:custGeom>
-            <a:solidFill>
-              <a:srgbClr val="ffffff"/>
-            </a:solidFill>
-            <a:ln w="0">
-              <a:noFill/>
-            </a:ln>
-          </p:spPr>
-          <p:style>
-            <a:lnRef idx="0"/>
-            <a:fillRef idx="0"/>
-            <a:effectRef idx="0"/>
-            <a:fontRef idx="minor"/>
-          </p:style>
-        </p:sp>
-        <p:sp>
-          <p:nvSpPr>
-            <p:cNvPr id="8" name="CustomShape 11"/>
-            <p:cNvSpPr/>
-            <p:nvPr/>
-          </p:nvSpPr>
-          <p:spPr>
-            <a:xfrm>
-              <a:off x="685080" y="4708440"/>
-              <a:ext cx="77040" cy="118440"/>
-            </a:xfrm>
-            <a:custGeom>
-              <a:avLst/>
-              <a:gdLst/>
-              <a:ahLst/>
-              <a:rect l="l" t="t" r="r" b="b"/>
-              <a:pathLst>
-                <a:path w="98" h="149">
-                  <a:moveTo>
-                    <a:pt x="49" y="85"/>
-                  </a:moveTo>
-                  <a:cubicBezTo>
-                    <a:pt x="70" y="85"/>
-                    <a:pt x="72" y="64"/>
-                    <a:pt x="72" y="50"/>
-                  </a:cubicBezTo>
-                  <a:cubicBezTo>
-                    <a:pt x="72" y="33"/>
-                    <a:pt x="64" y="20"/>
-                    <a:pt x="49" y="20"/>
-                  </a:cubicBezTo>
-                  <a:cubicBezTo>
-                    <a:pt x="39" y="20"/>
-                    <a:pt x="28" y="27"/>
-                    <a:pt x="28" y="51"/>
-                  </a:cubicBezTo>
-                  <a:cubicBezTo>
-                    <a:pt x="28" y="64"/>
-                    <a:pt x="29" y="85"/>
-                    <a:pt x="49" y="85"/>
-                  </a:cubicBezTo>
-                  <a:close/>
-                  <a:moveTo>
-                    <a:pt x="98" y="2"/>
-                  </a:moveTo>
-                  <a:cubicBezTo>
-                    <a:pt x="98" y="102"/>
-                    <a:pt x="98" y="102"/>
-                    <a:pt x="98" y="102"/>
-                  </a:cubicBezTo>
-                  <a:cubicBezTo>
-                    <a:pt x="98" y="119"/>
-                    <a:pt x="97" y="148"/>
-                    <a:pt x="47" y="149"/>
-                  </a:cubicBezTo>
-                  <a:cubicBezTo>
-                    <a:pt x="26" y="149"/>
-                    <a:pt x="7" y="141"/>
-                    <a:pt x="3" y="123"/>
-                  </a:cubicBezTo>
-                  <a:cubicBezTo>
-                    <a:pt x="30" y="118"/>
-                    <a:pt x="30" y="118"/>
-                    <a:pt x="30" y="118"/>
-                  </a:cubicBezTo>
-                  <a:cubicBezTo>
-                    <a:pt x="32" y="123"/>
-                    <a:pt x="35" y="128"/>
-                    <a:pt x="50" y="128"/>
-                  </a:cubicBezTo>
-                  <a:cubicBezTo>
-                    <a:pt x="65" y="128"/>
-                    <a:pt x="72" y="122"/>
-                    <a:pt x="72" y="105"/>
-                  </a:cubicBezTo>
-                  <a:cubicBezTo>
-                    <a:pt x="72" y="93"/>
-                    <a:pt x="72" y="93"/>
-                    <a:pt x="72" y="93"/>
-                  </a:cubicBezTo>
-                  <a:cubicBezTo>
-                    <a:pt x="71" y="92"/>
-                    <a:pt x="71" y="92"/>
-                    <a:pt x="71" y="92"/>
-                  </a:cubicBezTo>
-                  <a:cubicBezTo>
-                    <a:pt x="67" y="100"/>
-                    <a:pt x="60" y="108"/>
-                    <a:pt x="44" y="108"/>
-                  </a:cubicBezTo>
-                  <a:cubicBezTo>
-                    <a:pt x="19" y="108"/>
-                    <a:pt x="0" y="91"/>
-                    <a:pt x="0" y="55"/>
-                  </a:cubicBezTo>
-                  <a:cubicBezTo>
-                    <a:pt x="0" y="20"/>
-                    <a:pt x="20" y="0"/>
-                    <a:pt x="42" y="0"/>
-                  </a:cubicBezTo>
-                  <a:cubicBezTo>
-                    <a:pt x="63" y="0"/>
-                    <a:pt x="71" y="10"/>
-                    <a:pt x="73" y="15"/>
-                  </a:cubicBezTo>
-                  <a:cubicBezTo>
-                    <a:pt x="73" y="15"/>
-                    <a:pt x="73" y="15"/>
-                    <a:pt x="73" y="15"/>
-                  </a:cubicBezTo>
-                  <a:cubicBezTo>
-                    <a:pt x="75" y="2"/>
-                    <a:pt x="75" y="2"/>
-                    <a:pt x="75" y="2"/>
-                  </a:cubicBezTo>
-                  <a:lnTo>
-                    <a:pt x="98" y="2"/>
-                  </a:lnTo>
-                  <a:close/>
-                </a:path>
-              </a:pathLst>
-            </a:custGeom>
-            <a:solidFill>
-              <a:srgbClr val="ffffff"/>
-            </a:solidFill>
-            <a:ln w="0">
-              <a:noFill/>
-            </a:ln>
-          </p:spPr>
-          <p:style>
-            <a:lnRef idx="0"/>
-            <a:fillRef idx="0"/>
-            <a:effectRef idx="0"/>
-            <a:fontRef idx="minor"/>
-          </p:style>
-        </p:sp>
-        <p:sp>
-          <p:nvSpPr>
-            <p:cNvPr id="9" name="CustomShape 12"/>
-            <p:cNvSpPr/>
-            <p:nvPr/>
-          </p:nvSpPr>
-          <p:spPr>
-            <a:xfrm>
-              <a:off x="843840" y="4678200"/>
-              <a:ext cx="56520" cy="24840"/>
-            </a:xfrm>
-            <a:custGeom>
-              <a:avLst/>
-              <a:gdLst/>
-              <a:ahLst/>
-              <a:rect l="l" t="t" r="r" b="b"/>
-              <a:pathLst>
-                <a:path w="37" h="17">
-                  <a:moveTo>
-                    <a:pt x="14" y="2"/>
-                  </a:moveTo>
-                  <a:lnTo>
-                    <a:pt x="9" y="2"/>
-                  </a:lnTo>
-                  <a:lnTo>
-                    <a:pt x="9" y="17"/>
-                  </a:lnTo>
-                  <a:lnTo>
-                    <a:pt x="6" y="17"/>
-                  </a:lnTo>
-                  <a:lnTo>
-                    <a:pt x="6" y="2"/>
-                  </a:lnTo>
-                  <a:lnTo>
-                    <a:pt x="0" y="2"/>
-                  </a:lnTo>
-                  <a:lnTo>
-                    <a:pt x="0" y="0"/>
-                  </a:lnTo>
-                  <a:lnTo>
-                    <a:pt x="14" y="0"/>
-                  </a:lnTo>
-                  <a:lnTo>
-                    <a:pt x="14" y="2"/>
-                  </a:lnTo>
-                  <a:close/>
-                  <a:moveTo>
-                    <a:pt x="37" y="17"/>
-                  </a:moveTo>
-                  <a:lnTo>
-                    <a:pt x="34" y="17"/>
-                  </a:lnTo>
-                  <a:lnTo>
-                    <a:pt x="34" y="2"/>
-                  </a:lnTo>
-                  <a:lnTo>
-                    <a:pt x="34" y="2"/>
-                  </a:lnTo>
-                  <a:lnTo>
-                    <a:pt x="29" y="17"/>
-                  </a:lnTo>
-                  <a:lnTo>
-                    <a:pt x="27" y="17"/>
-                  </a:lnTo>
-                  <a:lnTo>
-                    <a:pt x="21" y="2"/>
-                  </a:lnTo>
-                  <a:lnTo>
-                    <a:pt x="20" y="2"/>
-                  </a:lnTo>
-                  <a:lnTo>
-                    <a:pt x="20" y="17"/>
-                  </a:lnTo>
-                  <a:lnTo>
-                    <a:pt x="18" y="17"/>
-                  </a:lnTo>
-                  <a:lnTo>
-                    <a:pt x="18" y="0"/>
-                  </a:lnTo>
-                  <a:lnTo>
-                    <a:pt x="22" y="0"/>
-                  </a:lnTo>
-                  <a:lnTo>
-                    <a:pt x="28" y="13"/>
-                  </a:lnTo>
-                  <a:lnTo>
-                    <a:pt x="33" y="0"/>
-                  </a:lnTo>
-                  <a:lnTo>
-                    <a:pt x="37" y="0"/>
-                  </a:lnTo>
-                  <a:lnTo>
-                    <a:pt x="37" y="17"/>
-                  </a:lnTo>
-                  <a:close/>
-                </a:path>
-              </a:pathLst>
-            </a:custGeom>
-            <a:solidFill>
-              <a:srgbClr val="ffffff"/>
-            </a:solidFill>
-            <a:ln w="0">
-              <a:noFill/>
-            </a:ln>
-          </p:spPr>
-          <p:style>
-            <a:lnRef idx="0"/>
-            <a:fillRef idx="0"/>
-            <a:effectRef idx="0"/>
-            <a:fontRef idx="minor"/>
-          </p:style>
-        </p:sp>
-      </p:grpSp>
-      <p:sp>
-        <p:nvSpPr>
-          <p:cNvPr id="10" name="PlaceHolder 1"/>
+        </p:nvSpPr>
+        <p:spPr>
+          <a:xfrm>
+            <a:off x="619560" y="4749120"/>
+            <a:ext cx="360" cy="119160"/>
+          </a:xfrm>
+          <a:prstGeom prst="rect">
+            <a:avLst/>
+          </a:prstGeom>
+          <a:noFill/>
+          <a:ln w="0">
+            <a:noFill/>
+          </a:ln>
+        </p:spPr>
+        <p:style>
+          <a:lnRef idx="0"/>
+          <a:fillRef idx="0"/>
+          <a:effectRef idx="0"/>
+          <a:fontRef idx="minor"/>
+        </p:style>
+      </p:sp>
+      <p:sp>
+        <p:nvSpPr>
+          <p:cNvPr id="2" name="PlaceHolder 1"/>
           <p:cNvSpPr>
             <a:spLocks noGrp="1"/>
           </p:cNvSpPr>
@@ -5499,7 +3221,7 @@
       </p:sp>
       <p:sp>
         <p:nvSpPr>
-          <p:cNvPr id="11" name="PlaceHolder 2"/>
+          <p:cNvPr id="3" name="PlaceHolder 2"/>
           <p:cNvSpPr>
             <a:spLocks noGrp="1"/>
           </p:cNvSpPr>
@@ -5726,14 +3448,14 @@
       </p:grpSpPr>
       <p:sp>
         <p:nvSpPr>
-          <p:cNvPr id="48" name="CustomShape 1"/>
+          <p:cNvPr id="40" name="CustomShape 1"/>
           <p:cNvSpPr/>
           <p:nvPr/>
         </p:nvSpPr>
         <p:spPr>
           <a:xfrm>
             <a:off x="314280" y="4535640"/>
-            <a:ext cx="272880" cy="332640"/>
+            <a:ext cx="271080" cy="330840"/>
           </a:xfrm>
           <a:prstGeom prst="rect">
             <a:avLst/>
@@ -5763,7 +3485,7 @@
               </a:spcAft>
               <a:buNone/>
             </a:pPr>
-            <a:fld id="{746B0A95-DD09-412D-BB9A-F378BE14BC32}" type="slidenum">
+            <a:fld id="{1B8850C6-013E-4716-ABC3-CDE256ACF8A2}" type="slidenum">
               <a:rPr b="0" lang="fr-FR" sz="800" spc="-1" strike="noStrike">
                 <a:solidFill>
                   <a:srgbClr val="000000"/>
@@ -5781,14 +3503,14 @@
       </p:sp>
       <p:sp>
         <p:nvSpPr>
-          <p:cNvPr id="49" name="CustomShape 4"/>
+          <p:cNvPr id="41" name="CustomShape 4"/>
           <p:cNvSpPr/>
           <p:nvPr/>
         </p:nvSpPr>
         <p:spPr>
           <a:xfrm>
             <a:off x="619560" y="4749120"/>
-            <a:ext cx="360" cy="120960"/>
+            <a:ext cx="360" cy="119160"/>
           </a:xfrm>
           <a:prstGeom prst="rect">
             <a:avLst/>
@@ -5807,7 +3529,7 @@
       </p:sp>
       <p:sp>
         <p:nvSpPr>
-          <p:cNvPr id="50" name="PlaceHolder 1"/>
+          <p:cNvPr id="42" name="PlaceHolder 1"/>
           <p:cNvSpPr>
             <a:spLocks noGrp="1"/>
           </p:cNvSpPr>
@@ -5856,7 +3578,7 @@
       </p:sp>
       <p:sp>
         <p:nvSpPr>
-          <p:cNvPr id="51" name="PlaceHolder 2"/>
+          <p:cNvPr id="43" name="PlaceHolder 2"/>
           <p:cNvSpPr>
             <a:spLocks noGrp="1"/>
           </p:cNvSpPr>
@@ -6053,363 +3775,6 @@
     <p:sldLayoutId id="2147483671" r:id="rId11"/>
     <p:sldLayoutId id="2147483672" r:id="rId12"/>
     <p:sldLayoutId id="2147483673" r:id="rId13"/>
-  </p:sldLayoutIdLst>
-</p:sldMaster>
-</file>
-
-<file path=ppt/slideMasters/slideMaster3.xml><?xml version="1.0" encoding="utf-8"?>
-<p:sldMaster xmlns:a="http://schemas.openxmlformats.org/drawingml/2006/main" xmlns:p="http://schemas.openxmlformats.org/presentationml/2006/main" xmlns:r="http://schemas.openxmlformats.org/officeDocument/2006/relationships" xmlns:p14="http://schemas.microsoft.com/office/powerpoint/2010/main" xmlns:p15="http://schemas.microsoft.com/office/powerpoint/2012/main" xmlns:mc="http://schemas.openxmlformats.org/markup-compatibility/2006">
-  <p:cSld>
-    <p:bg>
-      <p:bgPr>
-        <a:solidFill>
-          <a:srgbClr val="ffffff"/>
-        </a:solidFill>
-      </p:bgPr>
-    </p:bg>
-    <p:spTree>
-      <p:nvGrpSpPr>
-        <p:cNvPr id="1" name=""/>
-        <p:cNvGrpSpPr/>
-        <p:nvPr/>
-      </p:nvGrpSpPr>
-      <p:grpSpPr>
-        <a:xfrm>
-          <a:off x="0" y="0"/>
-          <a:ext cx="0" cy="0"/>
-          <a:chOff x="0" y="0"/>
-          <a:chExt cx="0" cy="0"/>
-        </a:xfrm>
-      </p:grpSpPr>
-      <p:sp>
-        <p:nvSpPr>
-          <p:cNvPr id="88" name="CustomShape 1"/>
-          <p:cNvSpPr/>
-          <p:nvPr/>
-        </p:nvSpPr>
-        <p:spPr>
-          <a:xfrm>
-            <a:off x="314280" y="4535640"/>
-            <a:ext cx="272880" cy="332640"/>
-          </a:xfrm>
-          <a:prstGeom prst="rect">
-            <a:avLst/>
-          </a:prstGeom>
-          <a:noFill/>
-          <a:ln w="0">
-            <a:noFill/>
-          </a:ln>
-        </p:spPr>
-        <p:style>
-          <a:lnRef idx="0"/>
-          <a:fillRef idx="0"/>
-          <a:effectRef idx="0"/>
-          <a:fontRef idx="minor"/>
-        </p:style>
-        <p:txBody>
-          <a:bodyPr lIns="7200" rIns="0" tIns="0" bIns="0" anchor="b">
-            <a:normAutofit/>
-          </a:bodyPr>
-          <a:p>
-            <a:pPr>
-              <a:lnSpc>
-                <a:spcPct val="85000"/>
-              </a:lnSpc>
-              <a:spcAft>
-                <a:spcPts val="1199"/>
-              </a:spcAft>
-              <a:buNone/>
-            </a:pPr>
-            <a:fld id="{111581D7-721A-48D4-8A76-D81804F83CB0}" type="slidenum">
-              <a:rPr b="0" lang="fr-FR" sz="800" spc="-1" strike="noStrike">
-                <a:solidFill>
-                  <a:srgbClr val="000000"/>
-                </a:solidFill>
-                <a:latin typeface="Helvetica 75 Bold"/>
-                <a:ea typeface="DejaVu Sans"/>
-              </a:rPr>
-              <a:t>&lt;number&gt;</a:t>
-            </a:fld>
-            <a:endParaRPr b="0" lang="fr-FR" sz="800" spc="-1" strike="noStrike">
-              <a:latin typeface="Arial"/>
-            </a:endParaRPr>
-          </a:p>
-        </p:txBody>
-      </p:sp>
-      <p:sp>
-        <p:nvSpPr>
-          <p:cNvPr id="89" name="CustomShape 2"/>
-          <p:cNvSpPr/>
-          <p:nvPr/>
-        </p:nvSpPr>
-        <p:spPr>
-          <a:xfrm>
-            <a:off x="619560" y="4749120"/>
-            <a:ext cx="360" cy="120960"/>
-          </a:xfrm>
-          <a:prstGeom prst="rect">
-            <a:avLst/>
-          </a:prstGeom>
-          <a:noFill/>
-          <a:ln w="0">
-            <a:noFill/>
-          </a:ln>
-        </p:spPr>
-        <p:style>
-          <a:lnRef idx="0"/>
-          <a:fillRef idx="0"/>
-          <a:effectRef idx="0"/>
-          <a:fontRef idx="minor"/>
-        </p:style>
-      </p:sp>
-      <p:sp>
-        <p:nvSpPr>
-          <p:cNvPr id="90" name="PlaceHolder 1"/>
-          <p:cNvSpPr>
-            <a:spLocks noGrp="1"/>
-          </p:cNvSpPr>
-          <p:nvPr>
-            <p:ph type="title"/>
-          </p:nvPr>
-        </p:nvSpPr>
-        <p:spPr>
-          <a:xfrm>
-            <a:off x="457200" y="205200"/>
-            <a:ext cx="8229240" cy="858600"/>
-          </a:xfrm>
-          <a:prstGeom prst="rect">
-            <a:avLst/>
-          </a:prstGeom>
-          <a:noFill/>
-          <a:ln w="0">
-            <a:noFill/>
-          </a:ln>
-        </p:spPr>
-        <p:txBody>
-          <a:bodyPr lIns="0" rIns="0" tIns="0" bIns="0" anchor="ctr">
-            <a:noAutofit/>
-          </a:bodyPr>
-          <a:p>
-            <a:pPr algn="ctr">
-              <a:buNone/>
-            </a:pPr>
-            <a:r>
-              <a:rPr b="0" lang="fr-FR" sz="4400" spc="-1" strike="noStrike">
-                <a:latin typeface="Arial"/>
-              </a:rPr>
-              <a:t>Click to edit the </a:t>
-            </a:r>
-            <a:r>
-              <a:rPr b="0" lang="fr-FR" sz="4400" spc="-1" strike="noStrike">
-                <a:latin typeface="Arial"/>
-              </a:rPr>
-              <a:t>title text format</a:t>
-            </a:r>
-            <a:endParaRPr b="0" lang="fr-FR" sz="4400" spc="-1" strike="noStrike">
-              <a:latin typeface="Arial"/>
-            </a:endParaRPr>
-          </a:p>
-        </p:txBody>
-      </p:sp>
-      <p:sp>
-        <p:nvSpPr>
-          <p:cNvPr id="91" name="PlaceHolder 2"/>
-          <p:cNvSpPr>
-            <a:spLocks noGrp="1"/>
-          </p:cNvSpPr>
-          <p:nvPr>
-            <p:ph type="body"/>
-          </p:nvPr>
-        </p:nvSpPr>
-        <p:spPr>
-          <a:xfrm>
-            <a:off x="457200" y="1203480"/>
-            <a:ext cx="8229240" cy="2982960"/>
-          </a:xfrm>
-          <a:prstGeom prst="rect">
-            <a:avLst/>
-          </a:prstGeom>
-          <a:noFill/>
-          <a:ln w="0">
-            <a:noFill/>
-          </a:ln>
-        </p:spPr>
-        <p:txBody>
-          <a:bodyPr lIns="0" rIns="0" tIns="0" bIns="0" anchor="t">
-            <a:normAutofit/>
-          </a:bodyPr>
-          <a:p>
-            <a:pPr marL="432000" indent="-324000">
-              <a:spcBef>
-                <a:spcPts val="1417"/>
-              </a:spcBef>
-              <a:buClr>
-                <a:srgbClr val="000000"/>
-              </a:buClr>
-              <a:buSzPct val="45000"/>
-              <a:buFont typeface="Wingdings" charset="2"/>
-              <a:buChar char=""/>
-            </a:pPr>
-            <a:r>
-              <a:rPr b="0" lang="fr-FR" sz="3200" spc="-1" strike="noStrike">
-                <a:latin typeface="Arial"/>
-              </a:rPr>
-              <a:t>Click to edit the outline text format</a:t>
-            </a:r>
-            <a:endParaRPr b="0" lang="fr-FR" sz="3200" spc="-1" strike="noStrike">
-              <a:latin typeface="Arial"/>
-            </a:endParaRPr>
-          </a:p>
-          <a:p>
-            <a:pPr lvl="1" marL="864000" indent="-324000">
-              <a:spcBef>
-                <a:spcPts val="1134"/>
-              </a:spcBef>
-              <a:buClr>
-                <a:srgbClr val="000000"/>
-              </a:buClr>
-              <a:buSzPct val="75000"/>
-              <a:buFont typeface="Symbol" charset="2"/>
-              <a:buChar char=""/>
-            </a:pPr>
-            <a:r>
-              <a:rPr b="0" lang="fr-FR" sz="2800" spc="-1" strike="noStrike">
-                <a:latin typeface="Arial"/>
-              </a:rPr>
-              <a:t>Second Outline Level</a:t>
-            </a:r>
-            <a:endParaRPr b="0" lang="fr-FR" sz="2800" spc="-1" strike="noStrike">
-              <a:latin typeface="Arial"/>
-            </a:endParaRPr>
-          </a:p>
-          <a:p>
-            <a:pPr lvl="2" marL="1296000" indent="-288000">
-              <a:spcBef>
-                <a:spcPts val="850"/>
-              </a:spcBef>
-              <a:buClr>
-                <a:srgbClr val="000000"/>
-              </a:buClr>
-              <a:buSzPct val="45000"/>
-              <a:buFont typeface="Wingdings" charset="2"/>
-              <a:buChar char=""/>
-            </a:pPr>
-            <a:r>
-              <a:rPr b="0" lang="fr-FR" sz="2400" spc="-1" strike="noStrike">
-                <a:latin typeface="Arial"/>
-              </a:rPr>
-              <a:t>Third Outline Level</a:t>
-            </a:r>
-            <a:endParaRPr b="0" lang="fr-FR" sz="2400" spc="-1" strike="noStrike">
-              <a:latin typeface="Arial"/>
-            </a:endParaRPr>
-          </a:p>
-          <a:p>
-            <a:pPr lvl="3" marL="1728000" indent="-216000">
-              <a:spcBef>
-                <a:spcPts val="567"/>
-              </a:spcBef>
-              <a:buClr>
-                <a:srgbClr val="000000"/>
-              </a:buClr>
-              <a:buSzPct val="75000"/>
-              <a:buFont typeface="Symbol" charset="2"/>
-              <a:buChar char=""/>
-            </a:pPr>
-            <a:r>
-              <a:rPr b="0" lang="fr-FR" sz="2000" spc="-1" strike="noStrike">
-                <a:latin typeface="Arial"/>
-              </a:rPr>
-              <a:t>Fourth Outline Level</a:t>
-            </a:r>
-            <a:endParaRPr b="0" lang="fr-FR" sz="2000" spc="-1" strike="noStrike">
-              <a:latin typeface="Arial"/>
-            </a:endParaRPr>
-          </a:p>
-          <a:p>
-            <a:pPr lvl="4" marL="2160000" indent="-216000">
-              <a:spcBef>
-                <a:spcPts val="283"/>
-              </a:spcBef>
-              <a:buClr>
-                <a:srgbClr val="000000"/>
-              </a:buClr>
-              <a:buSzPct val="45000"/>
-              <a:buFont typeface="Wingdings" charset="2"/>
-              <a:buChar char=""/>
-            </a:pPr>
-            <a:r>
-              <a:rPr b="0" lang="fr-FR" sz="2000" spc="-1" strike="noStrike">
-                <a:latin typeface="Arial"/>
-              </a:rPr>
-              <a:t>Fifth Outline Level</a:t>
-            </a:r>
-            <a:endParaRPr b="0" lang="fr-FR" sz="2000" spc="-1" strike="noStrike">
-              <a:latin typeface="Arial"/>
-            </a:endParaRPr>
-          </a:p>
-          <a:p>
-            <a:pPr lvl="5" marL="2592000" indent="-216000">
-              <a:spcBef>
-                <a:spcPts val="283"/>
-              </a:spcBef>
-              <a:buClr>
-                <a:srgbClr val="000000"/>
-              </a:buClr>
-              <a:buSzPct val="45000"/>
-              <a:buFont typeface="Wingdings" charset="2"/>
-              <a:buChar char=""/>
-            </a:pPr>
-            <a:r>
-              <a:rPr b="0" lang="fr-FR" sz="2000" spc="-1" strike="noStrike">
-                <a:latin typeface="Arial"/>
-              </a:rPr>
-              <a:t>Sixth Outline Level</a:t>
-            </a:r>
-            <a:endParaRPr b="0" lang="fr-FR" sz="2000" spc="-1" strike="noStrike">
-              <a:latin typeface="Arial"/>
-            </a:endParaRPr>
-          </a:p>
-          <a:p>
-            <a:pPr lvl="6" marL="3024000" indent="-216000">
-              <a:spcBef>
-                <a:spcPts val="283"/>
-              </a:spcBef>
-              <a:buClr>
-                <a:srgbClr val="000000"/>
-              </a:buClr>
-              <a:buSzPct val="45000"/>
-              <a:buFont typeface="Wingdings" charset="2"/>
-              <a:buChar char=""/>
-            </a:pPr>
-            <a:r>
-              <a:rPr b="0" lang="fr-FR" sz="2000" spc="-1" strike="noStrike">
-                <a:latin typeface="Arial"/>
-              </a:rPr>
-              <a:t>Seventh Outline Level</a:t>
-            </a:r>
-            <a:endParaRPr b="0" lang="fr-FR" sz="2000" spc="-1" strike="noStrike">
-              <a:latin typeface="Arial"/>
-            </a:endParaRPr>
-          </a:p>
-        </p:txBody>
-      </p:sp>
-    </p:spTree>
-  </p:cSld>
-  <p:clrMap bg1="lt1" bg2="lt2" tx1="dk1" tx2="dk2" accent1="accent1" accent2="accent2" accent3="accent3" accent4="accent4" accent5="accent5" accent6="accent6" hlink="hlink" folHlink="folHlink"/>
-  <p:sldLayoutIdLst>
-    <p:sldLayoutId id="2147483675" r:id="rId2"/>
-    <p:sldLayoutId id="2147483676" r:id="rId3"/>
-    <p:sldLayoutId id="2147483677" r:id="rId4"/>
-    <p:sldLayoutId id="2147483678" r:id="rId5"/>
-    <p:sldLayoutId id="2147483679" r:id="rId6"/>
-    <p:sldLayoutId id="2147483680" r:id="rId7"/>
-    <p:sldLayoutId id="2147483681" r:id="rId8"/>
-    <p:sldLayoutId id="2147483682" r:id="rId9"/>
-    <p:sldLayoutId id="2147483683" r:id="rId10"/>
-    <p:sldLayoutId id="2147483684" r:id="rId11"/>
-    <p:sldLayoutId id="2147483685" r:id="rId12"/>
-    <p:sldLayoutId id="2147483686" r:id="rId13"/>
   </p:sldLayoutIdLst>
 </p:sldMaster>
 </file>
@@ -6433,14 +3798,14 @@
       </p:grpSpPr>
       <p:sp>
         <p:nvSpPr>
-          <p:cNvPr id="128" name="TextShape 1"/>
+          <p:cNvPr id="80" name="TextShape 1"/>
           <p:cNvSpPr/>
           <p:nvPr/>
         </p:nvSpPr>
         <p:spPr>
           <a:xfrm>
             <a:off x="314280" y="1184400"/>
-            <a:ext cx="8513280" cy="3363480"/>
+            <a:ext cx="8511480" cy="3361680"/>
           </a:xfrm>
           <a:prstGeom prst="rect">
             <a:avLst/>
@@ -6540,14 +3905,14 @@
       </p:sp>
       <p:sp>
         <p:nvSpPr>
-          <p:cNvPr id="129" name="TextShape 2"/>
+          <p:cNvPr id="81" name="TextShape 2"/>
           <p:cNvSpPr/>
           <p:nvPr/>
         </p:nvSpPr>
         <p:spPr>
           <a:xfrm>
             <a:off x="314280" y="267480"/>
-            <a:ext cx="8513280" cy="741600"/>
+            <a:ext cx="8511480" cy="739800"/>
           </a:xfrm>
           <a:prstGeom prst="rect">
             <a:avLst/>
@@ -6582,7 +3947,7 @@
                 <a:latin typeface="Helvetica 75 Bold"/>
                 <a:ea typeface="DejaVu Sans"/>
               </a:rPr>
-              <a:t>Complexité des opérations sur un tableau en Python</a:t>
+              <a:t>Complexité des opérations sur un tableau ou une liste en Python</a:t>
             </a:r>
             <a:endParaRPr b="0" lang="fr-FR" sz="2000" spc="-1" strike="noStrike">
               <a:latin typeface="Arial"/>
@@ -6592,13 +3957,13 @@
       </p:sp>
       <p:graphicFrame>
         <p:nvGraphicFramePr>
-          <p:cNvPr id="130" name="Tableau 3"/>
+          <p:cNvPr id="82" name="Tableau 3"/>
           <p:cNvGraphicFramePr/>
           <p:nvPr/>
         </p:nvGraphicFramePr>
         <p:xfrm>
-          <a:off x="899640" y="1131480"/>
-          <a:ext cx="6912000" cy="2828160"/>
+          <a:off x="508320" y="657360"/>
+          <a:ext cx="7031160" cy="4078440"/>
         </p:xfrm>
         <a:graphic>
           <a:graphicData uri="http://schemas.openxmlformats.org/drawingml/2006/table">
@@ -6606,7 +3971,8 @@
               <a:tblPr/>
               <a:tblGrid>
                 <a:gridCol w="4245840"/>
-                <a:gridCol w="2666520"/>
+                <a:gridCol w="1595520"/>
+                <a:gridCol w="1190160"/>
               </a:tblGrid>
               <a:tr h="370800">
                 <a:tc>
@@ -6626,10 +3992,8 @@
                         <a:srgbClr val="ffffff"/>
                       </a:solidFill>
                     </a:lnT>
-                    <a:lnB w="38160">
-                      <a:solidFill>
-                        <a:srgbClr val="ffffff"/>
-                      </a:solidFill>
+                    <a:lnB>
+                      <a:noFill/>
                     </a:lnB>
                     <a:solidFill>
                       <a:srgbClr val="ff7900"/>
@@ -6678,10 +4042,58 @@
                         <a:srgbClr val="ffffff"/>
                       </a:solidFill>
                     </a:lnT>
-                    <a:lnB w="38160">
-                      <a:solidFill>
-                        <a:srgbClr val="ffffff"/>
-                      </a:solidFill>
+                    <a:lnB>
+                      <a:noFill/>
+                    </a:lnB>
+                    <a:solidFill>
+                      <a:srgbClr val="ff7900"/>
+                    </a:solidFill>
+                  </a:tcPr>
+                </a:tc>
+                <a:tc>
+                  <a:txBody>
+                    <a:bodyPr anchor="t">
+                      <a:noAutofit/>
+                    </a:bodyPr>
+                    <a:p>
+                      <a:pPr>
+                        <a:lnSpc>
+                          <a:spcPct val="100000"/>
+                        </a:lnSpc>
+                        <a:buNone/>
+                      </a:pPr>
+                      <a:r>
+                        <a:rPr b="1" lang="fr-FR" sz="1800" spc="-1" strike="noStrike">
+                          <a:solidFill>
+                            <a:srgbClr val="ffffff"/>
+                          </a:solidFill>
+                          <a:latin typeface="Arial"/>
+                        </a:rPr>
+                        <a:t>Linked list</a:t>
+                      </a:r>
+                      <a:endParaRPr b="0" lang="fr-FR" sz="1800" spc="-1" strike="noStrike">
+                        <a:latin typeface="Arial"/>
+                      </a:endParaRPr>
+                    </a:p>
+                  </a:txBody>
+                  <a:tcPr anchor="t" marL="91440" marR="91440">
+                    <a:lnL w="12240">
+                      <a:solidFill>
+                        <a:srgbClr val="ffffff"/>
+                      </a:solidFill>
+                    </a:lnL>
+                    <a:lnR w="12240">
+                      <a:solidFill>
+                        <a:srgbClr val="ffffff"/>
+                      </a:solidFill>
+                    </a:lnR>
+                    <a:lnT w="12240">
+                      <a:solidFill>
+                        <a:srgbClr val="ffffff"/>
+                      </a:solidFill>
+                    </a:lnT>
+                    <a:lnB>
+                      <a:noFill/>
                     </a:lnB>
                     <a:solidFill>
                       <a:srgbClr val="ff7900"/>
@@ -6703,15 +4115,33 @@
                         <a:buNone/>
                       </a:pPr>
                       <a:r>
-                        <a:rPr b="0" lang="fr-FR" sz="1800" spc="-1" strike="noStrike">
+                        <a:rPr b="0" lang="fr-FR" sz="1500" spc="-1" strike="noStrike">
                           <a:solidFill>
                             <a:srgbClr val="000000"/>
                           </a:solidFill>
                           <a:latin typeface="Arial"/>
                         </a:rPr>
-                        <a:t>Lecture d’un élément </a:t>
+                        <a:t>Lecture du n</a:t>
                       </a:r>
-                      <a:endParaRPr b="0" lang="fr-FR" sz="1800" spc="-1" strike="noStrike">
+                      <a:r>
+                        <a:rPr b="0" lang="fr-FR" sz="1500" spc="-1" strike="noStrike" baseline="33000">
+                          <a:solidFill>
+                            <a:srgbClr val="000000"/>
+                          </a:solidFill>
+                          <a:latin typeface="Arial"/>
+                        </a:rPr>
+                        <a:t>ième</a:t>
+                      </a:r>
+                      <a:r>
+                        <a:rPr b="0" lang="fr-FR" sz="1500" spc="-1" strike="noStrike">
+                          <a:solidFill>
+                            <a:srgbClr val="000000"/>
+                          </a:solidFill>
+                          <a:latin typeface="Arial"/>
+                        </a:rPr>
+                        <a:t> élément </a:t>
+                      </a:r>
+                      <a:endParaRPr b="0" lang="fr-FR" sz="1500" spc="-1" strike="noStrike">
                         <a:latin typeface="Arial"/>
                       </a:endParaRPr>
                     </a:p>
@@ -6755,7 +4185,7 @@
                         <a:buNone/>
                       </a:pPr>
                       <a:r>
-                        <a:rPr b="0" lang="fr-FR" sz="1800" spc="-1" strike="noStrike">
+                        <a:rPr b="0" lang="fr-FR" sz="1500" spc="-1" strike="noStrike">
                           <a:solidFill>
                             <a:srgbClr val="000000"/>
                           </a:solidFill>
@@ -6763,7 +4193,59 @@
                         </a:rPr>
                         <a:t>O(1)</a:t>
                       </a:r>
-                      <a:endParaRPr b="0" lang="fr-FR" sz="1800" spc="-1" strike="noStrike">
+                      <a:endParaRPr b="0" lang="fr-FR" sz="1500" spc="-1" strike="noStrike">
+                        <a:latin typeface="Arial"/>
+                      </a:endParaRPr>
+                    </a:p>
+                  </a:txBody>
+                  <a:tcPr anchor="t" marL="91440" marR="91440">
+                    <a:lnL w="12240">
+                      <a:solidFill>
+                        <a:srgbClr val="ffffff"/>
+                      </a:solidFill>
+                    </a:lnL>
+                    <a:lnR w="12240">
+                      <a:solidFill>
+                        <a:srgbClr val="ffffff"/>
+                      </a:solidFill>
+                    </a:lnR>
+                    <a:lnT w="12240">
+                      <a:solidFill>
+                        <a:srgbClr val="ffffff"/>
+                      </a:solidFill>
+                    </a:lnT>
+                    <a:lnB w="12240">
+                      <a:solidFill>
+                        <a:srgbClr val="ffffff"/>
+                      </a:solidFill>
+                    </a:lnB>
+                    <a:solidFill>
+                      <a:srgbClr val="ffd6cc"/>
+                    </a:solidFill>
+                  </a:tcPr>
+                </a:tc>
+                <a:tc>
+                  <a:txBody>
+                    <a:bodyPr anchor="t">
+                      <a:noAutofit/>
+                    </a:bodyPr>
+                    <a:p>
+                      <a:pPr>
+                        <a:lnSpc>
+                          <a:spcPct val="100000"/>
+                        </a:lnSpc>
+                        <a:buNone/>
+                      </a:pPr>
+                      <a:r>
+                        <a:rPr b="0" lang="fr-FR" sz="1500" spc="-1" strike="noStrike">
+                          <a:solidFill>
+                            <a:srgbClr val="000000"/>
+                          </a:solidFill>
+                          <a:latin typeface="Arial"/>
+                        </a:rPr>
+                        <a:t>O(n)</a:t>
+                      </a:r>
+                      <a:endParaRPr b="0" lang="fr-FR" sz="1500" spc="-1" strike="noStrike">
                         <a:latin typeface="Arial"/>
                       </a:endParaRPr>
                     </a:p>
@@ -6809,7 +4291,7 @@
                         <a:buNone/>
                       </a:pPr>
                       <a:r>
-                        <a:rPr b="0" lang="fr-FR" sz="1800" spc="-1" strike="noStrike">
+                        <a:rPr b="0" lang="fr-FR" sz="1500" spc="-1" strike="noStrike">
                           <a:solidFill>
                             <a:srgbClr val="000000"/>
                           </a:solidFill>
@@ -6817,7 +4299,7 @@
                         </a:rPr>
                         <a:t>Ajout d’un élément en fin de liste</a:t>
                       </a:r>
-                      <a:endParaRPr b="0" lang="fr-FR" sz="1800" spc="-1" strike="noStrike">
+                      <a:endParaRPr b="0" lang="fr-FR" sz="1500" spc="-1" strike="noStrike">
                         <a:latin typeface="Arial"/>
                       </a:endParaRPr>
                     </a:p>
@@ -6861,7 +4343,7 @@
                         <a:buNone/>
                       </a:pPr>
                       <a:r>
-                        <a:rPr b="0" lang="fr-FR" sz="1800" spc="-1" strike="noStrike">
+                        <a:rPr b="0" lang="fr-FR" sz="1500" spc="-1" strike="noStrike">
                           <a:solidFill>
                             <a:srgbClr val="000000"/>
                           </a:solidFill>
@@ -6869,7 +4351,59 @@
                         </a:rPr>
                         <a:t>O(1)</a:t>
                       </a:r>
-                      <a:endParaRPr b="0" lang="fr-FR" sz="1800" spc="-1" strike="noStrike">
+                      <a:endParaRPr b="0" lang="fr-FR" sz="1500" spc="-1" strike="noStrike">
+                        <a:latin typeface="Arial"/>
+                      </a:endParaRPr>
+                    </a:p>
+                  </a:txBody>
+                  <a:tcPr anchor="t" marL="91440" marR="91440">
+                    <a:lnL w="12240">
+                      <a:solidFill>
+                        <a:srgbClr val="ffffff"/>
+                      </a:solidFill>
+                    </a:lnL>
+                    <a:lnR w="12240">
+                      <a:solidFill>
+                        <a:srgbClr val="ffffff"/>
+                      </a:solidFill>
+                    </a:lnR>
+                    <a:lnT w="12240">
+                      <a:solidFill>
+                        <a:srgbClr val="ffffff"/>
+                      </a:solidFill>
+                    </a:lnT>
+                    <a:lnB w="12240">
+                      <a:solidFill>
+                        <a:srgbClr val="ffffff"/>
+                      </a:solidFill>
+                    </a:lnB>
+                    <a:solidFill>
+                      <a:srgbClr val="ffebe7"/>
+                    </a:solidFill>
+                  </a:tcPr>
+                </a:tc>
+                <a:tc>
+                  <a:txBody>
+                    <a:bodyPr anchor="t">
+                      <a:noAutofit/>
+                    </a:bodyPr>
+                    <a:p>
+                      <a:pPr>
+                        <a:lnSpc>
+                          <a:spcPct val="100000"/>
+                        </a:lnSpc>
+                        <a:buNone/>
+                      </a:pPr>
+                      <a:r>
+                        <a:rPr b="0" lang="fr-FR" sz="1500" spc="-1" strike="noStrike">
+                          <a:solidFill>
+                            <a:srgbClr val="000000"/>
+                          </a:solidFill>
+                          <a:latin typeface="Arial"/>
+                        </a:rPr>
+                        <a:t>O(n)</a:t>
+                      </a:r>
+                      <a:endParaRPr b="0" lang="fr-FR" sz="1500" spc="-1" strike="noStrike">
                         <a:latin typeface="Arial"/>
                       </a:endParaRPr>
                     </a:p>
@@ -6915,7 +4449,7 @@
                         <a:buNone/>
                       </a:pPr>
                       <a:r>
-                        <a:rPr b="0" lang="fr-FR" sz="1800" spc="-1" strike="noStrike">
+                        <a:rPr b="0" lang="fr-FR" sz="1500" spc="-1" strike="noStrike">
                           <a:solidFill>
                             <a:srgbClr val="000000"/>
                           </a:solidFill>
@@ -6923,7 +4457,7 @@
                         </a:rPr>
                         <a:t>Ajout d’un élément en milieu de liste</a:t>
                       </a:r>
-                      <a:endParaRPr b="0" lang="fr-FR" sz="1800" spc="-1" strike="noStrike">
+                      <a:endParaRPr b="0" lang="fr-FR" sz="1500" spc="-1" strike="noStrike">
                         <a:latin typeface="Arial"/>
                       </a:endParaRPr>
                     </a:p>
@@ -6967,7 +4501,7 @@
                         <a:buNone/>
                       </a:pPr>
                       <a:r>
-                        <a:rPr b="0" lang="fr-FR" sz="1800" spc="-1" strike="noStrike">
+                        <a:rPr b="0" lang="fr-FR" sz="1500" spc="-1" strike="noStrike">
                           <a:solidFill>
                             <a:srgbClr val="000000"/>
                           </a:solidFill>
@@ -6975,7 +4509,59 @@
                         </a:rPr>
                         <a:t>O(n)</a:t>
                       </a:r>
-                      <a:endParaRPr b="0" lang="fr-FR" sz="1800" spc="-1" strike="noStrike">
+                      <a:endParaRPr b="0" lang="fr-FR" sz="1500" spc="-1" strike="noStrike">
+                        <a:latin typeface="Arial"/>
+                      </a:endParaRPr>
+                    </a:p>
+                  </a:txBody>
+                  <a:tcPr anchor="t" marL="91440" marR="91440">
+                    <a:lnL w="12240">
+                      <a:solidFill>
+                        <a:srgbClr val="ffffff"/>
+                      </a:solidFill>
+                    </a:lnL>
+                    <a:lnR w="12240">
+                      <a:solidFill>
+                        <a:srgbClr val="ffffff"/>
+                      </a:solidFill>
+                    </a:lnR>
+                    <a:lnT w="12240">
+                      <a:solidFill>
+                        <a:srgbClr val="ffffff"/>
+                      </a:solidFill>
+                    </a:lnT>
+                    <a:lnB w="12240">
+                      <a:solidFill>
+                        <a:srgbClr val="ffffff"/>
+                      </a:solidFill>
+                    </a:lnB>
+                    <a:solidFill>
+                      <a:srgbClr val="ffd6cc"/>
+                    </a:solidFill>
+                  </a:tcPr>
+                </a:tc>
+                <a:tc>
+                  <a:txBody>
+                    <a:bodyPr anchor="t">
+                      <a:noAutofit/>
+                    </a:bodyPr>
+                    <a:p>
+                      <a:pPr>
+                        <a:lnSpc>
+                          <a:spcPct val="100000"/>
+                        </a:lnSpc>
+                        <a:buNone/>
+                      </a:pPr>
+                      <a:r>
+                        <a:rPr b="0" lang="fr-FR" sz="1500" spc="-1" strike="noStrike">
+                          <a:solidFill>
+                            <a:srgbClr val="000000"/>
+                          </a:solidFill>
+                          <a:latin typeface="Arial"/>
+                        </a:rPr>
+                        <a:t>O(n)</a:t>
+                      </a:r>
+                      <a:endParaRPr b="0" lang="fr-FR" sz="1500" spc="-1" strike="noStrike">
                         <a:latin typeface="Arial"/>
                       </a:endParaRPr>
                     </a:p>
@@ -7024,7 +4610,7 @@
                         </a:tabLst>
                       </a:pPr>
                       <a:r>
-                        <a:rPr b="0" lang="fr-FR" sz="1800" spc="-1" strike="noStrike">
+                        <a:rPr b="0" lang="fr-FR" sz="1500" spc="-1" strike="noStrike">
                           <a:solidFill>
                             <a:srgbClr val="000000"/>
                           </a:solidFill>
@@ -7032,7 +4618,7 @@
                         </a:rPr>
                         <a:t>Ajout d’un élément en début de liste</a:t>
                       </a:r>
-                      <a:endParaRPr b="0" lang="fr-FR" sz="1800" spc="-1" strike="noStrike">
+                      <a:endParaRPr b="0" lang="fr-FR" sz="1500" spc="-1" strike="noStrike">
                         <a:latin typeface="Arial"/>
                       </a:endParaRPr>
                     </a:p>
@@ -7076,7 +4662,7 @@
                         <a:buNone/>
                       </a:pPr>
                       <a:r>
-                        <a:rPr b="0" lang="fr-FR" sz="1800" spc="-1" strike="noStrike">
+                        <a:rPr b="0" lang="fr-FR" sz="1500" spc="-1" strike="noStrike">
                           <a:solidFill>
                             <a:srgbClr val="000000"/>
                           </a:solidFill>
@@ -7084,7 +4670,7 @@
                         </a:rPr>
                         <a:t>O(n)</a:t>
                       </a:r>
-                      <a:endParaRPr b="0" lang="fr-FR" sz="1800" spc="-1" strike="noStrike">
+                      <a:endParaRPr b="0" lang="fr-FR" sz="1500" spc="-1" strike="noStrike">
                         <a:latin typeface="Arial"/>
                       </a:endParaRPr>
                     </a:p>
@@ -7115,8 +4701,6 @@
                     </a:solidFill>
                   </a:tcPr>
                 </a:tc>
-              </a:tr>
-              <a:tr h="603720">
                 <a:tc>
                   <a:txBody>
                     <a:bodyPr anchor="t">
@@ -7130,15 +4714,15 @@
                         <a:buNone/>
                       </a:pPr>
                       <a:r>
-                        <a:rPr b="0" lang="fr-FR" sz="1800" spc="-1" strike="noStrike">
+                        <a:rPr b="0" lang="fr-FR" sz="1500" spc="-1" strike="noStrike">
                           <a:solidFill>
                             <a:srgbClr val="000000"/>
                           </a:solidFill>
                           <a:latin typeface="Arial"/>
                         </a:rPr>
-                        <a:t>Suppression d’un élément en milieu de liste</a:t>
+                        <a:t>O(1)</a:t>
                       </a:r>
-                      <a:endParaRPr b="0" lang="fr-FR" sz="1800" spc="-1" strike="noStrike">
+                      <a:endParaRPr b="0" lang="fr-FR" sz="1500" spc="-1" strike="noStrike">
                         <a:latin typeface="Arial"/>
                       </a:endParaRPr>
                     </a:p>
@@ -7163,6 +4747,58 @@
                       <a:solidFill>
                         <a:srgbClr val="ffffff"/>
                       </a:solidFill>
+                    </a:lnB>
+                    <a:solidFill>
+                      <a:srgbClr val="ffebe7"/>
+                    </a:solidFill>
+                  </a:tcPr>
+                </a:tc>
+              </a:tr>
+              <a:tr h="370800">
+                <a:tc>
+                  <a:txBody>
+                    <a:bodyPr anchor="t">
+                      <a:noAutofit/>
+                    </a:bodyPr>
+                    <a:p>
+                      <a:pPr>
+                        <a:lnSpc>
+                          <a:spcPct val="100000"/>
+                        </a:lnSpc>
+                        <a:buNone/>
+                      </a:pPr>
+                      <a:r>
+                        <a:rPr b="0" lang="fr-FR" sz="1500" spc="-1" strike="noStrike">
+                          <a:solidFill>
+                            <a:srgbClr val="000000"/>
+                          </a:solidFill>
+                          <a:latin typeface="Arial"/>
+                        </a:rPr>
+                        <a:t>Suppression d’un élément en début de liste</a:t>
+                      </a:r>
+                      <a:endParaRPr b="0" lang="fr-FR" sz="1500" spc="-1" strike="noStrike">
+                        <a:latin typeface="Arial"/>
+                      </a:endParaRPr>
+                    </a:p>
+                  </a:txBody>
+                  <a:tcPr anchor="t" marL="91440" marR="91440">
+                    <a:lnL w="12240">
+                      <a:solidFill>
+                        <a:srgbClr val="ffffff"/>
+                      </a:solidFill>
+                    </a:lnL>
+                    <a:lnR w="12240">
+                      <a:solidFill>
+                        <a:srgbClr val="ffffff"/>
+                      </a:solidFill>
+                    </a:lnR>
+                    <a:lnT w="12240">
+                      <a:solidFill>
+                        <a:srgbClr val="ffffff"/>
+                      </a:solidFill>
+                    </a:lnT>
+                    <a:lnB w="12240">
+                      <a:noFill/>
                     </a:lnB>
                     <a:solidFill>
                       <a:srgbClr val="ffd6cc"/>
@@ -7182,15 +4818,12 @@
                         <a:buNone/>
                       </a:pPr>
                       <a:r>
-                        <a:rPr b="0" lang="fr-FR" sz="1800" spc="-1" strike="noStrike">
-                          <a:solidFill>
-                            <a:srgbClr val="000000"/>
-                          </a:solidFill>
-                          <a:latin typeface="Arial"/>
+                        <a:rPr b="0" lang="fr-FR" sz="1500" spc="-1" strike="noStrike">
+                          <a:latin typeface="Times New Roman"/>
                         </a:rPr>
                         <a:t>O(n)</a:t>
                       </a:r>
-                      <a:endParaRPr b="0" lang="fr-FR" sz="1800" spc="-1" strike="noStrike">
+                      <a:endParaRPr b="0" lang="fr-FR" sz="1500" spc="-1" strike="noStrike">
                         <a:latin typeface="Arial"/>
                       </a:endParaRPr>
                     </a:p>
@@ -7212,9 +4845,54 @@
                       </a:solidFill>
                     </a:lnT>
                     <a:lnB w="12240">
-                      <a:solidFill>
-                        <a:srgbClr val="ffffff"/>
-                      </a:solidFill>
+                      <a:noFill/>
+                    </a:lnB>
+                    <a:solidFill>
+                      <a:srgbClr val="ffd6cc"/>
+                    </a:solidFill>
+                  </a:tcPr>
+                </a:tc>
+                <a:tc>
+                  <a:txBody>
+                    <a:bodyPr anchor="t">
+                      <a:noAutofit/>
+                    </a:bodyPr>
+                    <a:p>
+                      <a:pPr>
+                        <a:lnSpc>
+                          <a:spcPct val="100000"/>
+                        </a:lnSpc>
+                        <a:buNone/>
+                      </a:pPr>
+                      <a:r>
+                        <a:rPr b="0" lang="fr-FR" sz="1500" spc="-1" strike="noStrike">
+                          <a:latin typeface="Times New Roman"/>
+                        </a:rPr>
+                        <a:t>O(1)</a:t>
+                      </a:r>
+                      <a:endParaRPr b="0" lang="fr-FR" sz="1500" spc="-1" strike="noStrike">
+                        <a:latin typeface="Arial"/>
+                      </a:endParaRPr>
+                    </a:p>
+                  </a:txBody>
+                  <a:tcPr anchor="t" marL="91440" marR="91440">
+                    <a:lnL w="12240">
+                      <a:solidFill>
+                        <a:srgbClr val="ffffff"/>
+                      </a:solidFill>
+                    </a:lnL>
+                    <a:lnR w="12240">
+                      <a:solidFill>
+                        <a:srgbClr val="ffffff"/>
+                      </a:solidFill>
+                    </a:lnR>
+                    <a:lnT w="12240">
+                      <a:solidFill>
+                        <a:srgbClr val="ffffff"/>
+                      </a:solidFill>
+                    </a:lnT>
+                    <a:lnB w="12240">
+                      <a:noFill/>
                     </a:lnB>
                     <a:solidFill>
                       <a:srgbClr val="ffd6cc"/>
@@ -7234,17 +4912,20 @@
                           <a:spcPct val="100000"/>
                         </a:lnSpc>
                         <a:buNone/>
+                        <a:tabLst>
+                          <a:tab algn="l" pos="0"/>
+                        </a:tabLst>
                       </a:pPr>
                       <a:r>
-                        <a:rPr b="0" lang="fr-FR" sz="1800" spc="-1" strike="noStrike">
+                        <a:rPr b="0" lang="fr-FR" sz="1500" spc="-1" strike="noStrike">
                           <a:solidFill>
                             <a:srgbClr val="000000"/>
                           </a:solidFill>
                           <a:latin typeface="Arial"/>
                         </a:rPr>
-                        <a:t>Suppression d’un élément en fin de liste</a:t>
+                        <a:t>Suppression d’un élément en milieu de liste</a:t>
                       </a:r>
-                      <a:endParaRPr b="0" lang="fr-FR" sz="1800" spc="-1" strike="noStrike">
+                      <a:endParaRPr b="0" lang="fr-FR" sz="1500" spc="-1" strike="noStrike">
                         <a:latin typeface="Arial"/>
                       </a:endParaRPr>
                     </a:p>
@@ -7288,7 +4969,163 @@
                         <a:buNone/>
                       </a:pPr>
                       <a:r>
-                        <a:rPr b="0" lang="fr-FR" sz="1800" spc="-1" strike="noStrike">
+                        <a:rPr b="0" lang="fr-FR" sz="1500" spc="-1" strike="noStrike">
+                          <a:solidFill>
+                            <a:srgbClr val="000000"/>
+                          </a:solidFill>
+                          <a:latin typeface="Arial"/>
+                        </a:rPr>
+                        <a:t>O(n)</a:t>
+                      </a:r>
+                      <a:endParaRPr b="0" lang="fr-FR" sz="1500" spc="-1" strike="noStrike">
+                        <a:latin typeface="Arial"/>
+                      </a:endParaRPr>
+                    </a:p>
+                  </a:txBody>
+                  <a:tcPr anchor="t" marL="91440" marR="91440">
+                    <a:lnL w="12240">
+                      <a:solidFill>
+                        <a:srgbClr val="ffffff"/>
+                      </a:solidFill>
+                    </a:lnL>
+                    <a:lnR w="12240">
+                      <a:solidFill>
+                        <a:srgbClr val="ffffff"/>
+                      </a:solidFill>
+                    </a:lnR>
+                    <a:lnT w="12240">
+                      <a:solidFill>
+                        <a:srgbClr val="ffffff"/>
+                      </a:solidFill>
+                    </a:lnT>
+                    <a:lnB w="12240">
+                      <a:solidFill>
+                        <a:srgbClr val="ffffff"/>
+                      </a:solidFill>
+                    </a:lnB>
+                    <a:solidFill>
+                      <a:srgbClr val="ffebe7"/>
+                    </a:solidFill>
+                  </a:tcPr>
+                </a:tc>
+                <a:tc>
+                  <a:txBody>
+                    <a:bodyPr anchor="t">
+                      <a:noAutofit/>
+                    </a:bodyPr>
+                    <a:p>
+                      <a:pPr>
+                        <a:lnSpc>
+                          <a:spcPct val="100000"/>
+                        </a:lnSpc>
+                        <a:buNone/>
+                      </a:pPr>
+                      <a:r>
+                        <a:rPr b="0" lang="fr-FR" sz="1500" spc="-1" strike="noStrike">
+                          <a:solidFill>
+                            <a:srgbClr val="000000"/>
+                          </a:solidFill>
+                          <a:latin typeface="Arial"/>
+                        </a:rPr>
+                        <a:t>O(n)</a:t>
+                      </a:r>
+                      <a:endParaRPr b="0" lang="fr-FR" sz="1500" spc="-1" strike="noStrike">
+                        <a:latin typeface="Arial"/>
+                      </a:endParaRPr>
+                    </a:p>
+                  </a:txBody>
+                  <a:tcPr anchor="t" marL="91440" marR="91440">
+                    <a:lnL w="12240">
+                      <a:solidFill>
+                        <a:srgbClr val="ffffff"/>
+                      </a:solidFill>
+                    </a:lnL>
+                    <a:lnR w="12240">
+                      <a:solidFill>
+                        <a:srgbClr val="ffffff"/>
+                      </a:solidFill>
+                    </a:lnR>
+                    <a:lnT w="12240">
+                      <a:solidFill>
+                        <a:srgbClr val="ffffff"/>
+                      </a:solidFill>
+                    </a:lnT>
+                    <a:lnB w="12240">
+                      <a:solidFill>
+                        <a:srgbClr val="ffffff"/>
+                      </a:solidFill>
+                    </a:lnB>
+                    <a:solidFill>
+                      <a:srgbClr val="ffebe7"/>
+                    </a:solidFill>
+                  </a:tcPr>
+                </a:tc>
+              </a:tr>
+              <a:tr h="370800">
+                <a:tc>
+                  <a:txBody>
+                    <a:bodyPr anchor="t">
+                      <a:noAutofit/>
+                    </a:bodyPr>
+                    <a:p>
+                      <a:pPr>
+                        <a:lnSpc>
+                          <a:spcPct val="100000"/>
+                        </a:lnSpc>
+                        <a:buNone/>
+                      </a:pPr>
+                      <a:r>
+                        <a:rPr b="0" lang="fr-FR" sz="1500" spc="-1" strike="noStrike">
+                          <a:solidFill>
+                            <a:srgbClr val="000000"/>
+                          </a:solidFill>
+                          <a:latin typeface="Arial"/>
+                        </a:rPr>
+                        <a:t>Suppression d’un élément en fin de liste</a:t>
+                      </a:r>
+                      <a:endParaRPr b="0" lang="fr-FR" sz="1500" spc="-1" strike="noStrike">
+                        <a:latin typeface="Arial"/>
+                      </a:endParaRPr>
+                    </a:p>
+                  </a:txBody>
+                  <a:tcPr anchor="t" marL="91440" marR="91440">
+                    <a:lnL w="12240">
+                      <a:solidFill>
+                        <a:srgbClr val="ffffff"/>
+                      </a:solidFill>
+                    </a:lnL>
+                    <a:lnR w="12240">
+                      <a:solidFill>
+                        <a:srgbClr val="ffffff"/>
+                      </a:solidFill>
+                    </a:lnR>
+                    <a:lnT>
+                      <a:noFill/>
+                    </a:lnT>
+                    <a:lnB w="12240">
+                      <a:solidFill>
+                        <a:srgbClr val="ffffff"/>
+                      </a:solidFill>
+                    </a:lnB>
+                    <a:solidFill>
+                      <a:srgbClr val="ffebe7"/>
+                    </a:solidFill>
+                  </a:tcPr>
+                </a:tc>
+                <a:tc>
+                  <a:txBody>
+                    <a:bodyPr anchor="t">
+                      <a:noAutofit/>
+                    </a:bodyPr>
+                    <a:p>
+                      <a:pPr>
+                        <a:lnSpc>
+                          <a:spcPct val="100000"/>
+                        </a:lnSpc>
+                        <a:buNone/>
+                      </a:pPr>
+                      <a:r>
+                        <a:rPr b="0" lang="fr-FR" sz="1500" spc="-1" strike="noStrike">
                           <a:solidFill>
                             <a:srgbClr val="000000"/>
                           </a:solidFill>
@@ -7296,7 +5133,523 @@
                         </a:rPr>
                         <a:t>O(1)</a:t>
                       </a:r>
-                      <a:endParaRPr b="0" lang="fr-FR" sz="1800" spc="-1" strike="noStrike">
+                      <a:endParaRPr b="0" lang="fr-FR" sz="1500" spc="-1" strike="noStrike">
+                        <a:latin typeface="Arial"/>
+                      </a:endParaRPr>
+                    </a:p>
+                  </a:txBody>
+                  <a:tcPr anchor="t" marL="91440" marR="91440">
+                    <a:lnL w="12240">
+                      <a:solidFill>
+                        <a:srgbClr val="ffffff"/>
+                      </a:solidFill>
+                    </a:lnL>
+                    <a:lnR w="12240">
+                      <a:solidFill>
+                        <a:srgbClr val="ffffff"/>
+                      </a:solidFill>
+                    </a:lnR>
+                    <a:lnT>
+                      <a:noFill/>
+                    </a:lnT>
+                    <a:lnB w="12240">
+                      <a:solidFill>
+                        <a:srgbClr val="ffffff"/>
+                      </a:solidFill>
+                    </a:lnB>
+                    <a:solidFill>
+                      <a:srgbClr val="ffebe7"/>
+                    </a:solidFill>
+                  </a:tcPr>
+                </a:tc>
+                <a:tc>
+                  <a:txBody>
+                    <a:bodyPr anchor="t">
+                      <a:noAutofit/>
+                    </a:bodyPr>
+                    <a:p>
+                      <a:pPr>
+                        <a:lnSpc>
+                          <a:spcPct val="100000"/>
+                        </a:lnSpc>
+                        <a:buNone/>
+                      </a:pPr>
+                      <a:r>
+                        <a:rPr b="0" lang="fr-FR" sz="1500" spc="-1" strike="noStrike">
+                          <a:solidFill>
+                            <a:srgbClr val="000000"/>
+                          </a:solidFill>
+                          <a:latin typeface="Arial"/>
+                        </a:rPr>
+                        <a:t>O(n)</a:t>
+                      </a:r>
+                      <a:endParaRPr b="0" lang="fr-FR" sz="1500" spc="-1" strike="noStrike">
+                        <a:latin typeface="Arial"/>
+                      </a:endParaRPr>
+                    </a:p>
+                  </a:txBody>
+                  <a:tcPr anchor="t" marL="91440" marR="91440">
+                    <a:lnL w="12240">
+                      <a:solidFill>
+                        <a:srgbClr val="ffffff"/>
+                      </a:solidFill>
+                    </a:lnL>
+                    <a:lnR w="12240">
+                      <a:solidFill>
+                        <a:srgbClr val="ffffff"/>
+                      </a:solidFill>
+                    </a:lnR>
+                    <a:lnT>
+                      <a:noFill/>
+                    </a:lnT>
+                    <a:lnB w="12240">
+                      <a:solidFill>
+                        <a:srgbClr val="ffffff"/>
+                      </a:solidFill>
+                    </a:lnB>
+                    <a:solidFill>
+                      <a:srgbClr val="ffebe7"/>
+                    </a:solidFill>
+                  </a:tcPr>
+                </a:tc>
+              </a:tr>
+              <a:tr h="370800">
+                <a:tc>
+                  <a:txBody>
+                    <a:bodyPr anchor="t">
+                      <a:noAutofit/>
+                    </a:bodyPr>
+                    <a:p>
+                      <a:pPr>
+                        <a:lnSpc>
+                          <a:spcPct val="100000"/>
+                        </a:lnSpc>
+                        <a:buNone/>
+                      </a:pPr>
+                      <a:r>
+                        <a:rPr b="0" lang="fr-FR" sz="1500" spc="-1" strike="noStrike">
+                          <a:solidFill>
+                            <a:srgbClr val="000000"/>
+                          </a:solidFill>
+                          <a:latin typeface="Arial"/>
+                        </a:rPr>
+                        <a:t>Rechercher une valeur dans la liste</a:t>
+                      </a:r>
+                      <a:endParaRPr b="0" lang="fr-FR" sz="1500" spc="-1" strike="noStrike">
+                        <a:latin typeface="Arial"/>
+                      </a:endParaRPr>
+                    </a:p>
+                  </a:txBody>
+                  <a:tcPr anchor="t" marL="91440" marR="91440">
+                    <a:lnL w="12240">
+                      <a:solidFill>
+                        <a:srgbClr val="ffffff"/>
+                      </a:solidFill>
+                    </a:lnL>
+                    <a:lnR w="12240">
+                      <a:solidFill>
+                        <a:srgbClr val="ffffff"/>
+                      </a:solidFill>
+                    </a:lnR>
+                    <a:lnT w="12240">
+                      <a:solidFill>
+                        <a:srgbClr val="ffffff"/>
+                      </a:solidFill>
+                    </a:lnT>
+                    <a:lnB w="12240">
+                      <a:solidFill>
+                        <a:srgbClr val="ffffff"/>
+                      </a:solidFill>
+                    </a:lnB>
+                    <a:solidFill>
+                      <a:srgbClr val="ffebe7"/>
+                    </a:solidFill>
+                  </a:tcPr>
+                </a:tc>
+                <a:tc>
+                  <a:txBody>
+                    <a:bodyPr anchor="t">
+                      <a:noAutofit/>
+                    </a:bodyPr>
+                    <a:p>
+                      <a:pPr>
+                        <a:lnSpc>
+                          <a:spcPct val="100000"/>
+                        </a:lnSpc>
+                        <a:buNone/>
+                      </a:pPr>
+                      <a:r>
+                        <a:rPr b="0" lang="fr-FR" sz="1500" spc="-1" strike="noStrike">
+                          <a:solidFill>
+                            <a:srgbClr val="000000"/>
+                          </a:solidFill>
+                          <a:latin typeface="Arial"/>
+                        </a:rPr>
+                        <a:t>O(n)</a:t>
+                      </a:r>
+                      <a:endParaRPr b="0" lang="fr-FR" sz="1500" spc="-1" strike="noStrike">
+                        <a:latin typeface="Arial"/>
+                      </a:endParaRPr>
+                    </a:p>
+                  </a:txBody>
+                  <a:tcPr anchor="t" marL="91440" marR="91440">
+                    <a:lnL w="12240">
+                      <a:solidFill>
+                        <a:srgbClr val="ffffff"/>
+                      </a:solidFill>
+                    </a:lnL>
+                    <a:lnR w="12240">
+                      <a:solidFill>
+                        <a:srgbClr val="ffffff"/>
+                      </a:solidFill>
+                    </a:lnR>
+                    <a:lnT w="12240">
+                      <a:solidFill>
+                        <a:srgbClr val="ffffff"/>
+                      </a:solidFill>
+                    </a:lnT>
+                    <a:lnB w="12240">
+                      <a:solidFill>
+                        <a:srgbClr val="ffffff"/>
+                      </a:solidFill>
+                    </a:lnB>
+                    <a:solidFill>
+                      <a:srgbClr val="ffebe7"/>
+                    </a:solidFill>
+                  </a:tcPr>
+                </a:tc>
+                <a:tc>
+                  <a:txBody>
+                    <a:bodyPr anchor="t">
+                      <a:noAutofit/>
+                    </a:bodyPr>
+                    <a:p>
+                      <a:pPr>
+                        <a:lnSpc>
+                          <a:spcPct val="100000"/>
+                        </a:lnSpc>
+                        <a:buNone/>
+                      </a:pPr>
+                      <a:r>
+                        <a:rPr b="0" lang="fr-FR" sz="1500" spc="-1" strike="noStrike">
+                          <a:solidFill>
+                            <a:srgbClr val="000000"/>
+                          </a:solidFill>
+                          <a:latin typeface="Arial"/>
+                        </a:rPr>
+                        <a:t>O(n)</a:t>
+                      </a:r>
+                      <a:endParaRPr b="0" lang="fr-FR" sz="1500" spc="-1" strike="noStrike">
+                        <a:latin typeface="Arial"/>
+                      </a:endParaRPr>
+                    </a:p>
+                  </a:txBody>
+                  <a:tcPr anchor="t" marL="91440" marR="91440">
+                    <a:lnL w="12240">
+                      <a:solidFill>
+                        <a:srgbClr val="ffffff"/>
+                      </a:solidFill>
+                    </a:lnL>
+                    <a:lnR w="12240">
+                      <a:solidFill>
+                        <a:srgbClr val="ffffff"/>
+                      </a:solidFill>
+                    </a:lnR>
+                    <a:lnT w="12240">
+                      <a:solidFill>
+                        <a:srgbClr val="ffffff"/>
+                      </a:solidFill>
+                    </a:lnT>
+                    <a:lnB w="12240">
+                      <a:solidFill>
+                        <a:srgbClr val="ffffff"/>
+                      </a:solidFill>
+                    </a:lnB>
+                    <a:solidFill>
+                      <a:srgbClr val="ffebe7"/>
+                    </a:solidFill>
+                  </a:tcPr>
+                </a:tc>
+              </a:tr>
+              <a:tr h="370800">
+                <a:tc>
+                  <a:txBody>
+                    <a:bodyPr anchor="t">
+                      <a:noAutofit/>
+                    </a:bodyPr>
+                    <a:p>
+                      <a:pPr>
+                        <a:lnSpc>
+                          <a:spcPct val="100000"/>
+                        </a:lnSpc>
+                        <a:buNone/>
+                      </a:pPr>
+                      <a:r>
+                        <a:rPr b="0" lang="fr-FR" sz="1500" spc="-1" strike="noStrike">
+                          <a:solidFill>
+                            <a:srgbClr val="000000"/>
+                          </a:solidFill>
+                          <a:latin typeface="Arial"/>
+                        </a:rPr>
+                        <a:t>Rechercher dans une liste triée (dichotomie)</a:t>
+                      </a:r>
+                      <a:endParaRPr b="0" lang="fr-FR" sz="1500" spc="-1" strike="noStrike">
+                        <a:latin typeface="Arial"/>
+                      </a:endParaRPr>
+                    </a:p>
+                  </a:txBody>
+                  <a:tcPr anchor="t" marL="91440" marR="91440">
+                    <a:lnL w="12240">
+                      <a:solidFill>
+                        <a:srgbClr val="ffffff"/>
+                      </a:solidFill>
+                    </a:lnL>
+                    <a:lnR w="12240">
+                      <a:solidFill>
+                        <a:srgbClr val="ffffff"/>
+                      </a:solidFill>
+                    </a:lnR>
+                    <a:lnT w="12240">
+                      <a:solidFill>
+                        <a:srgbClr val="ffffff"/>
+                      </a:solidFill>
+                    </a:lnT>
+                    <a:lnB w="12240">
+                      <a:solidFill>
+                        <a:srgbClr val="ffffff"/>
+                      </a:solidFill>
+                    </a:lnB>
+                    <a:solidFill>
+                      <a:srgbClr val="ffebe7"/>
+                    </a:solidFill>
+                  </a:tcPr>
+                </a:tc>
+                <a:tc>
+                  <a:txBody>
+                    <a:bodyPr anchor="t">
+                      <a:noAutofit/>
+                    </a:bodyPr>
+                    <a:p>
+                      <a:pPr>
+                        <a:lnSpc>
+                          <a:spcPct val="100000"/>
+                        </a:lnSpc>
+                        <a:buNone/>
+                      </a:pPr>
+                      <a:r>
+                        <a:rPr b="0" lang="fr-FR" sz="1500" spc="-1" strike="noStrike">
+                          <a:solidFill>
+                            <a:srgbClr val="000000"/>
+                          </a:solidFill>
+                          <a:latin typeface="Arial"/>
+                        </a:rPr>
+                        <a:t>O(log(n))</a:t>
+                      </a:r>
+                      <a:endParaRPr b="0" lang="fr-FR" sz="1500" spc="-1" strike="noStrike">
+                        <a:latin typeface="Arial"/>
+                      </a:endParaRPr>
+                    </a:p>
+                  </a:txBody>
+                  <a:tcPr anchor="t" marL="91440" marR="91440">
+                    <a:lnL w="12240">
+                      <a:solidFill>
+                        <a:srgbClr val="ffffff"/>
+                      </a:solidFill>
+                    </a:lnL>
+                    <a:lnR w="12240">
+                      <a:solidFill>
+                        <a:srgbClr val="ffffff"/>
+                      </a:solidFill>
+                    </a:lnR>
+                    <a:lnT w="12240">
+                      <a:solidFill>
+                        <a:srgbClr val="ffffff"/>
+                      </a:solidFill>
+                    </a:lnT>
+                    <a:lnB w="12240">
+                      <a:solidFill>
+                        <a:srgbClr val="ffffff"/>
+                      </a:solidFill>
+                    </a:lnB>
+                    <a:solidFill>
+                      <a:srgbClr val="ffebe7"/>
+                    </a:solidFill>
+                  </a:tcPr>
+                </a:tc>
+                <a:tc>
+                  <a:txBody>
+                    <a:bodyPr anchor="t">
+                      <a:noAutofit/>
+                    </a:bodyPr>
+                    <a:p>
+                      <a:pPr>
+                        <a:lnSpc>
+                          <a:spcPct val="100000"/>
+                        </a:lnSpc>
+                        <a:buNone/>
+                      </a:pPr>
+                      <a:r>
+                        <a:rPr b="0" lang="fr-FR" sz="1500" spc="-1" strike="noStrike">
+                          <a:solidFill>
+                            <a:srgbClr val="000000"/>
+                          </a:solidFill>
+                          <a:latin typeface="Arial"/>
+                        </a:rPr>
+                        <a:t>O(n)</a:t>
+                      </a:r>
+                      <a:endParaRPr b="0" lang="fr-FR" sz="1500" spc="-1" strike="noStrike">
+                        <a:latin typeface="Arial"/>
+                      </a:endParaRPr>
+                    </a:p>
+                  </a:txBody>
+                  <a:tcPr anchor="t" marL="91440" marR="91440">
+                    <a:lnL w="12240">
+                      <a:solidFill>
+                        <a:srgbClr val="ffffff"/>
+                      </a:solidFill>
+                    </a:lnL>
+                    <a:lnR w="12240">
+                      <a:solidFill>
+                        <a:srgbClr val="ffffff"/>
+                      </a:solidFill>
+                    </a:lnR>
+                    <a:lnT w="12240">
+                      <a:solidFill>
+                        <a:srgbClr val="ffffff"/>
+                      </a:solidFill>
+                    </a:lnT>
+                    <a:lnB w="12240">
+                      <a:solidFill>
+                        <a:srgbClr val="ffffff"/>
+                      </a:solidFill>
+                    </a:lnB>
+                    <a:solidFill>
+                      <a:srgbClr val="ffebe7"/>
+                    </a:solidFill>
+                  </a:tcPr>
+                </a:tc>
+              </a:tr>
+              <a:tr h="370800">
+                <a:tc>
+                  <a:txBody>
+                    <a:bodyPr anchor="t">
+                      <a:noAutofit/>
+                    </a:bodyPr>
+                    <a:p>
+                      <a:pPr>
+                        <a:lnSpc>
+                          <a:spcPct val="100000"/>
+                        </a:lnSpc>
+                        <a:buNone/>
+                      </a:pPr>
+                      <a:r>
+                        <a:rPr b="0" lang="fr-FR" sz="1500" spc="-1" strike="noStrike">
+                          <a:solidFill>
+                            <a:srgbClr val="000000"/>
+                          </a:solidFill>
+                          <a:latin typeface="Arial"/>
+                        </a:rPr>
+                        <a:t>Calcul du nombre d’éléments</a:t>
+                      </a:r>
+                      <a:endParaRPr b="0" lang="fr-FR" sz="1500" spc="-1" strike="noStrike">
+                        <a:latin typeface="Arial"/>
+                      </a:endParaRPr>
+                    </a:p>
+                  </a:txBody>
+                  <a:tcPr anchor="t" marL="91440" marR="91440">
+                    <a:lnL w="12240">
+                      <a:solidFill>
+                        <a:srgbClr val="ffffff"/>
+                      </a:solidFill>
+                    </a:lnL>
+                    <a:lnR w="12240">
+                      <a:solidFill>
+                        <a:srgbClr val="ffffff"/>
+                      </a:solidFill>
+                    </a:lnR>
+                    <a:lnT w="12240">
+                      <a:solidFill>
+                        <a:srgbClr val="ffffff"/>
+                      </a:solidFill>
+                    </a:lnT>
+                    <a:lnB w="12240">
+                      <a:solidFill>
+                        <a:srgbClr val="ffffff"/>
+                      </a:solidFill>
+                    </a:lnB>
+                    <a:solidFill>
+                      <a:srgbClr val="ffebe7"/>
+                    </a:solidFill>
+                  </a:tcPr>
+                </a:tc>
+                <a:tc>
+                  <a:txBody>
+                    <a:bodyPr anchor="t">
+                      <a:noAutofit/>
+                    </a:bodyPr>
+                    <a:p>
+                      <a:pPr>
+                        <a:lnSpc>
+                          <a:spcPct val="100000"/>
+                        </a:lnSpc>
+                        <a:buNone/>
+                      </a:pPr>
+                      <a:r>
+                        <a:rPr b="0" lang="fr-FR" sz="1500" spc="-1" strike="noStrike">
+                          <a:latin typeface="Arial"/>
+                        </a:rPr>
+                        <a:t>O(1)</a:t>
+                      </a:r>
+                      <a:endParaRPr b="0" lang="fr-FR" sz="1500" spc="-1" strike="noStrike">
+                        <a:latin typeface="Arial"/>
+                      </a:endParaRPr>
+                    </a:p>
+                  </a:txBody>
+                  <a:tcPr anchor="t" marL="91440" marR="91440">
+                    <a:lnL w="12240">
+                      <a:solidFill>
+                        <a:srgbClr val="ffffff"/>
+                      </a:solidFill>
+                    </a:lnL>
+                    <a:lnR w="12240">
+                      <a:solidFill>
+                        <a:srgbClr val="ffffff"/>
+                      </a:solidFill>
+                    </a:lnR>
+                    <a:lnT w="12240">
+                      <a:solidFill>
+                        <a:srgbClr val="ffffff"/>
+                      </a:solidFill>
+                    </a:lnT>
+                    <a:lnB w="12240">
+                      <a:solidFill>
+                        <a:srgbClr val="ffffff"/>
+                      </a:solidFill>
+                    </a:lnB>
+                    <a:solidFill>
+                      <a:srgbClr val="ffebe7"/>
+                    </a:solidFill>
+                  </a:tcPr>
+                </a:tc>
+                <a:tc>
+                  <a:txBody>
+                    <a:bodyPr anchor="t">
+                      <a:noAutofit/>
+                    </a:bodyPr>
+                    <a:p>
+                      <a:pPr>
+                        <a:lnSpc>
+                          <a:spcPct val="100000"/>
+                        </a:lnSpc>
+                        <a:buNone/>
+                      </a:pPr>
+                      <a:r>
+                        <a:rPr b="0" lang="fr-FR" sz="1500" spc="-1" strike="noStrike">
+                          <a:latin typeface="Arial"/>
+                        </a:rPr>
+                        <a:t>O(n)</a:t>
+                      </a:r>
+                      <a:endParaRPr b="0" lang="fr-FR" sz="1500" spc="-1" strike="noStrike">
                         <a:latin typeface="Arial"/>
                       </a:endParaRPr>
                     </a:p>
@@ -7359,14 +5712,121 @@
       </p:grpSpPr>
       <p:sp>
         <p:nvSpPr>
-          <p:cNvPr id="131" name="TextShape 3"/>
+          <p:cNvPr id="83" name="TextShape 4"/>
           <p:cNvSpPr/>
           <p:nvPr/>
         </p:nvSpPr>
         <p:spPr>
           <a:xfrm>
-            <a:off x="1152000" y="1634400"/>
-            <a:ext cx="8513280" cy="741600"/>
+            <a:off x="314280" y="1184400"/>
+            <a:ext cx="8511480" cy="3361680"/>
+          </a:xfrm>
+          <a:prstGeom prst="rect">
+            <a:avLst/>
+          </a:prstGeom>
+          <a:noFill/>
+          <a:ln w="0">
+            <a:noFill/>
+          </a:ln>
+        </p:spPr>
+        <p:style>
+          <a:lnRef idx="0"/>
+          <a:fillRef idx="0"/>
+          <a:effectRef idx="0"/>
+          <a:fontRef idx="minor"/>
+        </p:style>
+        <p:txBody>
+          <a:bodyPr lIns="0" rIns="0" tIns="0" bIns="0" anchor="t">
+            <a:noAutofit/>
+          </a:bodyPr>
+          <a:p>
+            <a:pPr>
+              <a:lnSpc>
+                <a:spcPct val="100000"/>
+              </a:lnSpc>
+              <a:spcBef>
+                <a:spcPts val="281"/>
+              </a:spcBef>
+              <a:buNone/>
+            </a:pPr>
+            <a:endParaRPr b="0" lang="fr-FR" sz="2000" spc="-1" strike="noStrike">
+              <a:latin typeface="Arial"/>
+            </a:endParaRPr>
+          </a:p>
+          <a:p>
+            <a:pPr>
+              <a:lnSpc>
+                <a:spcPct val="100000"/>
+              </a:lnSpc>
+              <a:spcBef>
+                <a:spcPts val="281"/>
+              </a:spcBef>
+              <a:buNone/>
+            </a:pPr>
+            <a:endParaRPr b="0" lang="fr-FR" sz="2000" spc="-1" strike="noStrike">
+              <a:latin typeface="Arial"/>
+            </a:endParaRPr>
+          </a:p>
+          <a:p>
+            <a:pPr>
+              <a:lnSpc>
+                <a:spcPct val="90000"/>
+              </a:lnSpc>
+              <a:spcBef>
+                <a:spcPts val="601"/>
+              </a:spcBef>
+              <a:buNone/>
+            </a:pPr>
+            <a:endParaRPr b="0" lang="fr-FR" sz="2000" spc="-1" strike="noStrike">
+              <a:latin typeface="Arial"/>
+            </a:endParaRPr>
+          </a:p>
+          <a:p>
+            <a:pPr>
+              <a:lnSpc>
+                <a:spcPct val="90000"/>
+              </a:lnSpc>
+              <a:spcBef>
+                <a:spcPts val="601"/>
+              </a:spcBef>
+              <a:buNone/>
+            </a:pPr>
+            <a:r>
+              <a:rPr b="0" lang="fr-FR" sz="1400" spc="-18" strike="noStrike" baseline="30000">
+                <a:solidFill>
+                  <a:srgbClr val="000000"/>
+                </a:solidFill>
+                <a:latin typeface="Helvetica 75 Bold"/>
+                <a:ea typeface="DejaVu Sans"/>
+              </a:rPr>
+              <a:t>	</a:t>
+            </a:r>
+            <a:r>
+              <a:rPr b="0" lang="fr-FR" sz="1400" spc="-18" strike="noStrike" baseline="30000">
+                <a:solidFill>
+                  <a:srgbClr val="000000"/>
+                </a:solidFill>
+                <a:latin typeface="Helvetica 75 Bold"/>
+                <a:ea typeface="DejaVu Sans"/>
+              </a:rPr>
+              <a:t>	</a:t>
+            </a:r>
+            <a:endParaRPr b="0" lang="fr-FR" sz="1400" spc="-1" strike="noStrike">
+              <a:latin typeface="Arial"/>
+            </a:endParaRPr>
+          </a:p>
+        </p:txBody>
+      </p:sp>
+      <p:sp>
+        <p:nvSpPr>
+          <p:cNvPr id="84" name="TextShape 5"/>
+          <p:cNvSpPr/>
+          <p:nvPr/>
+        </p:nvSpPr>
+        <p:spPr>
+          <a:xfrm>
+            <a:off x="314280" y="267480"/>
+            <a:ext cx="8511480" cy="739800"/>
           </a:xfrm>
           <a:prstGeom prst="rect">
             <a:avLst/>
@@ -7401,7 +5861,7 @@
                 <a:latin typeface="Helvetica 75 Bold"/>
                 <a:ea typeface="DejaVu Sans"/>
               </a:rPr>
-              <a:t>Annexe (pas à retenir)</a:t>
+              <a:t>Complexité des algorithmes de tri</a:t>
             </a:r>
             <a:endParaRPr b="0" lang="fr-FR" sz="2000" spc="-1" strike="noStrike">
               <a:latin typeface="Arial"/>
@@ -7409,6 +5869,466 @@
           </a:p>
         </p:txBody>
       </p:sp>
+      <p:graphicFrame>
+        <p:nvGraphicFramePr>
+          <p:cNvPr id="85" name="Tableau 2"/>
+          <p:cNvGraphicFramePr/>
+          <p:nvPr/>
+        </p:nvGraphicFramePr>
+        <p:xfrm>
+          <a:off x="708120" y="596880"/>
+          <a:ext cx="6912000" cy="1948680"/>
+        </p:xfrm>
+        <a:graphic>
+          <a:graphicData uri="http://schemas.openxmlformats.org/drawingml/2006/table">
+            <a:tbl>
+              <a:tblPr/>
+              <a:tblGrid>
+                <a:gridCol w="4245840"/>
+                <a:gridCol w="2666520"/>
+              </a:tblGrid>
+              <a:tr h="603720">
+                <a:tc>
+                  <a:tcPr anchor="t" marL="91440" marR="91440">
+                    <a:lnL w="12240">
+                      <a:solidFill>
+                        <a:srgbClr val="ffffff"/>
+                      </a:solidFill>
+                    </a:lnL>
+                    <a:lnR w="12240">
+                      <a:solidFill>
+                        <a:srgbClr val="ffffff"/>
+                      </a:solidFill>
+                    </a:lnR>
+                    <a:lnT w="12240">
+                      <a:solidFill>
+                        <a:srgbClr val="ffffff"/>
+                      </a:solidFill>
+                    </a:lnT>
+                    <a:lnB w="38160">
+                      <a:solidFill>
+                        <a:srgbClr val="ffffff"/>
+                      </a:solidFill>
+                    </a:lnB>
+                    <a:solidFill>
+                      <a:srgbClr val="ff7900"/>
+                    </a:solidFill>
+                  </a:tcPr>
+                </a:tc>
+                <a:tc>
+                  <a:txBody>
+                    <a:bodyPr anchor="t">
+                      <a:noAutofit/>
+                    </a:bodyPr>
+                    <a:p>
+                      <a:pPr>
+                        <a:lnSpc>
+                          <a:spcPct val="100000"/>
+                        </a:lnSpc>
+                        <a:buNone/>
+                      </a:pPr>
+                      <a:r>
+                        <a:rPr b="1" lang="fr-FR" sz="1800" spc="-1" strike="noStrike">
+                          <a:solidFill>
+                            <a:srgbClr val="ffffff"/>
+                          </a:solidFill>
+                          <a:latin typeface="Arial"/>
+                        </a:rPr>
+                        <a:t>Complexité temporelle moyenne</a:t>
+                      </a:r>
+                      <a:endParaRPr b="0" lang="fr-FR" sz="1800" spc="-1" strike="noStrike">
+                        <a:latin typeface="Arial"/>
+                      </a:endParaRPr>
+                    </a:p>
+                  </a:txBody>
+                  <a:tcPr anchor="t" marL="91440" marR="91440">
+                    <a:lnL w="12240">
+                      <a:solidFill>
+                        <a:srgbClr val="ffffff"/>
+                      </a:solidFill>
+                    </a:lnL>
+                    <a:lnR w="12240">
+                      <a:solidFill>
+                        <a:srgbClr val="ffffff"/>
+                      </a:solidFill>
+                    </a:lnR>
+                    <a:lnT w="12240">
+                      <a:solidFill>
+                        <a:srgbClr val="ffffff"/>
+                      </a:solidFill>
+                    </a:lnT>
+                    <a:lnB w="38160">
+                      <a:solidFill>
+                        <a:srgbClr val="ffffff"/>
+                      </a:solidFill>
+                    </a:lnB>
+                    <a:solidFill>
+                      <a:srgbClr val="ff7900"/>
+                    </a:solidFill>
+                  </a:tcPr>
+                </a:tc>
+              </a:tr>
+              <a:tr h="370800">
+                <a:tc>
+                  <a:txBody>
+                    <a:bodyPr anchor="t">
+                      <a:noAutofit/>
+                    </a:bodyPr>
+                    <a:p>
+                      <a:pPr>
+                        <a:lnSpc>
+                          <a:spcPct val="100000"/>
+                        </a:lnSpc>
+                        <a:buNone/>
+                      </a:pPr>
+                      <a:r>
+                        <a:rPr b="0" lang="fr-FR" sz="1800" spc="-1" strike="noStrike">
+                          <a:solidFill>
+                            <a:srgbClr val="000000"/>
+                          </a:solidFill>
+                          <a:latin typeface="Arial"/>
+                        </a:rPr>
+                        <a:t>Insertion sort</a:t>
+                      </a:r>
+                      <a:endParaRPr b="0" lang="fr-FR" sz="1800" spc="-1" strike="noStrike">
+                        <a:latin typeface="Arial"/>
+                      </a:endParaRPr>
+                    </a:p>
+                  </a:txBody>
+                  <a:tcPr anchor="t" marL="91440" marR="91440">
+                    <a:lnL w="12240">
+                      <a:solidFill>
+                        <a:srgbClr val="ffffff"/>
+                      </a:solidFill>
+                    </a:lnL>
+                    <a:lnR w="12240">
+                      <a:solidFill>
+                        <a:srgbClr val="ffffff"/>
+                      </a:solidFill>
+                    </a:lnR>
+                    <a:lnT w="12240">
+                      <a:solidFill>
+                        <a:srgbClr val="ffffff"/>
+                      </a:solidFill>
+                    </a:lnT>
+                    <a:lnB w="12240">
+                      <a:solidFill>
+                        <a:srgbClr val="ffffff"/>
+                      </a:solidFill>
+                    </a:lnB>
+                    <a:solidFill>
+                      <a:srgbClr val="ffd6cc"/>
+                    </a:solidFill>
+                  </a:tcPr>
+                </a:tc>
+                <a:tc>
+                  <a:txBody>
+                    <a:bodyPr anchor="t">
+                      <a:noAutofit/>
+                    </a:bodyPr>
+                    <a:p>
+                      <a:pPr>
+                        <a:lnSpc>
+                          <a:spcPct val="100000"/>
+                        </a:lnSpc>
+                        <a:buNone/>
+                      </a:pPr>
+                      <a:r>
+                        <a:rPr b="0" lang="fr-FR" sz="1800" spc="-1" strike="noStrike">
+                          <a:solidFill>
+                            <a:srgbClr val="000000"/>
+                          </a:solidFill>
+                          <a:latin typeface="Arial"/>
+                        </a:rPr>
+                        <a:t>O(n</a:t>
+                      </a:r>
+                      <a:r>
+                        <a:rPr b="0" lang="fr-FR" sz="1800" spc="-1" strike="noStrike" baseline="33000">
+                          <a:solidFill>
+                            <a:srgbClr val="000000"/>
+                          </a:solidFill>
+                          <a:latin typeface="Arial"/>
+                        </a:rPr>
+                        <a:t>2</a:t>
+                      </a:r>
+                      <a:r>
+                        <a:rPr b="0" lang="fr-FR" sz="1800" spc="-1" strike="noStrike">
+                          <a:solidFill>
+                            <a:srgbClr val="000000"/>
+                          </a:solidFill>
+                          <a:latin typeface="Arial"/>
+                        </a:rPr>
+                        <a:t>)</a:t>
+                      </a:r>
+                      <a:endParaRPr b="0" lang="fr-FR" sz="1800" spc="-1" strike="noStrike">
+                        <a:latin typeface="Arial"/>
+                      </a:endParaRPr>
+                    </a:p>
+                  </a:txBody>
+                  <a:tcPr anchor="t" marL="91440" marR="91440">
+                    <a:lnL w="12240">
+                      <a:solidFill>
+                        <a:srgbClr val="ffffff"/>
+                      </a:solidFill>
+                    </a:lnL>
+                    <a:lnR w="12240">
+                      <a:solidFill>
+                        <a:srgbClr val="ffffff"/>
+                      </a:solidFill>
+                    </a:lnR>
+                    <a:lnT w="12240">
+                      <a:solidFill>
+                        <a:srgbClr val="ffffff"/>
+                      </a:solidFill>
+                    </a:lnT>
+                    <a:lnB w="12240">
+                      <a:solidFill>
+                        <a:srgbClr val="ffffff"/>
+                      </a:solidFill>
+                    </a:lnB>
+                    <a:solidFill>
+                      <a:srgbClr val="ffd6cc"/>
+                    </a:solidFill>
+                  </a:tcPr>
+                </a:tc>
+              </a:tr>
+              <a:tr h="370800">
+                <a:tc>
+                  <a:txBody>
+                    <a:bodyPr anchor="t">
+                      <a:noAutofit/>
+                    </a:bodyPr>
+                    <a:p>
+                      <a:pPr>
+                        <a:lnSpc>
+                          <a:spcPct val="100000"/>
+                        </a:lnSpc>
+                        <a:buNone/>
+                      </a:pPr>
+                      <a:r>
+                        <a:rPr b="0" lang="fr-FR" sz="1800" spc="-1" strike="noStrike">
+                          <a:solidFill>
+                            <a:srgbClr val="000000"/>
+                          </a:solidFill>
+                          <a:latin typeface="Arial"/>
+                        </a:rPr>
+                        <a:t>Selection sort</a:t>
+                      </a:r>
+                      <a:endParaRPr b="0" lang="fr-FR" sz="1800" spc="-1" strike="noStrike">
+                        <a:latin typeface="Arial"/>
+                      </a:endParaRPr>
+                    </a:p>
+                  </a:txBody>
+                  <a:tcPr anchor="t" marL="91440" marR="91440">
+                    <a:lnL w="12240">
+                      <a:solidFill>
+                        <a:srgbClr val="ffffff"/>
+                      </a:solidFill>
+                    </a:lnL>
+                    <a:lnR w="12240">
+                      <a:solidFill>
+                        <a:srgbClr val="ffffff"/>
+                      </a:solidFill>
+                    </a:lnR>
+                    <a:lnT w="12240">
+                      <a:solidFill>
+                        <a:srgbClr val="ffffff"/>
+                      </a:solidFill>
+                    </a:lnT>
+                    <a:lnB w="12240">
+                      <a:solidFill>
+                        <a:srgbClr val="ffffff"/>
+                      </a:solidFill>
+                    </a:lnB>
+                    <a:solidFill>
+                      <a:srgbClr val="ffebe7"/>
+                    </a:solidFill>
+                  </a:tcPr>
+                </a:tc>
+                <a:tc>
+                  <a:txBody>
+                    <a:bodyPr anchor="t">
+                      <a:noAutofit/>
+                    </a:bodyPr>
+                    <a:p>
+                      <a:pPr>
+                        <a:lnSpc>
+                          <a:spcPct val="100000"/>
+                        </a:lnSpc>
+                        <a:buNone/>
+                      </a:pPr>
+                      <a:r>
+                        <a:rPr b="0" lang="fr-FR" sz="1800" spc="-1" strike="noStrike">
+                          <a:solidFill>
+                            <a:srgbClr val="000000"/>
+                          </a:solidFill>
+                          <a:latin typeface="Arial"/>
+                        </a:rPr>
+                        <a:t>O(n</a:t>
+                      </a:r>
+                      <a:r>
+                        <a:rPr b="0" lang="fr-FR" sz="1800" spc="-1" strike="noStrike" baseline="33000">
+                          <a:solidFill>
+                            <a:srgbClr val="000000"/>
+                          </a:solidFill>
+                          <a:latin typeface="Arial"/>
+                        </a:rPr>
+                        <a:t>2</a:t>
+                      </a:r>
+                      <a:r>
+                        <a:rPr b="0" lang="fr-FR" sz="1800" spc="-1" strike="noStrike">
+                          <a:solidFill>
+                            <a:srgbClr val="000000"/>
+                          </a:solidFill>
+                          <a:latin typeface="Arial"/>
+                        </a:rPr>
+                        <a:t>)</a:t>
+                      </a:r>
+                      <a:endParaRPr b="0" lang="fr-FR" sz="1800" spc="-1" strike="noStrike">
+                        <a:latin typeface="Arial"/>
+                      </a:endParaRPr>
+                    </a:p>
+                  </a:txBody>
+                  <a:tcPr anchor="t" marL="91440" marR="91440">
+                    <a:lnL w="12240">
+                      <a:solidFill>
+                        <a:srgbClr val="ffffff"/>
+                      </a:solidFill>
+                    </a:lnL>
+                    <a:lnR w="12240">
+                      <a:solidFill>
+                        <a:srgbClr val="ffffff"/>
+                      </a:solidFill>
+                    </a:lnR>
+                    <a:lnT w="12240">
+                      <a:solidFill>
+                        <a:srgbClr val="ffffff"/>
+                      </a:solidFill>
+                    </a:lnT>
+                    <a:lnB w="12240">
+                      <a:solidFill>
+                        <a:srgbClr val="ffffff"/>
+                      </a:solidFill>
+                    </a:lnB>
+                    <a:solidFill>
+                      <a:srgbClr val="ffebe7"/>
+                    </a:solidFill>
+                  </a:tcPr>
+                </a:tc>
+              </a:tr>
+              <a:tr h="603720">
+                <a:tc>
+                  <a:txBody>
+                    <a:bodyPr anchor="t">
+                      <a:noAutofit/>
+                    </a:bodyPr>
+                    <a:p>
+                      <a:pPr>
+                        <a:lnSpc>
+                          <a:spcPct val="100000"/>
+                        </a:lnSpc>
+                        <a:buNone/>
+                        <a:tabLst>
+                          <a:tab algn="l" pos="0"/>
+                        </a:tabLst>
+                      </a:pPr>
+                      <a:r>
+                        <a:rPr b="0" lang="fr-FR" sz="1800" spc="-1" strike="noStrike">
+                          <a:solidFill>
+                            <a:srgbClr val="000000"/>
+                          </a:solidFill>
+                          <a:latin typeface="Arial"/>
+                        </a:rPr>
+                        <a:t>Merge sort, quick sort, heap sort, tim sort</a:t>
+                      </a:r>
+                      <a:endParaRPr b="0" lang="fr-FR" sz="1800" spc="-1" strike="noStrike">
+                        <a:latin typeface="Arial"/>
+                      </a:endParaRPr>
+                    </a:p>
+                  </a:txBody>
+                  <a:tcPr anchor="t" marL="91440" marR="91440">
+                    <a:lnL w="12240">
+                      <a:solidFill>
+                        <a:srgbClr val="ffffff"/>
+                      </a:solidFill>
+                    </a:lnL>
+                    <a:lnR w="12240">
+                      <a:solidFill>
+                        <a:srgbClr val="ffffff"/>
+                      </a:solidFill>
+                    </a:lnR>
+                    <a:lnT w="12240">
+                      <a:solidFill>
+                        <a:srgbClr val="ffffff"/>
+                      </a:solidFill>
+                    </a:lnT>
+                    <a:lnB w="12240">
+                      <a:solidFill>
+                        <a:srgbClr val="ffffff"/>
+                      </a:solidFill>
+                    </a:lnB>
+                    <a:solidFill>
+                      <a:srgbClr val="ffebe7"/>
+                    </a:solidFill>
+                  </a:tcPr>
+                </a:tc>
+                <a:tc>
+                  <a:txBody>
+                    <a:bodyPr anchor="t">
+                      <a:noAutofit/>
+                    </a:bodyPr>
+                    <a:p>
+                      <a:pPr>
+                        <a:lnSpc>
+                          <a:spcPct val="100000"/>
+                        </a:lnSpc>
+                        <a:buNone/>
+                      </a:pPr>
+                      <a:r>
+                        <a:rPr b="0" lang="fr-FR" sz="1800" spc="-1" strike="noStrike">
+                          <a:solidFill>
+                            <a:srgbClr val="000000"/>
+                          </a:solidFill>
+                          <a:latin typeface="Arial"/>
+                        </a:rPr>
+                        <a:t>O(n.log(n))</a:t>
+                      </a:r>
+                      <a:endParaRPr b="0" lang="fr-FR" sz="1800" spc="-1" strike="noStrike">
+                        <a:latin typeface="Arial"/>
+                      </a:endParaRPr>
+                    </a:p>
+                  </a:txBody>
+                  <a:tcPr anchor="t" marL="91440" marR="91440">
+                    <a:lnL w="12240">
+                      <a:solidFill>
+                        <a:srgbClr val="ffffff"/>
+                      </a:solidFill>
+                    </a:lnL>
+                    <a:lnR w="12240">
+                      <a:solidFill>
+                        <a:srgbClr val="ffffff"/>
+                      </a:solidFill>
+                    </a:lnR>
+                    <a:lnT w="12240">
+                      <a:solidFill>
+                        <a:srgbClr val="ffffff"/>
+                      </a:solidFill>
+                    </a:lnT>
+                    <a:lnB w="12240">
+                      <a:solidFill>
+                        <a:srgbClr val="ffffff"/>
+                      </a:solidFill>
+                    </a:lnB>
+                    <a:solidFill>
+                      <a:srgbClr val="ffebe7"/>
+                    </a:solidFill>
+                  </a:tcPr>
+                </a:tc>
+              </a:tr>
+            </a:tbl>
+          </a:graphicData>
+        </a:graphic>
+      </p:graphicFrame>
     </p:spTree>
   </p:cSld>
   <p:transition spd="med">
@@ -7436,14 +6356,14 @@
       </p:grpSpPr>
       <p:sp>
         <p:nvSpPr>
-          <p:cNvPr id="132" name="TextShape 1"/>
+          <p:cNvPr id="86" name="TextShape 3"/>
           <p:cNvSpPr/>
           <p:nvPr/>
         </p:nvSpPr>
         <p:spPr>
           <a:xfrm>
-            <a:off x="314280" y="267480"/>
-            <a:ext cx="8513280" cy="741600"/>
+            <a:off x="1152000" y="1634400"/>
+            <a:ext cx="8511480" cy="739800"/>
           </a:xfrm>
           <a:prstGeom prst="rect">
             <a:avLst/>
@@ -7478,7 +6398,7 @@
                 <a:latin typeface="Helvetica 75 Bold"/>
                 <a:ea typeface="DejaVu Sans"/>
               </a:rPr>
-              <a:t>Complexité</a:t>
+              <a:t>Annexe (pas à retenir)</a:t>
             </a:r>
             <a:endParaRPr b="0" lang="fr-FR" sz="2000" spc="-1" strike="noStrike">
               <a:latin typeface="Arial"/>
@@ -7486,29 +6406,6 @@
           </a:p>
         </p:txBody>
       </p:sp>
-      <p:pic>
-        <p:nvPicPr>
-          <p:cNvPr id="133" name="Picture 3" descr=""/>
-          <p:cNvPicPr/>
-          <p:nvPr/>
-        </p:nvPicPr>
-        <p:blipFill>
-          <a:blip r:embed="rId1"/>
-          <a:stretch/>
-        </p:blipFill>
-        <p:spPr>
-          <a:xfrm>
-            <a:off x="395640" y="843480"/>
-            <a:ext cx="8035200" cy="3328920"/>
-          </a:xfrm>
-          <a:prstGeom prst="rect">
-            <a:avLst/>
-          </a:prstGeom>
-          <a:ln w="0">
-            <a:noFill/>
-          </a:ln>
-        </p:spPr>
-      </p:pic>
     </p:spTree>
   </p:cSld>
   <p:transition spd="med">
@@ -7536,14 +6433,114 @@
       </p:grpSpPr>
       <p:sp>
         <p:nvSpPr>
-          <p:cNvPr id="134" name="TextShape 1"/>
+          <p:cNvPr id="87" name="TextShape 1"/>
           <p:cNvSpPr/>
           <p:nvPr/>
         </p:nvSpPr>
         <p:spPr>
           <a:xfrm>
             <a:off x="314280" y="267480"/>
-            <a:ext cx="8513280" cy="741600"/>
+            <a:ext cx="8511480" cy="739800"/>
+          </a:xfrm>
+          <a:prstGeom prst="rect">
+            <a:avLst/>
+          </a:prstGeom>
+          <a:noFill/>
+          <a:ln w="0">
+            <a:noFill/>
+          </a:ln>
+        </p:spPr>
+        <p:style>
+          <a:lnRef idx="0"/>
+          <a:fillRef idx="0"/>
+          <a:effectRef idx="0"/>
+          <a:fontRef idx="minor"/>
+        </p:style>
+        <p:txBody>
+          <a:bodyPr lIns="0" rIns="0" tIns="0" bIns="0" anchor="t">
+            <a:noAutofit/>
+          </a:bodyPr>
+          <a:p>
+            <a:pPr>
+              <a:lnSpc>
+                <a:spcPct val="90000"/>
+              </a:lnSpc>
+              <a:buNone/>
+            </a:pPr>
+            <a:r>
+              <a:rPr b="0" lang="fr-FR" sz="2000" spc="-18" strike="noStrike">
+                <a:solidFill>
+                  <a:srgbClr val="ff7900"/>
+                </a:solidFill>
+                <a:latin typeface="Helvetica 75 Bold"/>
+                <a:ea typeface="DejaVu Sans"/>
+              </a:rPr>
+              <a:t>Complexité</a:t>
+            </a:r>
+            <a:endParaRPr b="0" lang="fr-FR" sz="2000" spc="-1" strike="noStrike">
+              <a:latin typeface="Arial"/>
+            </a:endParaRPr>
+          </a:p>
+        </p:txBody>
+      </p:sp>
+      <p:pic>
+        <p:nvPicPr>
+          <p:cNvPr id="88" name="Picture 3" descr=""/>
+          <p:cNvPicPr/>
+          <p:nvPr/>
+        </p:nvPicPr>
+        <p:blipFill>
+          <a:blip r:embed="rId1"/>
+          <a:stretch/>
+        </p:blipFill>
+        <p:spPr>
+          <a:xfrm>
+            <a:off x="395640" y="843480"/>
+            <a:ext cx="8033400" cy="3327120"/>
+          </a:xfrm>
+          <a:prstGeom prst="rect">
+            <a:avLst/>
+          </a:prstGeom>
+          <a:ln w="0">
+            <a:noFill/>
+          </a:ln>
+        </p:spPr>
+      </p:pic>
+    </p:spTree>
+  </p:cSld>
+  <p:transition spd="med">
+    <p:fade/>
+  </p:transition>
+</p:sld>
+</file>
+
+<file path=ppt/slides/slide5.xml><?xml version="1.0" encoding="utf-8"?>
+<p:sld xmlns:a="http://schemas.openxmlformats.org/drawingml/2006/main" xmlns:p="http://schemas.openxmlformats.org/presentationml/2006/main" xmlns:r="http://schemas.openxmlformats.org/officeDocument/2006/relationships" xmlns:p14="http://schemas.microsoft.com/office/powerpoint/2010/main" xmlns:p15="http://schemas.microsoft.com/office/powerpoint/2012/main" xmlns:mc="http://schemas.openxmlformats.org/markup-compatibility/2006">
+  <p:cSld>
+    <p:spTree>
+      <p:nvGrpSpPr>
+        <p:cNvPr id="1" name=""/>
+        <p:cNvGrpSpPr/>
+        <p:nvPr/>
+      </p:nvGrpSpPr>
+      <p:grpSpPr>
+        <a:xfrm>
+          <a:off x="0" y="0"/>
+          <a:ext cx="0" cy="0"/>
+          <a:chOff x="0" y="0"/>
+          <a:chExt cx="0" cy="0"/>
+        </a:xfrm>
+      </p:grpSpPr>
+      <p:sp>
+        <p:nvSpPr>
+          <p:cNvPr id="89" name="TextShape 1"/>
+          <p:cNvSpPr/>
+          <p:nvPr/>
+        </p:nvSpPr>
+        <p:spPr>
+          <a:xfrm>
+            <a:off x="314280" y="267480"/>
+            <a:ext cx="8511480" cy="739800"/>
           </a:xfrm>
           <a:prstGeom prst="rect">
             <a:avLst/>
@@ -7588,7 +6585,7 @@
       </p:sp>
       <p:pic>
         <p:nvPicPr>
-          <p:cNvPr id="135" name="Picture 2" descr=""/>
+          <p:cNvPr id="90" name="Picture 2" descr=""/>
           <p:cNvPicPr/>
           <p:nvPr/>
         </p:nvPicPr>
@@ -7599,7 +6596,7 @@
         <p:spPr>
           <a:xfrm>
             <a:off x="683640" y="1203480"/>
-            <a:ext cx="6230880" cy="3503880"/>
+            <a:ext cx="6229080" cy="3502080"/>
           </a:xfrm>
           <a:prstGeom prst="rect">
             <a:avLst/>
@@ -8067,230 +7064,4 @@
     </a:fmtScheme>
   </a:themeElements>
 </a:theme>
-</file>
-
-<file path=ppt/theme/theme3.xml><?xml version="1.0" encoding="utf-8"?>
-<a:theme xmlns:a="http://schemas.openxmlformats.org/drawingml/2006/main" name="Office Theme">
-  <a:themeElements>
-    <a:clrScheme name="Office">
-      <a:dk1>
-        <a:sysClr val="windowText" lastClr="000000"/>
-      </a:dk1>
-      <a:lt1>
-        <a:sysClr val="window" lastClr="FFFFFF"/>
-      </a:lt1>
-      <a:dk2>
-        <a:srgbClr val="8f8f8f"/>
-      </a:dk2>
-      <a:lt2>
-        <a:srgbClr val="ff7900"/>
-      </a:lt2>
-      <a:accent1>
-        <a:srgbClr val="ff7900"/>
-      </a:accent1>
-      <a:accent2>
-        <a:srgbClr val="4bb4e6"/>
-      </a:accent2>
-      <a:accent3>
-        <a:srgbClr val="50be87"/>
-      </a:accent3>
-      <a:accent4>
-        <a:srgbClr val="ffb4e6"/>
-      </a:accent4>
-      <a:accent5>
-        <a:srgbClr val="a885d8"/>
-      </a:accent5>
-      <a:accent6>
-        <a:srgbClr val="ffd200"/>
-      </a:accent6>
-      <a:hlink>
-        <a:srgbClr val="ff7900"/>
-      </a:hlink>
-      <a:folHlink>
-        <a:srgbClr val="ff7900"/>
-      </a:folHlink>
-    </a:clrScheme>
-    <a:fontScheme name="Office">
-      <a:majorFont>
-        <a:latin typeface="Arial"/>
-        <a:ea typeface="DejaVu Sans"/>
-        <a:cs typeface="DejaVu Sans"/>
-      </a:majorFont>
-      <a:minorFont>
-        <a:latin typeface="Arial"/>
-        <a:ea typeface="DejaVu Sans"/>
-        <a:cs typeface="DejaVu Sans"/>
-      </a:minorFont>
-    </a:fontScheme>
-    <a:fmtScheme name="Office">
-      <a:fillStyleLst>
-        <a:solidFill>
-          <a:schemeClr val="phClr"/>
-        </a:solidFill>
-        <a:gradFill rotWithShape="1">
-          <a:gsLst>
-            <a:gs pos="0">
-              <a:schemeClr val="phClr">
-                <a:tint val="50000"/>
-                <a:satMod val="300000"/>
-              </a:schemeClr>
-            </a:gs>
-            <a:gs pos="35000">
-              <a:schemeClr val="phClr">
-                <a:tint val="37000"/>
-                <a:satMod val="300000"/>
-              </a:schemeClr>
-            </a:gs>
-            <a:gs pos="100000">
-              <a:schemeClr val="phClr">
-                <a:tint val="15000"/>
-                <a:satMod val="350000"/>
-              </a:schemeClr>
-            </a:gs>
-          </a:gsLst>
-          <a:lin ang="16200000" scaled="1"/>
-        </a:gradFill>
-        <a:gradFill rotWithShape="1">
-          <a:gsLst>
-            <a:gs pos="0">
-              <a:schemeClr val="phClr">
-                <a:shade val="51000"/>
-                <a:satMod val="130000"/>
-              </a:schemeClr>
-            </a:gs>
-            <a:gs pos="80000">
-              <a:schemeClr val="phClr">
-                <a:shade val="93000"/>
-                <a:satMod val="130000"/>
-              </a:schemeClr>
-            </a:gs>
-            <a:gs pos="100000">
-              <a:schemeClr val="phClr">
-                <a:shade val="94000"/>
-                <a:satMod val="135000"/>
-              </a:schemeClr>
-            </a:gs>
-          </a:gsLst>
-          <a:lin ang="16200000" scaled="0"/>
-        </a:gradFill>
-      </a:fillStyleLst>
-      <a:lnStyleLst>
-        <a:ln w="9525" cap="flat" cmpd="sng" algn="ctr">
-          <a:solidFill>
-            <a:schemeClr val="phClr">
-              <a:shade val="95000"/>
-              <a:satMod val="105000"/>
-            </a:schemeClr>
-          </a:solidFill>
-          <a:prstDash val="solid"/>
-          <a:miter/>
-        </a:ln>
-        <a:ln w="25400" cap="flat" cmpd="sng" algn="ctr">
-          <a:solidFill>
-            <a:schemeClr val="phClr"/>
-          </a:solidFill>
-          <a:prstDash val="solid"/>
-          <a:miter/>
-        </a:ln>
-        <a:ln w="38100" cap="flat" cmpd="sng" algn="ctr">
-          <a:solidFill>
-            <a:schemeClr val="phClr"/>
-          </a:solidFill>
-          <a:prstDash val="solid"/>
-          <a:miter/>
-        </a:ln>
-      </a:lnStyleLst>
-      <a:effectStyleLst>
-        <a:effectStyle>
-          <a:effectLst>
-            <a:outerShdw blurRad="40000" dist="20000" dir="5400000" rotWithShape="0">
-              <a:srgbClr val="000000">
-                <a:alpha val="38000"/>
-              </a:srgbClr>
-            </a:outerShdw>
-          </a:effectLst>
-        </a:effectStyle>
-        <a:effectStyle>
-          <a:effectLst>
-            <a:outerShdw blurRad="40000" dist="23000" dir="5400000" rotWithShape="0">
-              <a:srgbClr val="000000">
-                <a:alpha val="35000"/>
-              </a:srgbClr>
-            </a:outerShdw>
-          </a:effectLst>
-        </a:effectStyle>
-        <a:effectStyle>
-          <a:effectLst>
-            <a:outerShdw blurRad="40000" dist="23000" dir="5400000" rotWithShape="0">
-              <a:srgbClr val="000000">
-                <a:alpha val="35000"/>
-              </a:srgbClr>
-            </a:outerShdw>
-          </a:effectLst>
-          <a:scene3d>
-            <a:camera prst="orthographicFront">
-              <a:rot lat="0" lon="0" rev="0"/>
-            </a:camera>
-            <a:lightRig rig="threePt" dir="t">
-              <a:rot lat="0" lon="0" rev="1200000"/>
-            </a:lightRig>
-          </a:scene3d>
-          <a:sp3d>
-            <a:bevelT w="63500" h="25400"/>
-          </a:sp3d>
-        </a:effectStyle>
-      </a:effectStyleLst>
-      <a:bgFillStyleLst>
-        <a:solidFill>
-          <a:schemeClr val="phClr"/>
-        </a:solidFill>
-        <a:gradFill rotWithShape="1">
-          <a:gsLst>
-            <a:gs pos="0">
-              <a:schemeClr val="phClr">
-                <a:tint val="40000"/>
-                <a:satMod val="350000"/>
-              </a:schemeClr>
-            </a:gs>
-            <a:gs pos="40000">
-              <a:schemeClr val="phClr">
-                <a:tint val="45000"/>
-                <a:shade val="99000"/>
-                <a:satMod val="350000"/>
-              </a:schemeClr>
-            </a:gs>
-            <a:gs pos="100000">
-              <a:schemeClr val="phClr">
-                <a:shade val="20000"/>
-                <a:satMod val="255000"/>
-              </a:schemeClr>
-            </a:gs>
-          </a:gsLst>
-          <a:path path="circle">
-            <a:fillToRect l="50000" t="-80000" r="50000" b="180000"/>
-          </a:path>
-        </a:gradFill>
-        <a:gradFill rotWithShape="1">
-          <a:gsLst>
-            <a:gs pos="0">
-              <a:schemeClr val="phClr">
-                <a:tint val="80000"/>
-                <a:satMod val="300000"/>
-              </a:schemeClr>
-            </a:gs>
-            <a:gs pos="100000">
-              <a:schemeClr val="phClr">
-                <a:shade val="30000"/>
-                <a:satMod val="200000"/>
-              </a:schemeClr>
-            </a:gs>
-          </a:gsLst>
-          <a:path path="circle">
-            <a:fillToRect l="50000" t="50000" r="50000" b="50000"/>
-          </a:path>
-        </a:gradFill>
-      </a:bgFillStyleLst>
-    </a:fmtScheme>
-  </a:themeElements>
-</a:theme>
 </file>
--- a/2023-2024/synthèses de cours/complexités.pptx
+++ b/2023-2024/synthèses de cours/complexités.pptx
@@ -13,7 +13,7 @@
     <p:sldId id="260" r:id="rId8"/>
   </p:sldIdLst>
   <p:sldSz cx="9144000" cy="5143500"/>
-  <p:notesSz cx="7559675" cy="10691813"/>
+  <p:notesSz cx="7772400" cy="10058400"/>
 </p:presentation>
 </file>
 
@@ -87,7 +87,7 @@
             <a:pPr algn="ctr">
               <a:buNone/>
             </a:pPr>
-            <a:endParaRPr b="0" lang="fr-FR" sz="4400" spc="-1" strike="noStrike">
+            <a:endParaRPr b="0" lang="en-US" sz="4400" spc="-1" strike="noStrike">
               <a:latin typeface="Arial"/>
             </a:endParaRPr>
           </a:p>
@@ -121,7 +121,7 @@
             <a:normAutofit/>
           </a:bodyPr>
           <a:p>
-            <a:endParaRPr b="0" lang="fr-FR" sz="3200" spc="-1" strike="noStrike">
+            <a:endParaRPr b="0" lang="en-US" sz="3200" spc="-1" strike="noStrike">
               <a:latin typeface="Arial"/>
             </a:endParaRPr>
           </a:p>
@@ -155,7 +155,7 @@
             <a:normAutofit/>
           </a:bodyPr>
           <a:p>
-            <a:endParaRPr b="0" lang="fr-FR" sz="3200" spc="-1" strike="noStrike">
+            <a:endParaRPr b="0" lang="en-US" sz="3200" spc="-1" strike="noStrike">
               <a:latin typeface="Arial"/>
             </a:endParaRPr>
           </a:p>
@@ -214,7 +214,7 @@
             <a:pPr algn="ctr">
               <a:buNone/>
             </a:pPr>
-            <a:endParaRPr b="0" lang="fr-FR" sz="4400" spc="-1" strike="noStrike">
+            <a:endParaRPr b="0" lang="en-US" sz="4400" spc="-1" strike="noStrike">
               <a:latin typeface="Arial"/>
             </a:endParaRPr>
           </a:p>
@@ -248,7 +248,7 @@
             <a:normAutofit/>
           </a:bodyPr>
           <a:p>
-            <a:endParaRPr b="0" lang="fr-FR" sz="3200" spc="-1" strike="noStrike">
+            <a:endParaRPr b="0" lang="en-US" sz="3200" spc="-1" strike="noStrike">
               <a:latin typeface="Arial"/>
             </a:endParaRPr>
           </a:p>
@@ -282,7 +282,7 @@
             <a:normAutofit/>
           </a:bodyPr>
           <a:p>
-            <a:endParaRPr b="0" lang="fr-FR" sz="3200" spc="-1" strike="noStrike">
+            <a:endParaRPr b="0" lang="en-US" sz="3200" spc="-1" strike="noStrike">
               <a:latin typeface="Arial"/>
             </a:endParaRPr>
           </a:p>
@@ -316,7 +316,7 @@
             <a:normAutofit/>
           </a:bodyPr>
           <a:p>
-            <a:endParaRPr b="0" lang="fr-FR" sz="3200" spc="-1" strike="noStrike">
+            <a:endParaRPr b="0" lang="en-US" sz="3200" spc="-1" strike="noStrike">
               <a:latin typeface="Arial"/>
             </a:endParaRPr>
           </a:p>
@@ -350,7 +350,7 @@
             <a:normAutofit/>
           </a:bodyPr>
           <a:p>
-            <a:endParaRPr b="0" lang="fr-FR" sz="3200" spc="-1" strike="noStrike">
+            <a:endParaRPr b="0" lang="en-US" sz="3200" spc="-1" strike="noStrike">
               <a:latin typeface="Arial"/>
             </a:endParaRPr>
           </a:p>
@@ -409,7 +409,7 @@
             <a:pPr algn="ctr">
               <a:buNone/>
             </a:pPr>
-            <a:endParaRPr b="0" lang="fr-FR" sz="4400" spc="-1" strike="noStrike">
+            <a:endParaRPr b="0" lang="en-US" sz="4400" spc="-1" strike="noStrike">
               <a:latin typeface="Arial"/>
             </a:endParaRPr>
           </a:p>
@@ -443,7 +443,7 @@
             <a:normAutofit/>
           </a:bodyPr>
           <a:p>
-            <a:endParaRPr b="0" lang="fr-FR" sz="3200" spc="-1" strike="noStrike">
+            <a:endParaRPr b="0" lang="en-US" sz="3200" spc="-1" strike="noStrike">
               <a:latin typeface="Arial"/>
             </a:endParaRPr>
           </a:p>
@@ -477,7 +477,7 @@
             <a:normAutofit/>
           </a:bodyPr>
           <a:p>
-            <a:endParaRPr b="0" lang="fr-FR" sz="3200" spc="-1" strike="noStrike">
+            <a:endParaRPr b="0" lang="en-US" sz="3200" spc="-1" strike="noStrike">
               <a:latin typeface="Arial"/>
             </a:endParaRPr>
           </a:p>
@@ -511,7 +511,7 @@
             <a:normAutofit/>
           </a:bodyPr>
           <a:p>
-            <a:endParaRPr b="0" lang="fr-FR" sz="3200" spc="-1" strike="noStrike">
+            <a:endParaRPr b="0" lang="en-US" sz="3200" spc="-1" strike="noStrike">
               <a:latin typeface="Arial"/>
             </a:endParaRPr>
           </a:p>
@@ -545,7 +545,7 @@
             <a:normAutofit/>
           </a:bodyPr>
           <a:p>
-            <a:endParaRPr b="0" lang="fr-FR" sz="3200" spc="-1" strike="noStrike">
+            <a:endParaRPr b="0" lang="en-US" sz="3200" spc="-1" strike="noStrike">
               <a:latin typeface="Arial"/>
             </a:endParaRPr>
           </a:p>
@@ -579,7 +579,7 @@
             <a:normAutofit/>
           </a:bodyPr>
           <a:p>
-            <a:endParaRPr b="0" lang="fr-FR" sz="3200" spc="-1" strike="noStrike">
+            <a:endParaRPr b="0" lang="en-US" sz="3200" spc="-1" strike="noStrike">
               <a:latin typeface="Arial"/>
             </a:endParaRPr>
           </a:p>
@@ -613,7 +613,7 @@
             <a:normAutofit/>
           </a:bodyPr>
           <a:p>
-            <a:endParaRPr b="0" lang="fr-FR" sz="3200" spc="-1" strike="noStrike">
+            <a:endParaRPr b="0" lang="en-US" sz="3200" spc="-1" strike="noStrike">
               <a:latin typeface="Arial"/>
             </a:endParaRPr>
           </a:p>
@@ -694,7 +694,7 @@
             <a:pPr algn="ctr">
               <a:buNone/>
             </a:pPr>
-            <a:endParaRPr b="0" lang="fr-FR" sz="4400" spc="-1" strike="noStrike">
+            <a:endParaRPr b="0" lang="en-US" sz="4400" spc="-1" strike="noStrike">
               <a:latin typeface="Arial"/>
             </a:endParaRPr>
           </a:p>
@@ -731,7 +731,7 @@
             <a:pPr algn="ctr">
               <a:buNone/>
             </a:pPr>
-            <a:endParaRPr b="0" lang="fr-FR" sz="3200" spc="-1" strike="noStrike">
+            <a:endParaRPr b="0" lang="en-US" sz="3200" spc="-1" strike="noStrike">
               <a:latin typeface="Arial"/>
             </a:endParaRPr>
           </a:p>
@@ -790,7 +790,7 @@
             <a:pPr algn="ctr">
               <a:buNone/>
             </a:pPr>
-            <a:endParaRPr b="0" lang="fr-FR" sz="4400" spc="-1" strike="noStrike">
+            <a:endParaRPr b="0" lang="en-US" sz="4400" spc="-1" strike="noStrike">
               <a:latin typeface="Arial"/>
             </a:endParaRPr>
           </a:p>
@@ -824,7 +824,7 @@
             <a:normAutofit/>
           </a:bodyPr>
           <a:p>
-            <a:endParaRPr b="0" lang="fr-FR" sz="3200" spc="-1" strike="noStrike">
+            <a:endParaRPr b="0" lang="en-US" sz="3200" spc="-1" strike="noStrike">
               <a:latin typeface="Arial"/>
             </a:endParaRPr>
           </a:p>
@@ -883,7 +883,7 @@
             <a:pPr algn="ctr">
               <a:buNone/>
             </a:pPr>
-            <a:endParaRPr b="0" lang="fr-FR" sz="4400" spc="-1" strike="noStrike">
+            <a:endParaRPr b="0" lang="en-US" sz="4400" spc="-1" strike="noStrike">
               <a:latin typeface="Arial"/>
             </a:endParaRPr>
           </a:p>
@@ -917,7 +917,7 @@
             <a:normAutofit/>
           </a:bodyPr>
           <a:p>
-            <a:endParaRPr b="0" lang="fr-FR" sz="3200" spc="-1" strike="noStrike">
+            <a:endParaRPr b="0" lang="en-US" sz="3200" spc="-1" strike="noStrike">
               <a:latin typeface="Arial"/>
             </a:endParaRPr>
           </a:p>
@@ -951,7 +951,7 @@
             <a:normAutofit/>
           </a:bodyPr>
           <a:p>
-            <a:endParaRPr b="0" lang="fr-FR" sz="3200" spc="-1" strike="noStrike">
+            <a:endParaRPr b="0" lang="en-US" sz="3200" spc="-1" strike="noStrike">
               <a:latin typeface="Arial"/>
             </a:endParaRPr>
           </a:p>
@@ -1010,7 +1010,7 @@
             <a:pPr algn="ctr">
               <a:buNone/>
             </a:pPr>
-            <a:endParaRPr b="0" lang="fr-FR" sz="4400" spc="-1" strike="noStrike">
+            <a:endParaRPr b="0" lang="en-US" sz="4400" spc="-1" strike="noStrike">
               <a:latin typeface="Arial"/>
             </a:endParaRPr>
           </a:p>
@@ -1069,7 +1069,7 @@
             <a:pPr algn="ctr">
               <a:buNone/>
             </a:pPr>
-            <a:endParaRPr b="0" lang="fr-FR" sz="3200" spc="-1" strike="noStrike">
+            <a:endParaRPr b="0" lang="en-US" sz="3200" spc="-1" strike="noStrike">
               <a:latin typeface="Arial"/>
             </a:endParaRPr>
           </a:p>
@@ -1128,7 +1128,7 @@
             <a:pPr algn="ctr">
               <a:buNone/>
             </a:pPr>
-            <a:endParaRPr b="0" lang="fr-FR" sz="4400" spc="-1" strike="noStrike">
+            <a:endParaRPr b="0" lang="en-US" sz="4400" spc="-1" strike="noStrike">
               <a:latin typeface="Arial"/>
             </a:endParaRPr>
           </a:p>
@@ -1162,7 +1162,7 @@
             <a:normAutofit/>
           </a:bodyPr>
           <a:p>
-            <a:endParaRPr b="0" lang="fr-FR" sz="3200" spc="-1" strike="noStrike">
+            <a:endParaRPr b="0" lang="en-US" sz="3200" spc="-1" strike="noStrike">
               <a:latin typeface="Arial"/>
             </a:endParaRPr>
           </a:p>
@@ -1196,7 +1196,7 @@
             <a:normAutofit/>
           </a:bodyPr>
           <a:p>
-            <a:endParaRPr b="0" lang="fr-FR" sz="3200" spc="-1" strike="noStrike">
+            <a:endParaRPr b="0" lang="en-US" sz="3200" spc="-1" strike="noStrike">
               <a:latin typeface="Arial"/>
             </a:endParaRPr>
           </a:p>
@@ -1230,7 +1230,7 @@
             <a:normAutofit/>
           </a:bodyPr>
           <a:p>
-            <a:endParaRPr b="0" lang="fr-FR" sz="3200" spc="-1" strike="noStrike">
+            <a:endParaRPr b="0" lang="en-US" sz="3200" spc="-1" strike="noStrike">
               <a:latin typeface="Arial"/>
             </a:endParaRPr>
           </a:p>
@@ -1289,7 +1289,7 @@
             <a:pPr algn="ctr">
               <a:buNone/>
             </a:pPr>
-            <a:endParaRPr b="0" lang="fr-FR" sz="4400" spc="-1" strike="noStrike">
+            <a:endParaRPr b="0" lang="en-US" sz="4400" spc="-1" strike="noStrike">
               <a:latin typeface="Arial"/>
             </a:endParaRPr>
           </a:p>
@@ -1326,7 +1326,7 @@
             <a:pPr algn="ctr">
               <a:buNone/>
             </a:pPr>
-            <a:endParaRPr b="0" lang="fr-FR" sz="3200" spc="-1" strike="noStrike">
+            <a:endParaRPr b="0" lang="en-US" sz="3200" spc="-1" strike="noStrike">
               <a:latin typeface="Arial"/>
             </a:endParaRPr>
           </a:p>
@@ -1385,7 +1385,7 @@
             <a:pPr algn="ctr">
               <a:buNone/>
             </a:pPr>
-            <a:endParaRPr b="0" lang="fr-FR" sz="4400" spc="-1" strike="noStrike">
+            <a:endParaRPr b="0" lang="en-US" sz="4400" spc="-1" strike="noStrike">
               <a:latin typeface="Arial"/>
             </a:endParaRPr>
           </a:p>
@@ -1419,7 +1419,7 @@
             <a:normAutofit/>
           </a:bodyPr>
           <a:p>
-            <a:endParaRPr b="0" lang="fr-FR" sz="3200" spc="-1" strike="noStrike">
+            <a:endParaRPr b="0" lang="en-US" sz="3200" spc="-1" strike="noStrike">
               <a:latin typeface="Arial"/>
             </a:endParaRPr>
           </a:p>
@@ -1453,7 +1453,7 @@
             <a:normAutofit/>
           </a:bodyPr>
           <a:p>
-            <a:endParaRPr b="0" lang="fr-FR" sz="3200" spc="-1" strike="noStrike">
+            <a:endParaRPr b="0" lang="en-US" sz="3200" spc="-1" strike="noStrike">
               <a:latin typeface="Arial"/>
             </a:endParaRPr>
           </a:p>
@@ -1487,7 +1487,7 @@
             <a:normAutofit/>
           </a:bodyPr>
           <a:p>
-            <a:endParaRPr b="0" lang="fr-FR" sz="3200" spc="-1" strike="noStrike">
+            <a:endParaRPr b="0" lang="en-US" sz="3200" spc="-1" strike="noStrike">
               <a:latin typeface="Arial"/>
             </a:endParaRPr>
           </a:p>
@@ -1546,7 +1546,7 @@
             <a:pPr algn="ctr">
               <a:buNone/>
             </a:pPr>
-            <a:endParaRPr b="0" lang="fr-FR" sz="4400" spc="-1" strike="noStrike">
+            <a:endParaRPr b="0" lang="en-US" sz="4400" spc="-1" strike="noStrike">
               <a:latin typeface="Arial"/>
             </a:endParaRPr>
           </a:p>
@@ -1580,7 +1580,7 @@
             <a:normAutofit/>
           </a:bodyPr>
           <a:p>
-            <a:endParaRPr b="0" lang="fr-FR" sz="3200" spc="-1" strike="noStrike">
+            <a:endParaRPr b="0" lang="en-US" sz="3200" spc="-1" strike="noStrike">
               <a:latin typeface="Arial"/>
             </a:endParaRPr>
           </a:p>
@@ -1614,7 +1614,7 @@
             <a:normAutofit/>
           </a:bodyPr>
           <a:p>
-            <a:endParaRPr b="0" lang="fr-FR" sz="3200" spc="-1" strike="noStrike">
+            <a:endParaRPr b="0" lang="en-US" sz="3200" spc="-1" strike="noStrike">
               <a:latin typeface="Arial"/>
             </a:endParaRPr>
           </a:p>
@@ -1648,7 +1648,7 @@
             <a:normAutofit/>
           </a:bodyPr>
           <a:p>
-            <a:endParaRPr b="0" lang="fr-FR" sz="3200" spc="-1" strike="noStrike">
+            <a:endParaRPr b="0" lang="en-US" sz="3200" spc="-1" strike="noStrike">
               <a:latin typeface="Arial"/>
             </a:endParaRPr>
           </a:p>
@@ -1707,7 +1707,7 @@
             <a:pPr algn="ctr">
               <a:buNone/>
             </a:pPr>
-            <a:endParaRPr b="0" lang="fr-FR" sz="4400" spc="-1" strike="noStrike">
+            <a:endParaRPr b="0" lang="en-US" sz="4400" spc="-1" strike="noStrike">
               <a:latin typeface="Arial"/>
             </a:endParaRPr>
           </a:p>
@@ -1741,7 +1741,7 @@
             <a:normAutofit/>
           </a:bodyPr>
           <a:p>
-            <a:endParaRPr b="0" lang="fr-FR" sz="3200" spc="-1" strike="noStrike">
+            <a:endParaRPr b="0" lang="en-US" sz="3200" spc="-1" strike="noStrike">
               <a:latin typeface="Arial"/>
             </a:endParaRPr>
           </a:p>
@@ -1775,7 +1775,7 @@
             <a:normAutofit/>
           </a:bodyPr>
           <a:p>
-            <a:endParaRPr b="0" lang="fr-FR" sz="3200" spc="-1" strike="noStrike">
+            <a:endParaRPr b="0" lang="en-US" sz="3200" spc="-1" strike="noStrike">
               <a:latin typeface="Arial"/>
             </a:endParaRPr>
           </a:p>
@@ -1834,7 +1834,7 @@
             <a:pPr algn="ctr">
               <a:buNone/>
             </a:pPr>
-            <a:endParaRPr b="0" lang="fr-FR" sz="4400" spc="-1" strike="noStrike">
+            <a:endParaRPr b="0" lang="en-US" sz="4400" spc="-1" strike="noStrike">
               <a:latin typeface="Arial"/>
             </a:endParaRPr>
           </a:p>
@@ -1868,7 +1868,7 @@
             <a:normAutofit/>
           </a:bodyPr>
           <a:p>
-            <a:endParaRPr b="0" lang="fr-FR" sz="3200" spc="-1" strike="noStrike">
+            <a:endParaRPr b="0" lang="en-US" sz="3200" spc="-1" strike="noStrike">
               <a:latin typeface="Arial"/>
             </a:endParaRPr>
           </a:p>
@@ -1902,7 +1902,7 @@
             <a:normAutofit/>
           </a:bodyPr>
           <a:p>
-            <a:endParaRPr b="0" lang="fr-FR" sz="3200" spc="-1" strike="noStrike">
+            <a:endParaRPr b="0" lang="en-US" sz="3200" spc="-1" strike="noStrike">
               <a:latin typeface="Arial"/>
             </a:endParaRPr>
           </a:p>
@@ -1936,7 +1936,7 @@
             <a:normAutofit/>
           </a:bodyPr>
           <a:p>
-            <a:endParaRPr b="0" lang="fr-FR" sz="3200" spc="-1" strike="noStrike">
+            <a:endParaRPr b="0" lang="en-US" sz="3200" spc="-1" strike="noStrike">
               <a:latin typeface="Arial"/>
             </a:endParaRPr>
           </a:p>
@@ -1970,7 +1970,7 @@
             <a:normAutofit/>
           </a:bodyPr>
           <a:p>
-            <a:endParaRPr b="0" lang="fr-FR" sz="3200" spc="-1" strike="noStrike">
+            <a:endParaRPr b="0" lang="en-US" sz="3200" spc="-1" strike="noStrike">
               <a:latin typeface="Arial"/>
             </a:endParaRPr>
           </a:p>
@@ -2029,7 +2029,7 @@
             <a:pPr algn="ctr">
               <a:buNone/>
             </a:pPr>
-            <a:endParaRPr b="0" lang="fr-FR" sz="4400" spc="-1" strike="noStrike">
+            <a:endParaRPr b="0" lang="en-US" sz="4400" spc="-1" strike="noStrike">
               <a:latin typeface="Arial"/>
             </a:endParaRPr>
           </a:p>
@@ -2063,7 +2063,7 @@
             <a:normAutofit/>
           </a:bodyPr>
           <a:p>
-            <a:endParaRPr b="0" lang="fr-FR" sz="3200" spc="-1" strike="noStrike">
+            <a:endParaRPr b="0" lang="en-US" sz="3200" spc="-1" strike="noStrike">
               <a:latin typeface="Arial"/>
             </a:endParaRPr>
           </a:p>
@@ -2097,7 +2097,7 @@
             <a:normAutofit/>
           </a:bodyPr>
           <a:p>
-            <a:endParaRPr b="0" lang="fr-FR" sz="3200" spc="-1" strike="noStrike">
+            <a:endParaRPr b="0" lang="en-US" sz="3200" spc="-1" strike="noStrike">
               <a:latin typeface="Arial"/>
             </a:endParaRPr>
           </a:p>
@@ -2131,7 +2131,7 @@
             <a:normAutofit/>
           </a:bodyPr>
           <a:p>
-            <a:endParaRPr b="0" lang="fr-FR" sz="3200" spc="-1" strike="noStrike">
+            <a:endParaRPr b="0" lang="en-US" sz="3200" spc="-1" strike="noStrike">
               <a:latin typeface="Arial"/>
             </a:endParaRPr>
           </a:p>
@@ -2165,7 +2165,7 @@
             <a:normAutofit/>
           </a:bodyPr>
           <a:p>
-            <a:endParaRPr b="0" lang="fr-FR" sz="3200" spc="-1" strike="noStrike">
+            <a:endParaRPr b="0" lang="en-US" sz="3200" spc="-1" strike="noStrike">
               <a:latin typeface="Arial"/>
             </a:endParaRPr>
           </a:p>
@@ -2199,7 +2199,7 @@
             <a:normAutofit/>
           </a:bodyPr>
           <a:p>
-            <a:endParaRPr b="0" lang="fr-FR" sz="3200" spc="-1" strike="noStrike">
+            <a:endParaRPr b="0" lang="en-US" sz="3200" spc="-1" strike="noStrike">
               <a:latin typeface="Arial"/>
             </a:endParaRPr>
           </a:p>
@@ -2233,7 +2233,7 @@
             <a:normAutofit/>
           </a:bodyPr>
           <a:p>
-            <a:endParaRPr b="0" lang="fr-FR" sz="3200" spc="-1" strike="noStrike">
+            <a:endParaRPr b="0" lang="en-US" sz="3200" spc="-1" strike="noStrike">
               <a:latin typeface="Arial"/>
             </a:endParaRPr>
           </a:p>
@@ -2292,7 +2292,7 @@
             <a:pPr algn="ctr">
               <a:buNone/>
             </a:pPr>
-            <a:endParaRPr b="0" lang="fr-FR" sz="4400" spc="-1" strike="noStrike">
+            <a:endParaRPr b="0" lang="en-US" sz="4400" spc="-1" strike="noStrike">
               <a:latin typeface="Arial"/>
             </a:endParaRPr>
           </a:p>
@@ -2326,7 +2326,7 @@
             <a:normAutofit/>
           </a:bodyPr>
           <a:p>
-            <a:endParaRPr b="0" lang="fr-FR" sz="3200" spc="-1" strike="noStrike">
+            <a:endParaRPr b="0" lang="en-US" sz="3200" spc="-1" strike="noStrike">
               <a:latin typeface="Arial"/>
             </a:endParaRPr>
           </a:p>
@@ -2385,7 +2385,7 @@
             <a:pPr algn="ctr">
               <a:buNone/>
             </a:pPr>
-            <a:endParaRPr b="0" lang="fr-FR" sz="4400" spc="-1" strike="noStrike">
+            <a:endParaRPr b="0" lang="en-US" sz="4400" spc="-1" strike="noStrike">
               <a:latin typeface="Arial"/>
             </a:endParaRPr>
           </a:p>
@@ -2419,7 +2419,7 @@
             <a:normAutofit/>
           </a:bodyPr>
           <a:p>
-            <a:endParaRPr b="0" lang="fr-FR" sz="3200" spc="-1" strike="noStrike">
+            <a:endParaRPr b="0" lang="en-US" sz="3200" spc="-1" strike="noStrike">
               <a:latin typeface="Arial"/>
             </a:endParaRPr>
           </a:p>
@@ -2453,7 +2453,7 @@
             <a:normAutofit/>
           </a:bodyPr>
           <a:p>
-            <a:endParaRPr b="0" lang="fr-FR" sz="3200" spc="-1" strike="noStrike">
+            <a:endParaRPr b="0" lang="en-US" sz="3200" spc="-1" strike="noStrike">
               <a:latin typeface="Arial"/>
             </a:endParaRPr>
           </a:p>
@@ -2512,7 +2512,7 @@
             <a:pPr algn="ctr">
               <a:buNone/>
             </a:pPr>
-            <a:endParaRPr b="0" lang="fr-FR" sz="4400" spc="-1" strike="noStrike">
+            <a:endParaRPr b="0" lang="en-US" sz="4400" spc="-1" strike="noStrike">
               <a:latin typeface="Arial"/>
             </a:endParaRPr>
           </a:p>
@@ -2571,7 +2571,7 @@
             <a:pPr algn="ctr">
               <a:buNone/>
             </a:pPr>
-            <a:endParaRPr b="0" lang="fr-FR" sz="3200" spc="-1" strike="noStrike">
+            <a:endParaRPr b="0" lang="en-US" sz="3200" spc="-1" strike="noStrike">
               <a:latin typeface="Arial"/>
             </a:endParaRPr>
           </a:p>
@@ -2630,7 +2630,7 @@
             <a:pPr algn="ctr">
               <a:buNone/>
             </a:pPr>
-            <a:endParaRPr b="0" lang="fr-FR" sz="4400" spc="-1" strike="noStrike">
+            <a:endParaRPr b="0" lang="en-US" sz="4400" spc="-1" strike="noStrike">
               <a:latin typeface="Arial"/>
             </a:endParaRPr>
           </a:p>
@@ -2664,7 +2664,7 @@
             <a:normAutofit/>
           </a:bodyPr>
           <a:p>
-            <a:endParaRPr b="0" lang="fr-FR" sz="3200" spc="-1" strike="noStrike">
+            <a:endParaRPr b="0" lang="en-US" sz="3200" spc="-1" strike="noStrike">
               <a:latin typeface="Arial"/>
             </a:endParaRPr>
           </a:p>
@@ -2698,7 +2698,7 @@
             <a:normAutofit/>
           </a:bodyPr>
           <a:p>
-            <a:endParaRPr b="0" lang="fr-FR" sz="3200" spc="-1" strike="noStrike">
+            <a:endParaRPr b="0" lang="en-US" sz="3200" spc="-1" strike="noStrike">
               <a:latin typeface="Arial"/>
             </a:endParaRPr>
           </a:p>
@@ -2732,7 +2732,7 @@
             <a:normAutofit/>
           </a:bodyPr>
           <a:p>
-            <a:endParaRPr b="0" lang="fr-FR" sz="3200" spc="-1" strike="noStrike">
+            <a:endParaRPr b="0" lang="en-US" sz="3200" spc="-1" strike="noStrike">
               <a:latin typeface="Arial"/>
             </a:endParaRPr>
           </a:p>
@@ -2791,7 +2791,7 @@
             <a:pPr algn="ctr">
               <a:buNone/>
             </a:pPr>
-            <a:endParaRPr b="0" lang="fr-FR" sz="4400" spc="-1" strike="noStrike">
+            <a:endParaRPr b="0" lang="en-US" sz="4400" spc="-1" strike="noStrike">
               <a:latin typeface="Arial"/>
             </a:endParaRPr>
           </a:p>
@@ -2825,7 +2825,7 @@
             <a:normAutofit/>
           </a:bodyPr>
           <a:p>
-            <a:endParaRPr b="0" lang="fr-FR" sz="3200" spc="-1" strike="noStrike">
+            <a:endParaRPr b="0" lang="en-US" sz="3200" spc="-1" strike="noStrike">
               <a:latin typeface="Arial"/>
             </a:endParaRPr>
           </a:p>
@@ -2859,7 +2859,7 @@
             <a:normAutofit/>
           </a:bodyPr>
           <a:p>
-            <a:endParaRPr b="0" lang="fr-FR" sz="3200" spc="-1" strike="noStrike">
+            <a:endParaRPr b="0" lang="en-US" sz="3200" spc="-1" strike="noStrike">
               <a:latin typeface="Arial"/>
             </a:endParaRPr>
           </a:p>
@@ -2893,7 +2893,7 @@
             <a:normAutofit/>
           </a:bodyPr>
           <a:p>
-            <a:endParaRPr b="0" lang="fr-FR" sz="3200" spc="-1" strike="noStrike">
+            <a:endParaRPr b="0" lang="en-US" sz="3200" spc="-1" strike="noStrike">
               <a:latin typeface="Arial"/>
             </a:endParaRPr>
           </a:p>
@@ -2952,7 +2952,7 @@
             <a:pPr algn="ctr">
               <a:buNone/>
             </a:pPr>
-            <a:endParaRPr b="0" lang="fr-FR" sz="4400" spc="-1" strike="noStrike">
+            <a:endParaRPr b="0" lang="en-US" sz="4400" spc="-1" strike="noStrike">
               <a:latin typeface="Arial"/>
             </a:endParaRPr>
           </a:p>
@@ -2986,7 +2986,7 @@
             <a:normAutofit/>
           </a:bodyPr>
           <a:p>
-            <a:endParaRPr b="0" lang="fr-FR" sz="3200" spc="-1" strike="noStrike">
+            <a:endParaRPr b="0" lang="en-US" sz="3200" spc="-1" strike="noStrike">
               <a:latin typeface="Arial"/>
             </a:endParaRPr>
           </a:p>
@@ -3020,7 +3020,7 @@
             <a:normAutofit/>
           </a:bodyPr>
           <a:p>
-            <a:endParaRPr b="0" lang="fr-FR" sz="3200" spc="-1" strike="noStrike">
+            <a:endParaRPr b="0" lang="en-US" sz="3200" spc="-1" strike="noStrike">
               <a:latin typeface="Arial"/>
             </a:endParaRPr>
           </a:p>
@@ -3054,7 +3054,7 @@
             <a:normAutofit/>
           </a:bodyPr>
           <a:p>
-            <a:endParaRPr b="0" lang="fr-FR" sz="3200" spc="-1" strike="noStrike">
+            <a:endParaRPr b="0" lang="en-US" sz="3200" spc="-1" strike="noStrike">
               <a:latin typeface="Arial"/>
             </a:endParaRPr>
           </a:p>
@@ -3098,7 +3098,7 @@
         <p:spPr>
           <a:xfrm>
             <a:off x="314280" y="4535640"/>
-            <a:ext cx="271080" cy="330840"/>
+            <a:ext cx="270720" cy="330480"/>
           </a:xfrm>
           <a:prstGeom prst="rect">
             <a:avLst/>
@@ -3128,7 +3128,7 @@
               </a:spcAft>
               <a:buNone/>
             </a:pPr>
-            <a:fld id="{95990135-5580-4D58-A1C6-4DC9F30D832E}" type="slidenum">
+            <a:fld id="{044EFC59-894D-42DE-B3D7-094390F918B9}" type="slidenum">
               <a:rPr b="0" lang="fr-FR" sz="800" spc="-1" strike="noStrike">
                 <a:solidFill>
                   <a:srgbClr val="000000"/>
@@ -3138,7 +3138,7 @@
               </a:rPr>
               <a:t>&lt;number&gt;</a:t>
             </a:fld>
-            <a:endParaRPr b="0" lang="fr-FR" sz="800" spc="-1" strike="noStrike">
+            <a:endParaRPr b="0" lang="en-US" sz="800" spc="-1" strike="noStrike">
               <a:latin typeface="Arial"/>
             </a:endParaRPr>
           </a:p>
@@ -3153,7 +3153,7 @@
         <p:spPr>
           <a:xfrm>
             <a:off x="619560" y="4749120"/>
-            <a:ext cx="360" cy="119160"/>
+            <a:ext cx="360" cy="118800"/>
           </a:xfrm>
           <a:prstGeom prst="rect">
             <a:avLst/>
@@ -3202,18 +3202,18 @@
               <a:buNone/>
             </a:pPr>
             <a:r>
-              <a:rPr b="0" lang="fr-FR" sz="4400" spc="-1" strike="noStrike">
+              <a:rPr b="0" lang="en-US" sz="4400" spc="-1" strike="noStrike">
                 <a:latin typeface="Arial"/>
               </a:rPr>
               <a:t>Click to edit the </a:t>
             </a:r>
             <a:r>
-              <a:rPr b="0" lang="fr-FR" sz="4400" spc="-1" strike="noStrike">
+              <a:rPr b="0" lang="en-US" sz="4400" spc="-1" strike="noStrike">
                 <a:latin typeface="Arial"/>
               </a:rPr>
               <a:t>title text format</a:t>
             </a:r>
-            <a:endParaRPr b="0" lang="fr-FR" sz="4400" spc="-1" strike="noStrike">
+            <a:endParaRPr b="0" lang="en-US" sz="4400" spc="-1" strike="noStrike">
               <a:latin typeface="Arial"/>
             </a:endParaRPr>
           </a:p>
@@ -3259,12 +3259,12 @@
               <a:buChar char=""/>
             </a:pPr>
             <a:r>
-              <a:rPr b="0" lang="fr-FR" sz="3200" spc="-1" strike="noStrike">
+              <a:rPr b="0" lang="en-US" sz="3200" spc="-1" strike="noStrike">
                 <a:latin typeface="Arial"/>
               </a:rPr>
               <a:t>Click to edit the outline text format</a:t>
             </a:r>
-            <a:endParaRPr b="0" lang="fr-FR" sz="3200" spc="-1" strike="noStrike">
+            <a:endParaRPr b="0" lang="en-US" sz="3200" spc="-1" strike="noStrike">
               <a:latin typeface="Arial"/>
             </a:endParaRPr>
           </a:p>
@@ -3281,12 +3281,12 @@
               <a:buChar char=""/>
             </a:pPr>
             <a:r>
-              <a:rPr b="0" lang="fr-FR" sz="2800" spc="-1" strike="noStrike">
+              <a:rPr b="0" lang="en-US" sz="2800" spc="-1" strike="noStrike">
                 <a:latin typeface="Arial"/>
               </a:rPr>
               <a:t>Second Outline Level</a:t>
             </a:r>
-            <a:endParaRPr b="0" lang="fr-FR" sz="2800" spc="-1" strike="noStrike">
+            <a:endParaRPr b="0" lang="en-US" sz="2800" spc="-1" strike="noStrike">
               <a:latin typeface="Arial"/>
             </a:endParaRPr>
           </a:p>
@@ -3303,12 +3303,12 @@
               <a:buChar char=""/>
             </a:pPr>
             <a:r>
-              <a:rPr b="0" lang="fr-FR" sz="2400" spc="-1" strike="noStrike">
+              <a:rPr b="0" lang="en-US" sz="2400" spc="-1" strike="noStrike">
                 <a:latin typeface="Arial"/>
               </a:rPr>
               <a:t>Third Outline Level</a:t>
             </a:r>
-            <a:endParaRPr b="0" lang="fr-FR" sz="2400" spc="-1" strike="noStrike">
+            <a:endParaRPr b="0" lang="en-US" sz="2400" spc="-1" strike="noStrike">
               <a:latin typeface="Arial"/>
             </a:endParaRPr>
           </a:p>
@@ -3325,12 +3325,12 @@
               <a:buChar char=""/>
             </a:pPr>
             <a:r>
-              <a:rPr b="0" lang="fr-FR" sz="2000" spc="-1" strike="noStrike">
+              <a:rPr b="0" lang="en-US" sz="2000" spc="-1" strike="noStrike">
                 <a:latin typeface="Arial"/>
               </a:rPr>
               <a:t>Fourth Outline Level</a:t>
             </a:r>
-            <a:endParaRPr b="0" lang="fr-FR" sz="2000" spc="-1" strike="noStrike">
+            <a:endParaRPr b="0" lang="en-US" sz="2000" spc="-1" strike="noStrike">
               <a:latin typeface="Arial"/>
             </a:endParaRPr>
           </a:p>
@@ -3347,12 +3347,12 @@
               <a:buChar char=""/>
             </a:pPr>
             <a:r>
-              <a:rPr b="0" lang="fr-FR" sz="2000" spc="-1" strike="noStrike">
+              <a:rPr b="0" lang="en-US" sz="2000" spc="-1" strike="noStrike">
                 <a:latin typeface="Arial"/>
               </a:rPr>
               <a:t>Fifth Outline Level</a:t>
             </a:r>
-            <a:endParaRPr b="0" lang="fr-FR" sz="2000" spc="-1" strike="noStrike">
+            <a:endParaRPr b="0" lang="en-US" sz="2000" spc="-1" strike="noStrike">
               <a:latin typeface="Arial"/>
             </a:endParaRPr>
           </a:p>
@@ -3369,12 +3369,12 @@
               <a:buChar char=""/>
             </a:pPr>
             <a:r>
-              <a:rPr b="0" lang="fr-FR" sz="2000" spc="-1" strike="noStrike">
+              <a:rPr b="0" lang="en-US" sz="2000" spc="-1" strike="noStrike">
                 <a:latin typeface="Arial"/>
               </a:rPr>
               <a:t>Sixth Outline Level</a:t>
             </a:r>
-            <a:endParaRPr b="0" lang="fr-FR" sz="2000" spc="-1" strike="noStrike">
+            <a:endParaRPr b="0" lang="en-US" sz="2000" spc="-1" strike="noStrike">
               <a:latin typeface="Arial"/>
             </a:endParaRPr>
           </a:p>
@@ -3391,12 +3391,12 @@
               <a:buChar char=""/>
             </a:pPr>
             <a:r>
-              <a:rPr b="0" lang="fr-FR" sz="2000" spc="-1" strike="noStrike">
+              <a:rPr b="0" lang="en-US" sz="2000" spc="-1" strike="noStrike">
                 <a:latin typeface="Arial"/>
               </a:rPr>
               <a:t>Seventh Outline Level</a:t>
             </a:r>
-            <a:endParaRPr b="0" lang="fr-FR" sz="2000" spc="-1" strike="noStrike">
+            <a:endParaRPr b="0" lang="en-US" sz="2000" spc="-1" strike="noStrike">
               <a:latin typeface="Arial"/>
             </a:endParaRPr>
           </a:p>
@@ -3455,7 +3455,7 @@
         <p:spPr>
           <a:xfrm>
             <a:off x="314280" y="4535640"/>
-            <a:ext cx="271080" cy="330840"/>
+            <a:ext cx="270720" cy="330480"/>
           </a:xfrm>
           <a:prstGeom prst="rect">
             <a:avLst/>
@@ -3485,7 +3485,7 @@
               </a:spcAft>
               <a:buNone/>
             </a:pPr>
-            <a:fld id="{1B8850C6-013E-4716-ABC3-CDE256ACF8A2}" type="slidenum">
+            <a:fld id="{88FDEA14-A393-447A-8334-E743B95EFC87}" type="slidenum">
               <a:rPr b="0" lang="fr-FR" sz="800" spc="-1" strike="noStrike">
                 <a:solidFill>
                   <a:srgbClr val="000000"/>
@@ -3495,7 +3495,7 @@
               </a:rPr>
               <a:t>&lt;number&gt;</a:t>
             </a:fld>
-            <a:endParaRPr b="0" lang="fr-FR" sz="800" spc="-1" strike="noStrike">
+            <a:endParaRPr b="0" lang="en-US" sz="800" spc="-1" strike="noStrike">
               <a:latin typeface="Arial"/>
             </a:endParaRPr>
           </a:p>
@@ -3510,7 +3510,7 @@
         <p:spPr>
           <a:xfrm>
             <a:off x="619560" y="4749120"/>
-            <a:ext cx="360" cy="119160"/>
+            <a:ext cx="360" cy="118800"/>
           </a:xfrm>
           <a:prstGeom prst="rect">
             <a:avLst/>
@@ -3559,18 +3559,18 @@
               <a:buNone/>
             </a:pPr>
             <a:r>
-              <a:rPr b="0" lang="fr-FR" sz="4400" spc="-1" strike="noStrike">
+              <a:rPr b="0" lang="en-US" sz="4400" spc="-1" strike="noStrike">
                 <a:latin typeface="Arial"/>
               </a:rPr>
               <a:t>Click to edit the </a:t>
             </a:r>
             <a:r>
-              <a:rPr b="0" lang="fr-FR" sz="4400" spc="-1" strike="noStrike">
+              <a:rPr b="0" lang="en-US" sz="4400" spc="-1" strike="noStrike">
                 <a:latin typeface="Arial"/>
               </a:rPr>
               <a:t>title text format</a:t>
             </a:r>
-            <a:endParaRPr b="0" lang="fr-FR" sz="4400" spc="-1" strike="noStrike">
+            <a:endParaRPr b="0" lang="en-US" sz="4400" spc="-1" strike="noStrike">
               <a:latin typeface="Arial"/>
             </a:endParaRPr>
           </a:p>
@@ -3616,12 +3616,12 @@
               <a:buChar char=""/>
             </a:pPr>
             <a:r>
-              <a:rPr b="0" lang="fr-FR" sz="3200" spc="-1" strike="noStrike">
+              <a:rPr b="0" lang="en-US" sz="3200" spc="-1" strike="noStrike">
                 <a:latin typeface="Arial"/>
               </a:rPr>
               <a:t>Click to edit the outline text format</a:t>
             </a:r>
-            <a:endParaRPr b="0" lang="fr-FR" sz="3200" spc="-1" strike="noStrike">
+            <a:endParaRPr b="0" lang="en-US" sz="3200" spc="-1" strike="noStrike">
               <a:latin typeface="Arial"/>
             </a:endParaRPr>
           </a:p>
@@ -3638,12 +3638,12 @@
               <a:buChar char=""/>
             </a:pPr>
             <a:r>
-              <a:rPr b="0" lang="fr-FR" sz="2800" spc="-1" strike="noStrike">
+              <a:rPr b="0" lang="en-US" sz="2800" spc="-1" strike="noStrike">
                 <a:latin typeface="Arial"/>
               </a:rPr>
               <a:t>Second Outline Level</a:t>
             </a:r>
-            <a:endParaRPr b="0" lang="fr-FR" sz="2800" spc="-1" strike="noStrike">
+            <a:endParaRPr b="0" lang="en-US" sz="2800" spc="-1" strike="noStrike">
               <a:latin typeface="Arial"/>
             </a:endParaRPr>
           </a:p>
@@ -3660,12 +3660,12 @@
               <a:buChar char=""/>
             </a:pPr>
             <a:r>
-              <a:rPr b="0" lang="fr-FR" sz="2400" spc="-1" strike="noStrike">
+              <a:rPr b="0" lang="en-US" sz="2400" spc="-1" strike="noStrike">
                 <a:latin typeface="Arial"/>
               </a:rPr>
               <a:t>Third Outline Level</a:t>
             </a:r>
-            <a:endParaRPr b="0" lang="fr-FR" sz="2400" spc="-1" strike="noStrike">
+            <a:endParaRPr b="0" lang="en-US" sz="2400" spc="-1" strike="noStrike">
               <a:latin typeface="Arial"/>
             </a:endParaRPr>
           </a:p>
@@ -3682,12 +3682,12 @@
               <a:buChar char=""/>
             </a:pPr>
             <a:r>
-              <a:rPr b="0" lang="fr-FR" sz="2000" spc="-1" strike="noStrike">
+              <a:rPr b="0" lang="en-US" sz="2000" spc="-1" strike="noStrike">
                 <a:latin typeface="Arial"/>
               </a:rPr>
               <a:t>Fourth Outline Level</a:t>
             </a:r>
-            <a:endParaRPr b="0" lang="fr-FR" sz="2000" spc="-1" strike="noStrike">
+            <a:endParaRPr b="0" lang="en-US" sz="2000" spc="-1" strike="noStrike">
               <a:latin typeface="Arial"/>
             </a:endParaRPr>
           </a:p>
@@ -3704,12 +3704,12 @@
               <a:buChar char=""/>
             </a:pPr>
             <a:r>
-              <a:rPr b="0" lang="fr-FR" sz="2000" spc="-1" strike="noStrike">
+              <a:rPr b="0" lang="en-US" sz="2000" spc="-1" strike="noStrike">
                 <a:latin typeface="Arial"/>
               </a:rPr>
               <a:t>Fifth Outline Level</a:t>
             </a:r>
-            <a:endParaRPr b="0" lang="fr-FR" sz="2000" spc="-1" strike="noStrike">
+            <a:endParaRPr b="0" lang="en-US" sz="2000" spc="-1" strike="noStrike">
               <a:latin typeface="Arial"/>
             </a:endParaRPr>
           </a:p>
@@ -3726,12 +3726,12 @@
               <a:buChar char=""/>
             </a:pPr>
             <a:r>
-              <a:rPr b="0" lang="fr-FR" sz="2000" spc="-1" strike="noStrike">
+              <a:rPr b="0" lang="en-US" sz="2000" spc="-1" strike="noStrike">
                 <a:latin typeface="Arial"/>
               </a:rPr>
               <a:t>Sixth Outline Level</a:t>
             </a:r>
-            <a:endParaRPr b="0" lang="fr-FR" sz="2000" spc="-1" strike="noStrike">
+            <a:endParaRPr b="0" lang="en-US" sz="2000" spc="-1" strike="noStrike">
               <a:latin typeface="Arial"/>
             </a:endParaRPr>
           </a:p>
@@ -3748,12 +3748,12 @@
               <a:buChar char=""/>
             </a:pPr>
             <a:r>
-              <a:rPr b="0" lang="fr-FR" sz="2000" spc="-1" strike="noStrike">
+              <a:rPr b="0" lang="en-US" sz="2000" spc="-1" strike="noStrike">
                 <a:latin typeface="Arial"/>
               </a:rPr>
               <a:t>Seventh Outline Level</a:t>
             </a:r>
-            <a:endParaRPr b="0" lang="fr-FR" sz="2000" spc="-1" strike="noStrike">
+            <a:endParaRPr b="0" lang="en-US" sz="2000" spc="-1" strike="noStrike">
               <a:latin typeface="Arial"/>
             </a:endParaRPr>
           </a:p>
@@ -3805,7 +3805,7 @@
         <p:spPr>
           <a:xfrm>
             <a:off x="314280" y="1184400"/>
-            <a:ext cx="8511480" cy="3361680"/>
+            <a:ext cx="8511120" cy="3361320"/>
           </a:xfrm>
           <a:prstGeom prst="rect">
             <a:avLst/>
@@ -3835,7 +3835,7 @@
               </a:spcBef>
               <a:buNone/>
             </a:pPr>
-            <a:endParaRPr b="0" lang="fr-FR" sz="2000" spc="-1" strike="noStrike">
+            <a:endParaRPr b="0" lang="en-US" sz="2000" spc="-1" strike="noStrike">
               <a:latin typeface="Arial"/>
             </a:endParaRPr>
           </a:p>
@@ -3849,7 +3849,7 @@
               </a:spcBef>
               <a:buNone/>
             </a:pPr>
-            <a:endParaRPr b="0" lang="fr-FR" sz="2000" spc="-1" strike="noStrike">
+            <a:endParaRPr b="0" lang="en-US" sz="2000" spc="-1" strike="noStrike">
               <a:latin typeface="Arial"/>
             </a:endParaRPr>
           </a:p>
@@ -3863,7 +3863,7 @@
               </a:spcBef>
               <a:buNone/>
             </a:pPr>
-            <a:endParaRPr b="0" lang="fr-FR" sz="2000" spc="-1" strike="noStrike">
+            <a:endParaRPr b="0" lang="en-US" sz="2000" spc="-1" strike="noStrike">
               <a:latin typeface="Arial"/>
             </a:endParaRPr>
           </a:p>
@@ -3897,7 +3897,7 @@
               </a:rPr>
               <a:t>	</a:t>
             </a:r>
-            <a:endParaRPr b="0" lang="fr-FR" sz="1400" spc="-1" strike="noStrike">
+            <a:endParaRPr b="0" lang="en-US" sz="1400" spc="-1" strike="noStrike">
               <a:latin typeface="Arial"/>
             </a:endParaRPr>
           </a:p>
@@ -3912,7 +3912,7 @@
         <p:spPr>
           <a:xfrm>
             <a:off x="314280" y="267480"/>
-            <a:ext cx="8511480" cy="739800"/>
+            <a:ext cx="8511120" cy="739440"/>
           </a:xfrm>
           <a:prstGeom prst="rect">
             <a:avLst/>
@@ -3949,7 +3949,7 @@
               </a:rPr>
               <a:t>Complexité des opérations sur un tableau ou une liste en Python</a:t>
             </a:r>
-            <a:endParaRPr b="0" lang="fr-FR" sz="2000" spc="-1" strike="noStrike">
+            <a:endParaRPr b="0" lang="en-US" sz="2000" spc="-1" strike="noStrike">
               <a:latin typeface="Arial"/>
             </a:endParaRPr>
           </a:p>
@@ -4021,7 +4021,7 @@
                         </a:rPr>
                         <a:t>tableau (list)</a:t>
                       </a:r>
-                      <a:endParaRPr b="0" lang="fr-FR" sz="1800" spc="-1" strike="noStrike">
+                      <a:endParaRPr b="0" lang="en-US" sz="1800" spc="-1" strike="noStrike">
                         <a:latin typeface="Arial"/>
                       </a:endParaRPr>
                     </a:p>
@@ -4071,7 +4071,7 @@
                         </a:rPr>
                         <a:t>Linked list</a:t>
                       </a:r>
-                      <a:endParaRPr b="0" lang="fr-FR" sz="1800" spc="-1" strike="noStrike">
+                      <a:endParaRPr b="0" lang="en-US" sz="1800" spc="-1" strike="noStrike">
                         <a:latin typeface="Arial"/>
                       </a:endParaRPr>
                     </a:p>
@@ -4141,7 +4141,7 @@
                         </a:rPr>
                         <a:t> élément </a:t>
                       </a:r>
-                      <a:endParaRPr b="0" lang="fr-FR" sz="1500" spc="-1" strike="noStrike">
+                      <a:endParaRPr b="0" lang="en-US" sz="1500" spc="-1" strike="noStrike">
                         <a:latin typeface="Arial"/>
                       </a:endParaRPr>
                     </a:p>
@@ -4193,7 +4193,7 @@
                         </a:rPr>
                         <a:t>O(1)</a:t>
                       </a:r>
-                      <a:endParaRPr b="0" lang="fr-FR" sz="1500" spc="-1" strike="noStrike">
+                      <a:endParaRPr b="0" lang="en-US" sz="1500" spc="-1" strike="noStrike">
                         <a:latin typeface="Arial"/>
                       </a:endParaRPr>
                     </a:p>
@@ -4245,7 +4245,7 @@
                         </a:rPr>
                         <a:t>O(n)</a:t>
                       </a:r>
-                      <a:endParaRPr b="0" lang="fr-FR" sz="1500" spc="-1" strike="noStrike">
+                      <a:endParaRPr b="0" lang="en-US" sz="1500" spc="-1" strike="noStrike">
                         <a:latin typeface="Arial"/>
                       </a:endParaRPr>
                     </a:p>
@@ -4299,7 +4299,7 @@
                         </a:rPr>
                         <a:t>Ajout d’un élément en fin de liste</a:t>
                       </a:r>
-                      <a:endParaRPr b="0" lang="fr-FR" sz="1500" spc="-1" strike="noStrike">
+                      <a:endParaRPr b="0" lang="en-US" sz="1500" spc="-1" strike="noStrike">
                         <a:latin typeface="Arial"/>
                       </a:endParaRPr>
                     </a:p>
@@ -4351,7 +4351,7 @@
                         </a:rPr>
                         <a:t>O(1)</a:t>
                       </a:r>
-                      <a:endParaRPr b="0" lang="fr-FR" sz="1500" spc="-1" strike="noStrike">
+                      <a:endParaRPr b="0" lang="en-US" sz="1500" spc="-1" strike="noStrike">
                         <a:latin typeface="Arial"/>
                       </a:endParaRPr>
                     </a:p>
@@ -4403,7 +4403,7 @@
                         </a:rPr>
                         <a:t>O(n)</a:t>
                       </a:r>
-                      <a:endParaRPr b="0" lang="fr-FR" sz="1500" spc="-1" strike="noStrike">
+                      <a:endParaRPr b="0" lang="en-US" sz="1500" spc="-1" strike="noStrike">
                         <a:latin typeface="Arial"/>
                       </a:endParaRPr>
                     </a:p>
@@ -4457,7 +4457,7 @@
                         </a:rPr>
                         <a:t>Ajout d’un élément en milieu de liste</a:t>
                       </a:r>
-                      <a:endParaRPr b="0" lang="fr-FR" sz="1500" spc="-1" strike="noStrike">
+                      <a:endParaRPr b="0" lang="en-US" sz="1500" spc="-1" strike="noStrike">
                         <a:latin typeface="Arial"/>
                       </a:endParaRPr>
                     </a:p>
@@ -4509,7 +4509,7 @@
                         </a:rPr>
                         <a:t>O(n)</a:t>
                       </a:r>
-                      <a:endParaRPr b="0" lang="fr-FR" sz="1500" spc="-1" strike="noStrike">
+                      <a:endParaRPr b="0" lang="en-US" sz="1500" spc="-1" strike="noStrike">
                         <a:latin typeface="Arial"/>
                       </a:endParaRPr>
                     </a:p>
@@ -4561,7 +4561,7 @@
                         </a:rPr>
                         <a:t>O(n)</a:t>
                       </a:r>
-                      <a:endParaRPr b="0" lang="fr-FR" sz="1500" spc="-1" strike="noStrike">
+                      <a:endParaRPr b="0" lang="en-US" sz="1500" spc="-1" strike="noStrike">
                         <a:latin typeface="Arial"/>
                       </a:endParaRPr>
                     </a:p>
@@ -4618,7 +4618,7 @@
                         </a:rPr>
                         <a:t>Ajout d’un élément en début de liste</a:t>
                       </a:r>
-                      <a:endParaRPr b="0" lang="fr-FR" sz="1500" spc="-1" strike="noStrike">
+                      <a:endParaRPr b="0" lang="en-US" sz="1500" spc="-1" strike="noStrike">
                         <a:latin typeface="Arial"/>
                       </a:endParaRPr>
                     </a:p>
@@ -4670,7 +4670,7 @@
                         </a:rPr>
                         <a:t>O(n)</a:t>
                       </a:r>
-                      <a:endParaRPr b="0" lang="fr-FR" sz="1500" spc="-1" strike="noStrike">
+                      <a:endParaRPr b="0" lang="en-US" sz="1500" spc="-1" strike="noStrike">
                         <a:latin typeface="Arial"/>
                       </a:endParaRPr>
                     </a:p>
@@ -4722,7 +4722,7 @@
                         </a:rPr>
                         <a:t>O(1)</a:t>
                       </a:r>
-                      <a:endParaRPr b="0" lang="fr-FR" sz="1500" spc="-1" strike="noStrike">
+                      <a:endParaRPr b="0" lang="en-US" sz="1500" spc="-1" strike="noStrike">
                         <a:latin typeface="Arial"/>
                       </a:endParaRPr>
                     </a:p>
@@ -4776,7 +4776,7 @@
                         </a:rPr>
                         <a:t>Suppression d’un élément en début de liste</a:t>
                       </a:r>
-                      <a:endParaRPr b="0" lang="fr-FR" sz="1500" spc="-1" strike="noStrike">
+                      <a:endParaRPr b="0" lang="en-US" sz="1500" spc="-1" strike="noStrike">
                         <a:latin typeface="Arial"/>
                       </a:endParaRPr>
                     </a:p>
@@ -4823,7 +4823,7 @@
                         </a:rPr>
                         <a:t>O(n)</a:t>
                       </a:r>
-                      <a:endParaRPr b="0" lang="fr-FR" sz="1500" spc="-1" strike="noStrike">
+                      <a:endParaRPr b="0" lang="en-US" sz="1500" spc="-1" strike="noStrike">
                         <a:latin typeface="Arial"/>
                       </a:endParaRPr>
                     </a:p>
@@ -4870,7 +4870,7 @@
                         </a:rPr>
                         <a:t>O(1)</a:t>
                       </a:r>
-                      <a:endParaRPr b="0" lang="fr-FR" sz="1500" spc="-1" strike="noStrike">
+                      <a:endParaRPr b="0" lang="en-US" sz="1500" spc="-1" strike="noStrike">
                         <a:latin typeface="Arial"/>
                       </a:endParaRPr>
                     </a:p>
@@ -4925,7 +4925,7 @@
                         </a:rPr>
                         <a:t>Suppression d’un élément en milieu de liste</a:t>
                       </a:r>
-                      <a:endParaRPr b="0" lang="fr-FR" sz="1500" spc="-1" strike="noStrike">
+                      <a:endParaRPr b="0" lang="en-US" sz="1500" spc="-1" strike="noStrike">
                         <a:latin typeface="Arial"/>
                       </a:endParaRPr>
                     </a:p>
@@ -4977,7 +4977,7 @@
                         </a:rPr>
                         <a:t>O(n)</a:t>
                       </a:r>
-                      <a:endParaRPr b="0" lang="fr-FR" sz="1500" spc="-1" strike="noStrike">
+                      <a:endParaRPr b="0" lang="en-US" sz="1500" spc="-1" strike="noStrike">
                         <a:latin typeface="Arial"/>
                       </a:endParaRPr>
                     </a:p>
@@ -5029,7 +5029,7 @@
                         </a:rPr>
                         <a:t>O(n)</a:t>
                       </a:r>
-                      <a:endParaRPr b="0" lang="fr-FR" sz="1500" spc="-1" strike="noStrike">
+                      <a:endParaRPr b="0" lang="en-US" sz="1500" spc="-1" strike="noStrike">
                         <a:latin typeface="Arial"/>
                       </a:endParaRPr>
                     </a:p>
@@ -5083,7 +5083,7 @@
                         </a:rPr>
                         <a:t>Suppression d’un élément en fin de liste</a:t>
                       </a:r>
-                      <a:endParaRPr b="0" lang="fr-FR" sz="1500" spc="-1" strike="noStrike">
+                      <a:endParaRPr b="0" lang="en-US" sz="1500" spc="-1" strike="noStrike">
                         <a:latin typeface="Arial"/>
                       </a:endParaRPr>
                     </a:p>
@@ -5133,7 +5133,7 @@
                         </a:rPr>
                         <a:t>O(1)</a:t>
                       </a:r>
-                      <a:endParaRPr b="0" lang="fr-FR" sz="1500" spc="-1" strike="noStrike">
+                      <a:endParaRPr b="0" lang="en-US" sz="1500" spc="-1" strike="noStrike">
                         <a:latin typeface="Arial"/>
                       </a:endParaRPr>
                     </a:p>
@@ -5183,7 +5183,7 @@
                         </a:rPr>
                         <a:t>O(n)</a:t>
                       </a:r>
-                      <a:endParaRPr b="0" lang="fr-FR" sz="1500" spc="-1" strike="noStrike">
+                      <a:endParaRPr b="0" lang="en-US" sz="1500" spc="-1" strike="noStrike">
                         <a:latin typeface="Arial"/>
                       </a:endParaRPr>
                     </a:p>
@@ -5235,7 +5235,7 @@
                         </a:rPr>
                         <a:t>Rechercher une valeur dans la liste</a:t>
                       </a:r>
-                      <a:endParaRPr b="0" lang="fr-FR" sz="1500" spc="-1" strike="noStrike">
+                      <a:endParaRPr b="0" lang="en-US" sz="1500" spc="-1" strike="noStrike">
                         <a:latin typeface="Arial"/>
                       </a:endParaRPr>
                     </a:p>
@@ -5287,7 +5287,7 @@
                         </a:rPr>
                         <a:t>O(n)</a:t>
                       </a:r>
-                      <a:endParaRPr b="0" lang="fr-FR" sz="1500" spc="-1" strike="noStrike">
+                      <a:endParaRPr b="0" lang="en-US" sz="1500" spc="-1" strike="noStrike">
                         <a:latin typeface="Arial"/>
                       </a:endParaRPr>
                     </a:p>
@@ -5339,7 +5339,7 @@
                         </a:rPr>
                         <a:t>O(n)</a:t>
                       </a:r>
-                      <a:endParaRPr b="0" lang="fr-FR" sz="1500" spc="-1" strike="noStrike">
+                      <a:endParaRPr b="0" lang="en-US" sz="1500" spc="-1" strike="noStrike">
                         <a:latin typeface="Arial"/>
                       </a:endParaRPr>
                     </a:p>
@@ -5393,7 +5393,7 @@
                         </a:rPr>
                         <a:t>Rechercher dans une liste triée (dichotomie)</a:t>
                       </a:r>
-                      <a:endParaRPr b="0" lang="fr-FR" sz="1500" spc="-1" strike="noStrike">
+                      <a:endParaRPr b="0" lang="en-US" sz="1500" spc="-1" strike="noStrike">
                         <a:latin typeface="Arial"/>
                       </a:endParaRPr>
                     </a:p>
@@ -5445,7 +5445,7 @@
                         </a:rPr>
                         <a:t>O(log(n))</a:t>
                       </a:r>
-                      <a:endParaRPr b="0" lang="fr-FR" sz="1500" spc="-1" strike="noStrike">
+                      <a:endParaRPr b="0" lang="en-US" sz="1500" spc="-1" strike="noStrike">
                         <a:latin typeface="Arial"/>
                       </a:endParaRPr>
                     </a:p>
@@ -5497,7 +5497,7 @@
                         </a:rPr>
                         <a:t>O(n)</a:t>
                       </a:r>
-                      <a:endParaRPr b="0" lang="fr-FR" sz="1500" spc="-1" strike="noStrike">
+                      <a:endParaRPr b="0" lang="en-US" sz="1500" spc="-1" strike="noStrike">
                         <a:latin typeface="Arial"/>
                       </a:endParaRPr>
                     </a:p>
@@ -5551,7 +5551,7 @@
                         </a:rPr>
                         <a:t>Calcul du nombre d’éléments</a:t>
                       </a:r>
-                      <a:endParaRPr b="0" lang="fr-FR" sz="1500" spc="-1" strike="noStrike">
+                      <a:endParaRPr b="0" lang="en-US" sz="1500" spc="-1" strike="noStrike">
                         <a:latin typeface="Arial"/>
                       </a:endParaRPr>
                     </a:p>
@@ -5600,7 +5600,7 @@
                         </a:rPr>
                         <a:t>O(1)</a:t>
                       </a:r>
-                      <a:endParaRPr b="0" lang="fr-FR" sz="1500" spc="-1" strike="noStrike">
+                      <a:endParaRPr b="0" lang="en-US" sz="1500" spc="-1" strike="noStrike">
                         <a:latin typeface="Arial"/>
                       </a:endParaRPr>
                     </a:p>
@@ -5649,7 +5649,7 @@
                         </a:rPr>
                         <a:t>O(n)</a:t>
                       </a:r>
-                      <a:endParaRPr b="0" lang="fr-FR" sz="1500" spc="-1" strike="noStrike">
+                      <a:endParaRPr b="0" lang="en-US" sz="1500" spc="-1" strike="noStrike">
                         <a:latin typeface="Arial"/>
                       </a:endParaRPr>
                     </a:p>
@@ -5719,7 +5719,7 @@
         <p:spPr>
           <a:xfrm>
             <a:off x="314280" y="1184400"/>
-            <a:ext cx="8511480" cy="3361680"/>
+            <a:ext cx="8511120" cy="3361320"/>
           </a:xfrm>
           <a:prstGeom prst="rect">
             <a:avLst/>
@@ -5749,7 +5749,7 @@
               </a:spcBef>
               <a:buNone/>
             </a:pPr>
-            <a:endParaRPr b="0" lang="fr-FR" sz="2000" spc="-1" strike="noStrike">
+            <a:endParaRPr b="0" lang="en-US" sz="2000" spc="-1" strike="noStrike">
               <a:latin typeface="Arial"/>
             </a:endParaRPr>
           </a:p>
@@ -5763,7 +5763,7 @@
               </a:spcBef>
               <a:buNone/>
             </a:pPr>
-            <a:endParaRPr b="0" lang="fr-FR" sz="2000" spc="-1" strike="noStrike">
+            <a:endParaRPr b="0" lang="en-US" sz="2000" spc="-1" strike="noStrike">
               <a:latin typeface="Arial"/>
             </a:endParaRPr>
           </a:p>
@@ -5777,7 +5777,7 @@
               </a:spcBef>
               <a:buNone/>
             </a:pPr>
-            <a:endParaRPr b="0" lang="fr-FR" sz="2000" spc="-1" strike="noStrike">
+            <a:endParaRPr b="0" lang="en-US" sz="2000" spc="-1" strike="noStrike">
               <a:latin typeface="Arial"/>
             </a:endParaRPr>
           </a:p>
@@ -5811,7 +5811,7 @@
               </a:rPr>
               <a:t>	</a:t>
             </a:r>
-            <a:endParaRPr b="0" lang="fr-FR" sz="1400" spc="-1" strike="noStrike">
+            <a:endParaRPr b="0" lang="en-US" sz="1400" spc="-1" strike="noStrike">
               <a:latin typeface="Arial"/>
             </a:endParaRPr>
           </a:p>
@@ -5826,7 +5826,7 @@
         <p:spPr>
           <a:xfrm>
             <a:off x="314280" y="267480"/>
-            <a:ext cx="8511480" cy="739800"/>
+            <a:ext cx="8511120" cy="739440"/>
           </a:xfrm>
           <a:prstGeom prst="rect">
             <a:avLst/>
@@ -5863,7 +5863,7 @@
               </a:rPr>
               <a:t>Complexité des algorithmes de tri</a:t>
             </a:r>
-            <a:endParaRPr b="0" lang="fr-FR" sz="2000" spc="-1" strike="noStrike">
+            <a:endParaRPr b="0" lang="en-US" sz="2000" spc="-1" strike="noStrike">
               <a:latin typeface="Arial"/>
             </a:endParaRPr>
           </a:p>
@@ -5936,7 +5936,7 @@
                         </a:rPr>
                         <a:t>Complexité temporelle moyenne</a:t>
                       </a:r>
-                      <a:endParaRPr b="0" lang="fr-FR" sz="1800" spc="-1" strike="noStrike">
+                      <a:endParaRPr b="0" lang="en-US" sz="1800" spc="-1" strike="noStrike">
                         <a:latin typeface="Arial"/>
                       </a:endParaRPr>
                     </a:p>
@@ -5990,7 +5990,7 @@
                         </a:rPr>
                         <a:t>Insertion sort</a:t>
                       </a:r>
-                      <a:endParaRPr b="0" lang="fr-FR" sz="1800" spc="-1" strike="noStrike">
+                      <a:endParaRPr b="0" lang="en-US" sz="1800" spc="-1" strike="noStrike">
                         <a:latin typeface="Arial"/>
                       </a:endParaRPr>
                     </a:p>
@@ -6060,7 +6060,7 @@
                         </a:rPr>
                         <a:t>)</a:t>
                       </a:r>
-                      <a:endParaRPr b="0" lang="fr-FR" sz="1800" spc="-1" strike="noStrike">
+                      <a:endParaRPr b="0" lang="en-US" sz="1800" spc="-1" strike="noStrike">
                         <a:latin typeface="Arial"/>
                       </a:endParaRPr>
                     </a:p>
@@ -6114,7 +6114,7 @@
                         </a:rPr>
                         <a:t>Selection sort</a:t>
                       </a:r>
-                      <a:endParaRPr b="0" lang="fr-FR" sz="1800" spc="-1" strike="noStrike">
+                      <a:endParaRPr b="0" lang="en-US" sz="1800" spc="-1" strike="noStrike">
                         <a:latin typeface="Arial"/>
                       </a:endParaRPr>
                     </a:p>
@@ -6184,7 +6184,7 @@
                         </a:rPr>
                         <a:t>)</a:t>
                       </a:r>
-                      <a:endParaRPr b="0" lang="fr-FR" sz="1800" spc="-1" strike="noStrike">
+                      <a:endParaRPr b="0" lang="en-US" sz="1800" spc="-1" strike="noStrike">
                         <a:latin typeface="Arial"/>
                       </a:endParaRPr>
                     </a:p>
@@ -6241,7 +6241,7 @@
                         </a:rPr>
                         <a:t>Merge sort, quick sort, heap sort, tim sort</a:t>
                       </a:r>
-                      <a:endParaRPr b="0" lang="fr-FR" sz="1800" spc="-1" strike="noStrike">
+                      <a:endParaRPr b="0" lang="en-US" sz="1800" spc="-1" strike="noStrike">
                         <a:latin typeface="Arial"/>
                       </a:endParaRPr>
                     </a:p>
@@ -6293,7 +6293,7 @@
                         </a:rPr>
                         <a:t>O(n.log(n))</a:t>
                       </a:r>
-                      <a:endParaRPr b="0" lang="fr-FR" sz="1800" spc="-1" strike="noStrike">
+                      <a:endParaRPr b="0" lang="en-US" sz="1800" spc="-1" strike="noStrike">
                         <a:latin typeface="Arial"/>
                       </a:endParaRPr>
                     </a:p>
@@ -6363,7 +6363,7 @@
         <p:spPr>
           <a:xfrm>
             <a:off x="1152000" y="1634400"/>
-            <a:ext cx="8511480" cy="739800"/>
+            <a:ext cx="8511120" cy="739440"/>
           </a:xfrm>
           <a:prstGeom prst="rect">
             <a:avLst/>
@@ -6400,7 +6400,7 @@
               </a:rPr>
               <a:t>Annexe (pas à retenir)</a:t>
             </a:r>
-            <a:endParaRPr b="0" lang="fr-FR" sz="2000" spc="-1" strike="noStrike">
+            <a:endParaRPr b="0" lang="en-US" sz="2000" spc="-1" strike="noStrike">
               <a:latin typeface="Arial"/>
             </a:endParaRPr>
           </a:p>
@@ -6440,7 +6440,7 @@
         <p:spPr>
           <a:xfrm>
             <a:off x="314280" y="267480"/>
-            <a:ext cx="8511480" cy="739800"/>
+            <a:ext cx="8511120" cy="739440"/>
           </a:xfrm>
           <a:prstGeom prst="rect">
             <a:avLst/>
@@ -6477,7 +6477,7 @@
               </a:rPr>
               <a:t>Complexité</a:t>
             </a:r>
-            <a:endParaRPr b="0" lang="fr-FR" sz="2000" spc="-1" strike="noStrike">
+            <a:endParaRPr b="0" lang="en-US" sz="2000" spc="-1" strike="noStrike">
               <a:latin typeface="Arial"/>
             </a:endParaRPr>
           </a:p>
@@ -6496,7 +6496,7 @@
         <p:spPr>
           <a:xfrm>
             <a:off x="395640" y="843480"/>
-            <a:ext cx="8033400" cy="3327120"/>
+            <a:ext cx="8033040" cy="3326760"/>
           </a:xfrm>
           <a:prstGeom prst="rect">
             <a:avLst/>
@@ -6540,7 +6540,7 @@
         <p:spPr>
           <a:xfrm>
             <a:off x="314280" y="267480"/>
-            <a:ext cx="8511480" cy="739800"/>
+            <a:ext cx="8511120" cy="739440"/>
           </a:xfrm>
           <a:prstGeom prst="rect">
             <a:avLst/>
@@ -6577,7 +6577,7 @@
               </a:rPr>
               <a:t>Complexité des algorithmes</a:t>
             </a:r>
-            <a:endParaRPr b="0" lang="fr-FR" sz="2000" spc="-1" strike="noStrike">
+            <a:endParaRPr b="0" lang="en-US" sz="2000" spc="-1" strike="noStrike">
               <a:latin typeface="Arial"/>
             </a:endParaRPr>
           </a:p>
@@ -6596,7 +6596,7 @@
         <p:spPr>
           <a:xfrm>
             <a:off x="683640" y="1203480"/>
-            <a:ext cx="6229080" cy="3502080"/>
+            <a:ext cx="6228720" cy="3501720"/>
           </a:xfrm>
           <a:prstGeom prst="rect">
             <a:avLst/>

--- a/2023-2024/synthèses de cours/complexités.pptx
+++ b/2023-2024/synthèses de cours/complexités.pptx
@@ -3098,7 +3098,7 @@
         <p:spPr>
           <a:xfrm>
             <a:off x="314280" y="4535640"/>
-            <a:ext cx="270720" cy="330480"/>
+            <a:ext cx="270000" cy="329760"/>
           </a:xfrm>
           <a:prstGeom prst="rect">
             <a:avLst/>
@@ -3128,7 +3128,7 @@
               </a:spcAft>
               <a:buNone/>
             </a:pPr>
-            <a:fld id="{044EFC59-894D-42DE-B3D7-094390F918B9}" type="slidenum">
+            <a:fld id="{2A3617A8-0EC4-4DBD-A917-9B098A527223}" type="slidenum">
               <a:rPr b="0" lang="fr-FR" sz="800" spc="-1" strike="noStrike">
                 <a:solidFill>
                   <a:srgbClr val="000000"/>
@@ -3153,7 +3153,7 @@
         <p:spPr>
           <a:xfrm>
             <a:off x="619560" y="4749120"/>
-            <a:ext cx="360" cy="118800"/>
+            <a:ext cx="360" cy="118080"/>
           </a:xfrm>
           <a:prstGeom prst="rect">
             <a:avLst/>
@@ -3455,7 +3455,7 @@
         <p:spPr>
           <a:xfrm>
             <a:off x="314280" y="4535640"/>
-            <a:ext cx="270720" cy="330480"/>
+            <a:ext cx="270000" cy="329760"/>
           </a:xfrm>
           <a:prstGeom prst="rect">
             <a:avLst/>
@@ -3485,7 +3485,7 @@
               </a:spcAft>
               <a:buNone/>
             </a:pPr>
-            <a:fld id="{88FDEA14-A393-447A-8334-E743B95EFC87}" type="slidenum">
+            <a:fld id="{48CBA8AF-1B0D-4B85-84C6-945D8B8375B8}" type="slidenum">
               <a:rPr b="0" lang="fr-FR" sz="800" spc="-1" strike="noStrike">
                 <a:solidFill>
                   <a:srgbClr val="000000"/>
@@ -3510,7 +3510,7 @@
         <p:spPr>
           <a:xfrm>
             <a:off x="619560" y="4749120"/>
-            <a:ext cx="360" cy="118800"/>
+            <a:ext cx="360" cy="118080"/>
           </a:xfrm>
           <a:prstGeom prst="rect">
             <a:avLst/>
@@ -3805,7 +3805,7 @@
         <p:spPr>
           <a:xfrm>
             <a:off x="314280" y="1184400"/>
-            <a:ext cx="8511120" cy="3361320"/>
+            <a:ext cx="8510400" cy="3360600"/>
           </a:xfrm>
           <a:prstGeom prst="rect">
             <a:avLst/>
@@ -3912,7 +3912,7 @@
         <p:spPr>
           <a:xfrm>
             <a:off x="314280" y="267480"/>
-            <a:ext cx="8511120" cy="739440"/>
+            <a:ext cx="8510400" cy="738720"/>
           </a:xfrm>
           <a:prstGeom prst="rect">
             <a:avLst/>
@@ -3963,7 +3963,7 @@
         </p:nvGraphicFramePr>
         <p:xfrm>
           <a:off x="508320" y="657360"/>
-          <a:ext cx="7031160" cy="4078440"/>
+          <a:ext cx="8221320" cy="4078440"/>
         </p:xfrm>
         <a:graphic>
           <a:graphicData uri="http://schemas.openxmlformats.org/drawingml/2006/table">
@@ -3972,6 +3972,7 @@
               <a:tblGrid>
                 <a:gridCol w="4245840"/>
                 <a:gridCol w="1595520"/>
+                <a:gridCol w="1190160"/>
                 <a:gridCol w="1190160"/>
               </a:tblGrid>
               <a:tr h="370800">
@@ -4073,6 +4074,59 @@
                       </a:r>
                       <a:endParaRPr b="0" lang="en-US" sz="1800" spc="-1" strike="noStrike">
                         <a:latin typeface="Arial"/>
+                      </a:endParaRPr>
+                    </a:p>
+                  </a:txBody>
+                  <a:tcPr anchor="t" marL="91440" marR="91440">
+                    <a:lnL w="12240">
+                      <a:solidFill>
+                        <a:srgbClr val="ffffff"/>
+                      </a:solidFill>
+                    </a:lnL>
+                    <a:lnR w="12240">
+                      <a:solidFill>
+                        <a:srgbClr val="ffffff"/>
+                      </a:solidFill>
+                    </a:lnR>
+                    <a:lnT w="12240">
+                      <a:solidFill>
+                        <a:srgbClr val="ffffff"/>
+                      </a:solidFill>
+                    </a:lnT>
+                    <a:lnB>
+                      <a:noFill/>
+                    </a:lnB>
+                    <a:solidFill>
+                      <a:srgbClr val="ff7900"/>
+                    </a:solidFill>
+                  </a:tcPr>
+                </a:tc>
+                <a:tc>
+                  <a:txBody>
+                    <a:bodyPr anchor="t">
+                      <a:noAutofit/>
+                    </a:bodyPr>
+                    <a:p>
+                      <a:pPr marL="216000" indent="-216000">
+                        <a:lnSpc>
+                          <a:spcPct val="100000"/>
+                        </a:lnSpc>
+                      </a:pPr>
+                      <a:r>
+                        <a:rPr b="1" lang="fr-FR" sz="1800" spc="-1" strike="noStrike">
+                          <a:solidFill>
+                            <a:srgbClr val="ffffff"/>
+                          </a:solidFill>
+                          <a:latin typeface="Arial"/>
+                        </a:rPr>
+                        <a:t>Doubly linked list</a:t>
+                      </a:r>
+                      <a:endParaRPr b="1" lang="fr-FR" sz="1800" spc="-1" strike="noStrike">
+                        <a:solidFill>
+                          <a:srgbClr val="ffffff"/>
+                        </a:solidFill>
+                        <a:latin typeface="Arial"/>
+                        <a:ea typeface="Noto Sans CJK SC"/>
                       </a:endParaRPr>
                     </a:p>
                   </a:txBody>
@@ -4256,10 +4310,58 @@
                         <a:srgbClr val="ffffff"/>
                       </a:solidFill>
                     </a:lnL>
-                    <a:lnR w="12240">
-                      <a:solidFill>
-                        <a:srgbClr val="ffffff"/>
-                      </a:solidFill>
+                    <a:lnR>
+                      <a:noFill/>
+                    </a:lnR>
+                    <a:lnT w="12240">
+                      <a:solidFill>
+                        <a:srgbClr val="ffffff"/>
+                      </a:solidFill>
+                    </a:lnT>
+                    <a:lnB w="12240">
+                      <a:solidFill>
+                        <a:srgbClr val="ffffff"/>
+                      </a:solidFill>
+                    </a:lnB>
+                    <a:solidFill>
+                      <a:srgbClr val="ffd6cc"/>
+                    </a:solidFill>
+                  </a:tcPr>
+                </a:tc>
+                <a:tc>
+                  <a:txBody>
+                    <a:bodyPr anchor="t">
+                      <a:noAutofit/>
+                    </a:bodyPr>
+                    <a:p>
+                      <a:pPr>
+                        <a:lnSpc>
+                          <a:spcPct val="100000"/>
+                        </a:lnSpc>
+                        <a:buNone/>
+                      </a:pPr>
+                      <a:r>
+                        <a:rPr b="0" lang="fr-FR" sz="1500" spc="-1" strike="noStrike">
+                          <a:solidFill>
+                            <a:srgbClr val="000000"/>
+                          </a:solidFill>
+                          <a:latin typeface="Arial"/>
+                        </a:rPr>
+                        <a:t>O(n)</a:t>
+                      </a:r>
+                      <a:endParaRPr b="0" lang="en-US" sz="1500" spc="-1" strike="noStrike">
+                        <a:latin typeface="Times New Roman"/>
+                      </a:endParaRPr>
+                    </a:p>
+                  </a:txBody>
+                  <a:tcPr anchor="t" marL="91440" marR="91440">
+                    <a:lnL w="12240">
+                      <a:solidFill>
+                        <a:srgbClr val="ffffff"/>
+                      </a:solidFill>
+                    </a:lnL>
+                    <a:lnR>
+                      <a:noFill/>
                     </a:lnR>
                     <a:lnT w="12240">
                       <a:solidFill>
@@ -4414,15 +4516,63 @@
                         <a:srgbClr val="ffffff"/>
                       </a:solidFill>
                     </a:lnL>
-                    <a:lnR w="12240">
-                      <a:solidFill>
-                        <a:srgbClr val="ffffff"/>
-                      </a:solidFill>
+                    <a:lnR>
+                      <a:noFill/>
                     </a:lnR>
                     <a:lnT w="12240">
                       <a:solidFill>
                         <a:srgbClr val="ffffff"/>
                       </a:solidFill>
+                    </a:lnT>
+                    <a:lnB w="12240">
+                      <a:solidFill>
+                        <a:srgbClr val="ffffff"/>
+                      </a:solidFill>
+                    </a:lnB>
+                    <a:solidFill>
+                      <a:srgbClr val="ffebe7"/>
+                    </a:solidFill>
+                  </a:tcPr>
+                </a:tc>
+                <a:tc>
+                  <a:txBody>
+                    <a:bodyPr anchor="t">
+                      <a:noAutofit/>
+                    </a:bodyPr>
+                    <a:p>
+                      <a:pPr>
+                        <a:lnSpc>
+                          <a:spcPct val="100000"/>
+                        </a:lnSpc>
+                        <a:buNone/>
+                      </a:pPr>
+                      <a:r>
+                        <a:rPr b="0" lang="fr-FR" sz="1500" spc="-1" strike="noStrike">
+                          <a:solidFill>
+                            <a:srgbClr val="000000"/>
+                          </a:solidFill>
+                          <a:latin typeface="Arial"/>
+                        </a:rPr>
+                        <a:t>O(1)</a:t>
+                      </a:r>
+                      <a:endParaRPr b="0" lang="en-US" sz="1500" spc="-1" strike="noStrike">
+                        <a:latin typeface="Times New Roman"/>
+                      </a:endParaRPr>
+                    </a:p>
+                  </a:txBody>
+                  <a:tcPr anchor="t" marL="91440" marR="91440">
+                    <a:lnL w="12240">
+                      <a:solidFill>
+                        <a:srgbClr val="ffffff"/>
+                      </a:solidFill>
+                    </a:lnL>
+                    <a:lnR w="12240">
+                      <a:solidFill>
+                        <a:srgbClr val="ffffff"/>
+                      </a:solidFill>
+                    </a:lnR>
+                    <a:lnT>
+                      <a:noFill/>
                     </a:lnT>
                     <a:lnB w="12240">
                       <a:solidFill>
@@ -4572,10 +4722,58 @@
                         <a:srgbClr val="ffffff"/>
                       </a:solidFill>
                     </a:lnL>
-                    <a:lnR w="12240">
-                      <a:solidFill>
-                        <a:srgbClr val="ffffff"/>
-                      </a:solidFill>
+                    <a:lnR>
+                      <a:noFill/>
+                    </a:lnR>
+                    <a:lnT w="12240">
+                      <a:solidFill>
+                        <a:srgbClr val="ffffff"/>
+                      </a:solidFill>
+                    </a:lnT>
+                    <a:lnB w="12240">
+                      <a:solidFill>
+                        <a:srgbClr val="ffffff"/>
+                      </a:solidFill>
+                    </a:lnB>
+                    <a:solidFill>
+                      <a:srgbClr val="ffd6cc"/>
+                    </a:solidFill>
+                  </a:tcPr>
+                </a:tc>
+                <a:tc>
+                  <a:txBody>
+                    <a:bodyPr anchor="t">
+                      <a:noAutofit/>
+                    </a:bodyPr>
+                    <a:p>
+                      <a:pPr>
+                        <a:lnSpc>
+                          <a:spcPct val="100000"/>
+                        </a:lnSpc>
+                        <a:buNone/>
+                      </a:pPr>
+                      <a:r>
+                        <a:rPr b="0" lang="fr-FR" sz="1500" spc="-1" strike="noStrike">
+                          <a:solidFill>
+                            <a:srgbClr val="000000"/>
+                          </a:solidFill>
+                          <a:latin typeface="Arial"/>
+                        </a:rPr>
+                        <a:t>O(n)</a:t>
+                      </a:r>
+                      <a:endParaRPr b="0" lang="en-US" sz="1500" spc="-1" strike="noStrike">
+                        <a:latin typeface="Times New Roman"/>
+                      </a:endParaRPr>
+                    </a:p>
+                  </a:txBody>
+                  <a:tcPr anchor="t" marL="91440" marR="91440">
+                    <a:lnL w="12240">
+                      <a:solidFill>
+                        <a:srgbClr val="ffffff"/>
+                      </a:solidFill>
+                    </a:lnL>
+                    <a:lnR>
+                      <a:noFill/>
                     </a:lnR>
                     <a:lnT w="12240">
                       <a:solidFill>
@@ -4733,15 +4931,63 @@
                         <a:srgbClr val="ffffff"/>
                       </a:solidFill>
                     </a:lnL>
-                    <a:lnR w="12240">
-                      <a:solidFill>
-                        <a:srgbClr val="ffffff"/>
-                      </a:solidFill>
+                    <a:lnR>
+                      <a:noFill/>
                     </a:lnR>
                     <a:lnT w="12240">
                       <a:solidFill>
                         <a:srgbClr val="ffffff"/>
                       </a:solidFill>
+                    </a:lnT>
+                    <a:lnB w="12240">
+                      <a:solidFill>
+                        <a:srgbClr val="ffffff"/>
+                      </a:solidFill>
+                    </a:lnB>
+                    <a:solidFill>
+                      <a:srgbClr val="ffebe7"/>
+                    </a:solidFill>
+                  </a:tcPr>
+                </a:tc>
+                <a:tc>
+                  <a:txBody>
+                    <a:bodyPr anchor="t">
+                      <a:noAutofit/>
+                    </a:bodyPr>
+                    <a:p>
+                      <a:pPr>
+                        <a:lnSpc>
+                          <a:spcPct val="100000"/>
+                        </a:lnSpc>
+                        <a:buNone/>
+                      </a:pPr>
+                      <a:r>
+                        <a:rPr b="0" lang="fr-FR" sz="1500" spc="-1" strike="noStrike">
+                          <a:solidFill>
+                            <a:srgbClr val="000000"/>
+                          </a:solidFill>
+                          <a:latin typeface="Arial"/>
+                        </a:rPr>
+                        <a:t>O(1)</a:t>
+                      </a:r>
+                      <a:endParaRPr b="0" lang="en-US" sz="1500" spc="-1" strike="noStrike">
+                        <a:latin typeface="Times New Roman"/>
+                      </a:endParaRPr>
+                    </a:p>
+                  </a:txBody>
+                  <a:tcPr anchor="t" marL="91440" marR="91440">
+                    <a:lnL w="12240">
+                      <a:solidFill>
+                        <a:srgbClr val="ffffff"/>
+                      </a:solidFill>
+                    </a:lnL>
+                    <a:lnR w="12240">
+                      <a:solidFill>
+                        <a:srgbClr val="ffffff"/>
+                      </a:solidFill>
+                    </a:lnR>
+                    <a:lnT>
+                      <a:noFill/>
                     </a:lnT>
                     <a:lnB w="12240">
                       <a:solidFill>
@@ -4881,10 +5127,8 @@
                         <a:srgbClr val="ffffff"/>
                       </a:solidFill>
                     </a:lnL>
-                    <a:lnR w="12240">
-                      <a:solidFill>
-                        <a:srgbClr val="ffffff"/>
-                      </a:solidFill>
+                    <a:lnR>
+                      <a:noFill/>
                     </a:lnR>
                     <a:lnT w="12240">
                       <a:solidFill>
@@ -4896,6 +5140,56 @@
                     </a:lnB>
                     <a:solidFill>
                       <a:srgbClr val="ffd6cc"/>
+                    </a:solidFill>
+                  </a:tcPr>
+                </a:tc>
+                <a:tc>
+                  <a:txBody>
+                    <a:bodyPr anchor="t">
+                      <a:noAutofit/>
+                    </a:bodyPr>
+                    <a:p>
+                      <a:pPr>
+                        <a:lnSpc>
+                          <a:spcPct val="100000"/>
+                        </a:lnSpc>
+                        <a:buNone/>
+                      </a:pPr>
+                      <a:r>
+                        <a:rPr b="0" lang="fr-FR" sz="1500" spc="-1" strike="noStrike">
+                          <a:solidFill>
+                            <a:srgbClr val="000000"/>
+                          </a:solidFill>
+                          <a:latin typeface="Arial"/>
+                        </a:rPr>
+                        <a:t>O(1)</a:t>
+                      </a:r>
+                      <a:endParaRPr b="0" lang="en-US" sz="1500" spc="-1" strike="noStrike">
+                        <a:latin typeface="Times New Roman"/>
+                      </a:endParaRPr>
+                    </a:p>
+                  </a:txBody>
+                  <a:tcPr anchor="t" marL="91440" marR="91440">
+                    <a:lnL w="12240">
+                      <a:solidFill>
+                        <a:srgbClr val="ffffff"/>
+                      </a:solidFill>
+                    </a:lnL>
+                    <a:lnR w="12240">
+                      <a:solidFill>
+                        <a:srgbClr val="ffffff"/>
+                      </a:solidFill>
+                    </a:lnR>
+                    <a:lnT>
+                      <a:noFill/>
+                    </a:lnT>
+                    <a:lnB w="12240">
+                      <a:solidFill>
+                        <a:srgbClr val="ffffff"/>
+                      </a:solidFill>
+                    </a:lnB>
+                    <a:solidFill>
+                      <a:srgbClr val="ffebe7"/>
                     </a:solidFill>
                   </a:tcPr>
                 </a:tc>
@@ -5040,10 +5334,8 @@
                         <a:srgbClr val="ffffff"/>
                       </a:solidFill>
                     </a:lnL>
-                    <a:lnR w="12240">
-                      <a:solidFill>
-                        <a:srgbClr val="ffffff"/>
-                      </a:solidFill>
+                    <a:lnR>
+                      <a:noFill/>
                     </a:lnR>
                     <a:lnT w="12240">
                       <a:solidFill>
@@ -5057,6 +5349,56 @@
                     </a:lnB>
                     <a:solidFill>
                       <a:srgbClr val="ffebe7"/>
+                    </a:solidFill>
+                  </a:tcPr>
+                </a:tc>
+                <a:tc>
+                  <a:txBody>
+                    <a:bodyPr anchor="t">
+                      <a:noAutofit/>
+                    </a:bodyPr>
+                    <a:p>
+                      <a:pPr>
+                        <a:lnSpc>
+                          <a:spcPct val="100000"/>
+                        </a:lnSpc>
+                        <a:buNone/>
+                      </a:pPr>
+                      <a:r>
+                        <a:rPr b="0" lang="fr-FR" sz="1500" spc="-1" strike="noStrike">
+                          <a:solidFill>
+                            <a:srgbClr val="000000"/>
+                          </a:solidFill>
+                          <a:latin typeface="Arial"/>
+                        </a:rPr>
+                        <a:t>O(n)</a:t>
+                      </a:r>
+                      <a:endParaRPr b="0" lang="en-US" sz="1500" spc="-1" strike="noStrike">
+                        <a:latin typeface="Times New Roman"/>
+                      </a:endParaRPr>
+                    </a:p>
+                  </a:txBody>
+                  <a:tcPr anchor="t" marL="91440" marR="91440">
+                    <a:lnL w="12240">
+                      <a:solidFill>
+                        <a:srgbClr val="ffffff"/>
+                      </a:solidFill>
+                    </a:lnL>
+                    <a:lnR>
+                      <a:noFill/>
+                    </a:lnR>
+                    <a:lnT w="12240">
+                      <a:solidFill>
+                        <a:srgbClr val="ffffff"/>
+                      </a:solidFill>
+                    </a:lnT>
+                    <a:lnB w="12240">
+                      <a:solidFill>
+                        <a:srgbClr val="ffffff"/>
+                      </a:solidFill>
+                    </a:lnB>
+                    <a:solidFill>
+                      <a:srgbClr val="ffd6cc"/>
                     </a:solidFill>
                   </a:tcPr>
                 </a:tc>
@@ -5185,6 +5527,54 @@
                       </a:r>
                       <a:endParaRPr b="0" lang="en-US" sz="1500" spc="-1" strike="noStrike">
                         <a:latin typeface="Arial"/>
+                      </a:endParaRPr>
+                    </a:p>
+                  </a:txBody>
+                  <a:tcPr anchor="t" marL="91440" marR="91440">
+                    <a:lnL w="12240">
+                      <a:solidFill>
+                        <a:srgbClr val="ffffff"/>
+                      </a:solidFill>
+                    </a:lnL>
+                    <a:lnR>
+                      <a:noFill/>
+                    </a:lnR>
+                    <a:lnT>
+                      <a:noFill/>
+                    </a:lnT>
+                    <a:lnB w="12240">
+                      <a:solidFill>
+                        <a:srgbClr val="ffffff"/>
+                      </a:solidFill>
+                    </a:lnB>
+                    <a:solidFill>
+                      <a:srgbClr val="ffebe7"/>
+                    </a:solidFill>
+                  </a:tcPr>
+                </a:tc>
+                <a:tc>
+                  <a:txBody>
+                    <a:bodyPr anchor="t">
+                      <a:noAutofit/>
+                    </a:bodyPr>
+                    <a:p>
+                      <a:pPr>
+                        <a:lnSpc>
+                          <a:spcPct val="100000"/>
+                        </a:lnSpc>
+                        <a:buNone/>
+                      </a:pPr>
+                      <a:r>
+                        <a:rPr b="0" lang="fr-FR" sz="1500" spc="-1" strike="noStrike">
+                          <a:solidFill>
+                            <a:srgbClr val="000000"/>
+                          </a:solidFill>
+                          <a:latin typeface="Arial"/>
+                        </a:rPr>
+                        <a:t>O(1)</a:t>
+                      </a:r>
+                      <a:endParaRPr b="0" lang="en-US" sz="1500" spc="-1" strike="noStrike">
+                        <a:latin typeface="Times New Roman"/>
                       </a:endParaRPr>
                     </a:p>
                   </a:txBody>
@@ -5350,10 +5740,8 @@
                         <a:srgbClr val="ffffff"/>
                       </a:solidFill>
                     </a:lnL>
-                    <a:lnR w="12240">
-                      <a:solidFill>
-                        <a:srgbClr val="ffffff"/>
-                      </a:solidFill>
+                    <a:lnR>
+                      <a:noFill/>
                     </a:lnR>
                     <a:lnT w="12240">
                       <a:solidFill>
@@ -5367,6 +5755,56 @@
                     </a:lnB>
                     <a:solidFill>
                       <a:srgbClr val="ffebe7"/>
+                    </a:solidFill>
+                  </a:tcPr>
+                </a:tc>
+                <a:tc>
+                  <a:txBody>
+                    <a:bodyPr anchor="t">
+                      <a:noAutofit/>
+                    </a:bodyPr>
+                    <a:p>
+                      <a:pPr>
+                        <a:lnSpc>
+                          <a:spcPct val="100000"/>
+                        </a:lnSpc>
+                        <a:buNone/>
+                      </a:pPr>
+                      <a:r>
+                        <a:rPr b="0" lang="fr-FR" sz="1500" spc="-1" strike="noStrike">
+                          <a:solidFill>
+                            <a:srgbClr val="000000"/>
+                          </a:solidFill>
+                          <a:latin typeface="Arial"/>
+                        </a:rPr>
+                        <a:t>O(n)</a:t>
+                      </a:r>
+                      <a:endParaRPr b="0" lang="en-US" sz="1500" spc="-1" strike="noStrike">
+                        <a:latin typeface="Times New Roman"/>
+                      </a:endParaRPr>
+                    </a:p>
+                  </a:txBody>
+                  <a:tcPr anchor="t" marL="91440" marR="91440">
+                    <a:lnL w="12240">
+                      <a:solidFill>
+                        <a:srgbClr val="ffffff"/>
+                      </a:solidFill>
+                    </a:lnL>
+                    <a:lnR>
+                      <a:noFill/>
+                    </a:lnR>
+                    <a:lnT w="12240">
+                      <a:solidFill>
+                        <a:srgbClr val="ffffff"/>
+                      </a:solidFill>
+                    </a:lnT>
+                    <a:lnB w="12240">
+                      <a:solidFill>
+                        <a:srgbClr val="ffffff"/>
+                      </a:solidFill>
+                    </a:lnB>
+                    <a:solidFill>
+                      <a:srgbClr val="ffd6cc"/>
                     </a:solidFill>
                   </a:tcPr>
                 </a:tc>
@@ -5508,10 +5946,8 @@
                         <a:srgbClr val="ffffff"/>
                       </a:solidFill>
                     </a:lnL>
-                    <a:lnR w="12240">
-                      <a:solidFill>
-                        <a:srgbClr val="ffffff"/>
-                      </a:solidFill>
+                    <a:lnR>
+                      <a:noFill/>
                     </a:lnR>
                     <a:lnT w="12240">
                       <a:solidFill>
@@ -5525,6 +5961,56 @@
                     </a:lnB>
                     <a:solidFill>
                       <a:srgbClr val="ffebe7"/>
+                    </a:solidFill>
+                  </a:tcPr>
+                </a:tc>
+                <a:tc>
+                  <a:txBody>
+                    <a:bodyPr anchor="t">
+                      <a:noAutofit/>
+                    </a:bodyPr>
+                    <a:p>
+                      <a:pPr>
+                        <a:lnSpc>
+                          <a:spcPct val="100000"/>
+                        </a:lnSpc>
+                        <a:buNone/>
+                      </a:pPr>
+                      <a:r>
+                        <a:rPr b="0" lang="fr-FR" sz="1500" spc="-1" strike="noStrike">
+                          <a:solidFill>
+                            <a:srgbClr val="000000"/>
+                          </a:solidFill>
+                          <a:latin typeface="Arial"/>
+                        </a:rPr>
+                        <a:t>O(n)</a:t>
+                      </a:r>
+                      <a:endParaRPr b="0" lang="en-US" sz="1500" spc="-1" strike="noStrike">
+                        <a:latin typeface="Times New Roman"/>
+                      </a:endParaRPr>
+                    </a:p>
+                  </a:txBody>
+                  <a:tcPr anchor="t" marL="91440" marR="91440">
+                    <a:lnL w="12240">
+                      <a:solidFill>
+                        <a:srgbClr val="ffffff"/>
+                      </a:solidFill>
+                    </a:lnL>
+                    <a:lnR>
+                      <a:noFill/>
+                    </a:lnR>
+                    <a:lnT w="12240">
+                      <a:solidFill>
+                        <a:srgbClr val="ffffff"/>
+                      </a:solidFill>
+                    </a:lnT>
+                    <a:lnB w="12240">
+                      <a:solidFill>
+                        <a:srgbClr val="ffffff"/>
+                      </a:solidFill>
+                    </a:lnB>
+                    <a:solidFill>
+                      <a:srgbClr val="ffd6cc"/>
                     </a:solidFill>
                   </a:tcPr>
                 </a:tc>
@@ -5660,10 +6146,8 @@
                         <a:srgbClr val="ffffff"/>
                       </a:solidFill>
                     </a:lnL>
-                    <a:lnR w="12240">
-                      <a:solidFill>
-                        <a:srgbClr val="ffffff"/>
-                      </a:solidFill>
+                    <a:lnR>
+                      <a:noFill/>
                     </a:lnR>
                     <a:lnT w="12240">
                       <a:solidFill>
@@ -5677,6 +6161,56 @@
                     </a:lnB>
                     <a:solidFill>
                       <a:srgbClr val="ffebe7"/>
+                    </a:solidFill>
+                  </a:tcPr>
+                </a:tc>
+                <a:tc>
+                  <a:txBody>
+                    <a:bodyPr anchor="t">
+                      <a:noAutofit/>
+                    </a:bodyPr>
+                    <a:p>
+                      <a:pPr>
+                        <a:lnSpc>
+                          <a:spcPct val="100000"/>
+                        </a:lnSpc>
+                        <a:buNone/>
+                      </a:pPr>
+                      <a:r>
+                        <a:rPr b="0" lang="fr-FR" sz="1500" spc="-1" strike="noStrike">
+                          <a:solidFill>
+                            <a:srgbClr val="000000"/>
+                          </a:solidFill>
+                          <a:latin typeface="Arial"/>
+                        </a:rPr>
+                        <a:t>O(n)</a:t>
+                      </a:r>
+                      <a:endParaRPr b="0" lang="en-US" sz="1500" spc="-1" strike="noStrike">
+                        <a:latin typeface="Times New Roman"/>
+                      </a:endParaRPr>
+                    </a:p>
+                  </a:txBody>
+                  <a:tcPr anchor="t" marL="91440" marR="91440">
+                    <a:lnL w="12240">
+                      <a:solidFill>
+                        <a:srgbClr val="ffffff"/>
+                      </a:solidFill>
+                    </a:lnL>
+                    <a:lnR>
+                      <a:noFill/>
+                    </a:lnR>
+                    <a:lnT w="12240">
+                      <a:solidFill>
+                        <a:srgbClr val="ffffff"/>
+                      </a:solidFill>
+                    </a:lnT>
+                    <a:lnB w="12240">
+                      <a:solidFill>
+                        <a:srgbClr val="ffffff"/>
+                      </a:solidFill>
+                    </a:lnB>
+                    <a:solidFill>
+                      <a:srgbClr val="ffd6cc"/>
                     </a:solidFill>
                   </a:tcPr>
                 </a:tc>
@@ -5719,7 +6253,7 @@
         <p:spPr>
           <a:xfrm>
             <a:off x="314280" y="1184400"/>
-            <a:ext cx="8511120" cy="3361320"/>
+            <a:ext cx="8510400" cy="3360600"/>
           </a:xfrm>
           <a:prstGeom prst="rect">
             <a:avLst/>
@@ -5826,7 +6360,7 @@
         <p:spPr>
           <a:xfrm>
             <a:off x="314280" y="267480"/>
-            <a:ext cx="8511120" cy="739440"/>
+            <a:ext cx="8510400" cy="738720"/>
           </a:xfrm>
           <a:prstGeom prst="rect">
             <a:avLst/>
@@ -6363,7 +6897,7 @@
         <p:spPr>
           <a:xfrm>
             <a:off x="1152000" y="1634400"/>
-            <a:ext cx="8511120" cy="739440"/>
+            <a:ext cx="8510400" cy="738720"/>
           </a:xfrm>
           <a:prstGeom prst="rect">
             <a:avLst/>
@@ -6440,7 +6974,7 @@
         <p:spPr>
           <a:xfrm>
             <a:off x="314280" y="267480"/>
-            <a:ext cx="8511120" cy="739440"/>
+            <a:ext cx="8510400" cy="738720"/>
           </a:xfrm>
           <a:prstGeom prst="rect">
             <a:avLst/>
@@ -6496,7 +7030,7 @@
         <p:spPr>
           <a:xfrm>
             <a:off x="395640" y="843480"/>
-            <a:ext cx="8033040" cy="3326760"/>
+            <a:ext cx="8032320" cy="3326040"/>
           </a:xfrm>
           <a:prstGeom prst="rect">
             <a:avLst/>
@@ -6540,7 +7074,7 @@
         <p:spPr>
           <a:xfrm>
             <a:off x="314280" y="267480"/>
-            <a:ext cx="8511120" cy="739440"/>
+            <a:ext cx="8510400" cy="738720"/>
           </a:xfrm>
           <a:prstGeom prst="rect">
             <a:avLst/>
@@ -6596,7 +7130,7 @@
         <p:spPr>
           <a:xfrm>
             <a:off x="683640" y="1203480"/>
-            <a:ext cx="6228720" cy="3501720"/>
+            <a:ext cx="6228000" cy="3501000"/>
           </a:xfrm>
           <a:prstGeom prst="rect">
             <a:avLst/>

--- a/2023-2024/synthèses de cours/complexités.pptx
+++ b/2023-2024/synthèses de cours/complexités.pptx
@@ -11,6 +11,7 @@
     <p:sldId id="258" r:id="rId6"/>
     <p:sldId id="259" r:id="rId7"/>
     <p:sldId id="260" r:id="rId8"/>
+    <p:sldId id="261" r:id="rId9"/>
   </p:sldIdLst>
   <p:sldSz cx="9144000" cy="5143500"/>
   <p:notesSz cx="7772400" cy="10058400"/>
@@ -3098,7 +3099,7 @@
         <p:spPr>
           <a:xfrm>
             <a:off x="314280" y="4535640"/>
-            <a:ext cx="270000" cy="329760"/>
+            <a:ext cx="269280" cy="329040"/>
           </a:xfrm>
           <a:prstGeom prst="rect">
             <a:avLst/>
@@ -3128,7 +3129,7 @@
               </a:spcAft>
               <a:buNone/>
             </a:pPr>
-            <a:fld id="{2A3617A8-0EC4-4DBD-A917-9B098A527223}" type="slidenum">
+            <a:fld id="{6D0EB6DC-9D42-45D5-87B9-AFE30936AA28}" type="slidenum">
               <a:rPr b="0" lang="fr-FR" sz="800" spc="-1" strike="noStrike">
                 <a:solidFill>
                   <a:srgbClr val="000000"/>
@@ -3153,7 +3154,7 @@
         <p:spPr>
           <a:xfrm>
             <a:off x="619560" y="4749120"/>
-            <a:ext cx="360" cy="118080"/>
+            <a:ext cx="360" cy="117360"/>
           </a:xfrm>
           <a:prstGeom prst="rect">
             <a:avLst/>
@@ -3455,7 +3456,7 @@
         <p:spPr>
           <a:xfrm>
             <a:off x="314280" y="4535640"/>
-            <a:ext cx="270000" cy="329760"/>
+            <a:ext cx="269280" cy="329040"/>
           </a:xfrm>
           <a:prstGeom prst="rect">
             <a:avLst/>
@@ -3485,7 +3486,7 @@
               </a:spcAft>
               <a:buNone/>
             </a:pPr>
-            <a:fld id="{48CBA8AF-1B0D-4B85-84C6-945D8B8375B8}" type="slidenum">
+            <a:fld id="{D4AE8E55-045E-4FE2-9BB6-9F1121966731}" type="slidenum">
               <a:rPr b="0" lang="fr-FR" sz="800" spc="-1" strike="noStrike">
                 <a:solidFill>
                   <a:srgbClr val="000000"/>
@@ -3510,7 +3511,7 @@
         <p:spPr>
           <a:xfrm>
             <a:off x="619560" y="4749120"/>
-            <a:ext cx="360" cy="118080"/>
+            <a:ext cx="360" cy="117360"/>
           </a:xfrm>
           <a:prstGeom prst="rect">
             <a:avLst/>
@@ -3805,7 +3806,7 @@
         <p:spPr>
           <a:xfrm>
             <a:off x="314280" y="1184400"/>
-            <a:ext cx="8510400" cy="3360600"/>
+            <a:ext cx="8509680" cy="3359880"/>
           </a:xfrm>
           <a:prstGeom prst="rect">
             <a:avLst/>
@@ -3912,7 +3913,7 @@
         <p:spPr>
           <a:xfrm>
             <a:off x="314280" y="267480"/>
-            <a:ext cx="8510400" cy="738720"/>
+            <a:ext cx="8509680" cy="738000"/>
           </a:xfrm>
           <a:prstGeom prst="rect">
             <a:avLst/>
@@ -4111,6 +4112,10 @@
                         <a:lnSpc>
                           <a:spcPct val="100000"/>
                         </a:lnSpc>
+                        <a:buNone/>
+                        <a:tabLst>
+                          <a:tab algn="l" pos="0"/>
+                        </a:tabLst>
                       </a:pPr>
                       <a:r>
                         <a:rPr b="1" lang="fr-FR" sz="1800" spc="-1" strike="noStrike">
@@ -4121,12 +4126,8 @@
                         </a:rPr>
                         <a:t>Doubly linked list</a:t>
                       </a:r>
-                      <a:endParaRPr b="1" lang="fr-FR" sz="1800" spc="-1" strike="noStrike">
-                        <a:solidFill>
-                          <a:srgbClr val="ffffff"/>
-                        </a:solidFill>
+                      <a:endParaRPr b="0" lang="en-US" sz="1800" spc="-1" strike="noStrike">
                         <a:latin typeface="Arial"/>
-                        <a:ea typeface="Noto Sans CJK SC"/>
                       </a:endParaRPr>
                     </a:p>
                   </a:txBody>
@@ -4310,7 +4311,7 @@
                         <a:srgbClr val="ffffff"/>
                       </a:solidFill>
                     </a:lnL>
-                    <a:lnR>
+                    <a:lnR w="12240">
                       <a:noFill/>
                     </a:lnR>
                     <a:lnT w="12240">
@@ -4350,7 +4351,7 @@
                         <a:t>O(n)</a:t>
                       </a:r>
                       <a:endParaRPr b="0" lang="en-US" sz="1500" spc="-1" strike="noStrike">
-                        <a:latin typeface="Times New Roman"/>
+                        <a:latin typeface="Arial"/>
                       </a:endParaRPr>
                     </a:p>
                   </a:txBody>
@@ -4516,7 +4517,7 @@
                         <a:srgbClr val="ffffff"/>
                       </a:solidFill>
                     </a:lnL>
-                    <a:lnR>
+                    <a:lnR w="12240">
                       <a:noFill/>
                     </a:lnR>
                     <a:lnT w="12240">
@@ -4556,7 +4557,7 @@
                         <a:t>O(1)</a:t>
                       </a:r>
                       <a:endParaRPr b="0" lang="en-US" sz="1500" spc="-1" strike="noStrike">
-                        <a:latin typeface="Times New Roman"/>
+                        <a:latin typeface="Arial"/>
                       </a:endParaRPr>
                     </a:p>
                   </a:txBody>
@@ -4722,7 +4723,7 @@
                         <a:srgbClr val="ffffff"/>
                       </a:solidFill>
                     </a:lnL>
-                    <a:lnR>
+                    <a:lnR w="12240">
                       <a:noFill/>
                     </a:lnR>
                     <a:lnT w="12240">
@@ -4762,7 +4763,7 @@
                         <a:t>O(n)</a:t>
                       </a:r>
                       <a:endParaRPr b="0" lang="en-US" sz="1500" spc="-1" strike="noStrike">
-                        <a:latin typeface="Times New Roman"/>
+                        <a:latin typeface="Arial"/>
                       </a:endParaRPr>
                     </a:p>
                   </a:txBody>
@@ -4931,7 +4932,7 @@
                         <a:srgbClr val="ffffff"/>
                       </a:solidFill>
                     </a:lnL>
-                    <a:lnR>
+                    <a:lnR w="12240">
                       <a:noFill/>
                     </a:lnR>
                     <a:lnT w="12240">
@@ -4971,7 +4972,7 @@
                         <a:t>O(1)</a:t>
                       </a:r>
                       <a:endParaRPr b="0" lang="en-US" sz="1500" spc="-1" strike="noStrike">
-                        <a:latin typeface="Times New Roman"/>
+                        <a:latin typeface="Arial"/>
                       </a:endParaRPr>
                     </a:p>
                   </a:txBody>
@@ -5127,7 +5128,7 @@
                         <a:srgbClr val="ffffff"/>
                       </a:solidFill>
                     </a:lnL>
-                    <a:lnR>
+                    <a:lnR w="12240">
                       <a:noFill/>
                     </a:lnR>
                     <a:lnT w="12240">
@@ -5165,7 +5166,7 @@
                         <a:t>O(1)</a:t>
                       </a:r>
                       <a:endParaRPr b="0" lang="en-US" sz="1500" spc="-1" strike="noStrike">
-                        <a:latin typeface="Times New Roman"/>
+                        <a:latin typeface="Arial"/>
                       </a:endParaRPr>
                     </a:p>
                   </a:txBody>
@@ -5334,7 +5335,7 @@
                         <a:srgbClr val="ffffff"/>
                       </a:solidFill>
                     </a:lnL>
-                    <a:lnR>
+                    <a:lnR w="12240">
                       <a:noFill/>
                     </a:lnR>
                     <a:lnT w="12240">
@@ -5374,7 +5375,7 @@
                         <a:t>O(n)</a:t>
                       </a:r>
                       <a:endParaRPr b="0" lang="en-US" sz="1500" spc="-1" strike="noStrike">
-                        <a:latin typeface="Times New Roman"/>
+                        <a:latin typeface="Arial"/>
                       </a:endParaRPr>
                     </a:p>
                   </a:txBody>
@@ -5536,7 +5537,7 @@
                         <a:srgbClr val="ffffff"/>
                       </a:solidFill>
                     </a:lnL>
-                    <a:lnR>
+                    <a:lnR w="12240">
                       <a:noFill/>
                     </a:lnR>
                     <a:lnT>
@@ -5574,7 +5575,7 @@
                         <a:t>O(1)</a:t>
                       </a:r>
                       <a:endParaRPr b="0" lang="en-US" sz="1500" spc="-1" strike="noStrike">
-                        <a:latin typeface="Times New Roman"/>
+                        <a:latin typeface="Arial"/>
                       </a:endParaRPr>
                     </a:p>
                   </a:txBody>
@@ -5740,7 +5741,7 @@
                         <a:srgbClr val="ffffff"/>
                       </a:solidFill>
                     </a:lnL>
-                    <a:lnR>
+                    <a:lnR w="12240">
                       <a:noFill/>
                     </a:lnR>
                     <a:lnT w="12240">
@@ -5780,7 +5781,7 @@
                         <a:t>O(n)</a:t>
                       </a:r>
                       <a:endParaRPr b="0" lang="en-US" sz="1500" spc="-1" strike="noStrike">
-                        <a:latin typeface="Times New Roman"/>
+                        <a:latin typeface="Arial"/>
                       </a:endParaRPr>
                     </a:p>
                   </a:txBody>
@@ -5946,7 +5947,7 @@
                         <a:srgbClr val="ffffff"/>
                       </a:solidFill>
                     </a:lnL>
-                    <a:lnR>
+                    <a:lnR w="12240">
                       <a:noFill/>
                     </a:lnR>
                     <a:lnT w="12240">
@@ -5986,7 +5987,7 @@
                         <a:t>O(n)</a:t>
                       </a:r>
                       <a:endParaRPr b="0" lang="en-US" sz="1500" spc="-1" strike="noStrike">
-                        <a:latin typeface="Times New Roman"/>
+                        <a:latin typeface="Arial"/>
                       </a:endParaRPr>
                     </a:p>
                   </a:txBody>
@@ -6146,7 +6147,7 @@
                         <a:srgbClr val="ffffff"/>
                       </a:solidFill>
                     </a:lnL>
-                    <a:lnR>
+                    <a:lnR w="12240">
                       <a:noFill/>
                     </a:lnR>
                     <a:lnT w="12240">
@@ -6186,7 +6187,7 @@
                         <a:t>O(n)</a:t>
                       </a:r>
                       <a:endParaRPr b="0" lang="en-US" sz="1500" spc="-1" strike="noStrike">
-                        <a:latin typeface="Times New Roman"/>
+                        <a:latin typeface="Arial"/>
                       </a:endParaRPr>
                     </a:p>
                   </a:txBody>
@@ -6253,7 +6254,7 @@
         <p:spPr>
           <a:xfrm>
             <a:off x="314280" y="1184400"/>
-            <a:ext cx="8510400" cy="3360600"/>
+            <a:ext cx="8509680" cy="3359880"/>
           </a:xfrm>
           <a:prstGeom prst="rect">
             <a:avLst/>
@@ -6360,7 +6361,7 @@
         <p:spPr>
           <a:xfrm>
             <a:off x="314280" y="267480"/>
-            <a:ext cx="8510400" cy="738720"/>
+            <a:ext cx="8509680" cy="738000"/>
           </a:xfrm>
           <a:prstGeom prst="rect">
             <a:avLst/>
@@ -6890,14 +6891,121 @@
       </p:grpSpPr>
       <p:sp>
         <p:nvSpPr>
-          <p:cNvPr id="86" name="TextShape 3"/>
+          <p:cNvPr id="86" name="TextShape 6"/>
           <p:cNvSpPr/>
           <p:nvPr/>
         </p:nvSpPr>
         <p:spPr>
           <a:xfrm>
-            <a:off x="1152000" y="1634400"/>
-            <a:ext cx="8510400" cy="738720"/>
+            <a:off x="314280" y="1184400"/>
+            <a:ext cx="8509680" cy="3359880"/>
+          </a:xfrm>
+          <a:prstGeom prst="rect">
+            <a:avLst/>
+          </a:prstGeom>
+          <a:noFill/>
+          <a:ln w="0">
+            <a:noFill/>
+          </a:ln>
+        </p:spPr>
+        <p:style>
+          <a:lnRef idx="0"/>
+          <a:fillRef idx="0"/>
+          <a:effectRef idx="0"/>
+          <a:fontRef idx="minor"/>
+        </p:style>
+        <p:txBody>
+          <a:bodyPr lIns="0" rIns="0" tIns="0" bIns="0" anchor="t">
+            <a:noAutofit/>
+          </a:bodyPr>
+          <a:p>
+            <a:pPr>
+              <a:lnSpc>
+                <a:spcPct val="100000"/>
+              </a:lnSpc>
+              <a:spcBef>
+                <a:spcPts val="281"/>
+              </a:spcBef>
+              <a:buNone/>
+            </a:pPr>
+            <a:endParaRPr b="0" lang="en-US" sz="2000" spc="-1" strike="noStrike">
+              <a:latin typeface="Arial"/>
+            </a:endParaRPr>
+          </a:p>
+          <a:p>
+            <a:pPr>
+              <a:lnSpc>
+                <a:spcPct val="100000"/>
+              </a:lnSpc>
+              <a:spcBef>
+                <a:spcPts val="281"/>
+              </a:spcBef>
+              <a:buNone/>
+            </a:pPr>
+            <a:endParaRPr b="0" lang="en-US" sz="2000" spc="-1" strike="noStrike">
+              <a:latin typeface="Arial"/>
+            </a:endParaRPr>
+          </a:p>
+          <a:p>
+            <a:pPr>
+              <a:lnSpc>
+                <a:spcPct val="90000"/>
+              </a:lnSpc>
+              <a:spcBef>
+                <a:spcPts val="601"/>
+              </a:spcBef>
+              <a:buNone/>
+            </a:pPr>
+            <a:endParaRPr b="0" lang="en-US" sz="2000" spc="-1" strike="noStrike">
+              <a:latin typeface="Arial"/>
+            </a:endParaRPr>
+          </a:p>
+          <a:p>
+            <a:pPr>
+              <a:lnSpc>
+                <a:spcPct val="90000"/>
+              </a:lnSpc>
+              <a:spcBef>
+                <a:spcPts val="601"/>
+              </a:spcBef>
+              <a:buNone/>
+            </a:pPr>
+            <a:r>
+              <a:rPr b="0" lang="fr-FR" sz="1400" spc="-18" strike="noStrike" baseline="30000">
+                <a:solidFill>
+                  <a:srgbClr val="000000"/>
+                </a:solidFill>
+                <a:latin typeface="Helvetica 75 Bold"/>
+                <a:ea typeface="DejaVu Sans"/>
+              </a:rPr>
+              <a:t>	</a:t>
+            </a:r>
+            <a:r>
+              <a:rPr b="0" lang="fr-FR" sz="1400" spc="-18" strike="noStrike" baseline="30000">
+                <a:solidFill>
+                  <a:srgbClr val="000000"/>
+                </a:solidFill>
+                <a:latin typeface="Helvetica 75 Bold"/>
+                <a:ea typeface="DejaVu Sans"/>
+              </a:rPr>
+              <a:t>	</a:t>
+            </a:r>
+            <a:endParaRPr b="0" lang="en-US" sz="1400" spc="-1" strike="noStrike">
+              <a:latin typeface="Arial"/>
+            </a:endParaRPr>
+          </a:p>
+        </p:txBody>
+      </p:sp>
+      <p:sp>
+        <p:nvSpPr>
+          <p:cNvPr id="87" name="TextShape 7"/>
+          <p:cNvSpPr/>
+          <p:nvPr/>
+        </p:nvSpPr>
+        <p:spPr>
+          <a:xfrm>
+            <a:off x="314280" y="267480"/>
+            <a:ext cx="8509680" cy="738000"/>
           </a:xfrm>
           <a:prstGeom prst="rect">
             <a:avLst/>
@@ -6932,7 +7040,7 @@
                 <a:latin typeface="Helvetica 75 Bold"/>
                 <a:ea typeface="DejaVu Sans"/>
               </a:rPr>
-              <a:t>Annexe (pas à retenir)</a:t>
+              <a:t>Arbres binaires</a:t>
             </a:r>
             <a:endParaRPr b="0" lang="en-US" sz="2000" spc="-1" strike="noStrike">
               <a:latin typeface="Arial"/>
@@ -6940,6 +7048,101 @@
           </a:p>
         </p:txBody>
       </p:sp>
+      <p:sp>
+        <p:nvSpPr>
+          <p:cNvPr id="88" name=""/>
+          <p:cNvSpPr/>
+          <p:nvPr/>
+        </p:nvSpPr>
+        <p:spPr>
+          <a:xfrm>
+            <a:off x="457200" y="888120"/>
+            <a:ext cx="7611480" cy="940320"/>
+          </a:xfrm>
+          <a:prstGeom prst="rect">
+            <a:avLst/>
+          </a:prstGeom>
+          <a:noFill/>
+          <a:ln w="0">
+            <a:noFill/>
+          </a:ln>
+        </p:spPr>
+        <p:style>
+          <a:lnRef idx="0"/>
+          <a:fillRef idx="0"/>
+          <a:effectRef idx="0"/>
+          <a:fontRef idx="minor"/>
+        </p:style>
+        <p:txBody>
+          <a:bodyPr lIns="90000" rIns="90000" tIns="45000" bIns="45000" anchor="t">
+            <a:noAutofit/>
+          </a:bodyPr>
+          <a:p>
+            <a:pPr>
+              <a:lnSpc>
+                <a:spcPct val="100000"/>
+              </a:lnSpc>
+              <a:buNone/>
+            </a:pPr>
+            <a:r>
+              <a:rPr b="0" lang="en-US" sz="2000" spc="-1" strike="noStrike">
+                <a:solidFill>
+                  <a:srgbClr val="000000"/>
+                </a:solidFill>
+                <a:latin typeface="Arial"/>
+                <a:ea typeface="DejaVu Sans"/>
+              </a:rPr>
+              <a:t>Si l’arbre a n noeuds, la hauteur de l’arbre est log</a:t>
+            </a:r>
+            <a:r>
+              <a:rPr b="0" lang="en-US" sz="2000" spc="-1" strike="noStrike" baseline="-8000">
+                <a:solidFill>
+                  <a:srgbClr val="000000"/>
+                </a:solidFill>
+                <a:latin typeface="Arial"/>
+                <a:ea typeface="DejaVu Sans"/>
+              </a:rPr>
+              <a:t>2</a:t>
+            </a:r>
+            <a:r>
+              <a:rPr b="0" lang="en-US" sz="2000" spc="-1" strike="noStrike">
+                <a:solidFill>
+                  <a:srgbClr val="000000"/>
+                </a:solidFill>
+                <a:latin typeface="Arial"/>
+                <a:ea typeface="DejaVu Sans"/>
+              </a:rPr>
+              <a:t>(n) dans le meilleurs cas (arbre équilibré) et n dans le pire cas.</a:t>
+            </a:r>
+            <a:endParaRPr b="0" lang="en-US" sz="2000" spc="-1" strike="noStrike">
+              <a:latin typeface="Arial"/>
+            </a:endParaRPr>
+          </a:p>
+        </p:txBody>
+      </p:sp>
+      <p:pic>
+        <p:nvPicPr>
+          <p:cNvPr id="89" name="" descr=""/>
+          <p:cNvPicPr/>
+          <p:nvPr/>
+        </p:nvPicPr>
+        <p:blipFill>
+          <a:blip r:embed="rId1"/>
+          <a:stretch/>
+        </p:blipFill>
+        <p:spPr>
+          <a:xfrm>
+            <a:off x="714600" y="2286000"/>
+            <a:ext cx="7057440" cy="2485440"/>
+          </a:xfrm>
+          <a:prstGeom prst="rect">
+            <a:avLst/>
+          </a:prstGeom>
+          <a:ln w="0">
+            <a:noFill/>
+          </a:ln>
+        </p:spPr>
+      </p:pic>
     </p:spTree>
   </p:cSld>
   <p:transition spd="med">
@@ -6967,14 +7170,14 @@
       </p:grpSpPr>
       <p:sp>
         <p:nvSpPr>
-          <p:cNvPr id="87" name="TextShape 1"/>
+          <p:cNvPr id="90" name="TextShape 3"/>
           <p:cNvSpPr/>
           <p:nvPr/>
         </p:nvSpPr>
         <p:spPr>
           <a:xfrm>
-            <a:off x="314280" y="267480"/>
-            <a:ext cx="8510400" cy="738720"/>
+            <a:off x="1152000" y="1634400"/>
+            <a:ext cx="8509680" cy="738000"/>
           </a:xfrm>
           <a:prstGeom prst="rect">
             <a:avLst/>
@@ -7009,7 +7212,7 @@
                 <a:latin typeface="Helvetica 75 Bold"/>
                 <a:ea typeface="DejaVu Sans"/>
               </a:rPr>
-              <a:t>Complexité</a:t>
+              <a:t>Annexe (pas à retenir)</a:t>
             </a:r>
             <a:endParaRPr b="0" lang="en-US" sz="2000" spc="-1" strike="noStrike">
               <a:latin typeface="Arial"/>
@@ -7017,29 +7220,6 @@
           </a:p>
         </p:txBody>
       </p:sp>
-      <p:pic>
-        <p:nvPicPr>
-          <p:cNvPr id="88" name="Picture 3" descr=""/>
-          <p:cNvPicPr/>
-          <p:nvPr/>
-        </p:nvPicPr>
-        <p:blipFill>
-          <a:blip r:embed="rId1"/>
-          <a:stretch/>
-        </p:blipFill>
-        <p:spPr>
-          <a:xfrm>
-            <a:off x="395640" y="843480"/>
-            <a:ext cx="8032320" cy="3326040"/>
-          </a:xfrm>
-          <a:prstGeom prst="rect">
-            <a:avLst/>
-          </a:prstGeom>
-          <a:ln w="0">
-            <a:noFill/>
-          </a:ln>
-        </p:spPr>
-      </p:pic>
     </p:spTree>
   </p:cSld>
   <p:transition spd="med">
@@ -7067,14 +7247,114 @@
       </p:grpSpPr>
       <p:sp>
         <p:nvSpPr>
-          <p:cNvPr id="89" name="TextShape 1"/>
+          <p:cNvPr id="91" name="TextShape 1"/>
           <p:cNvSpPr/>
           <p:nvPr/>
         </p:nvSpPr>
         <p:spPr>
           <a:xfrm>
             <a:off x="314280" y="267480"/>
-            <a:ext cx="8510400" cy="738720"/>
+            <a:ext cx="8509680" cy="738000"/>
+          </a:xfrm>
+          <a:prstGeom prst="rect">
+            <a:avLst/>
+          </a:prstGeom>
+          <a:noFill/>
+          <a:ln w="0">
+            <a:noFill/>
+          </a:ln>
+        </p:spPr>
+        <p:style>
+          <a:lnRef idx="0"/>
+          <a:fillRef idx="0"/>
+          <a:effectRef idx="0"/>
+          <a:fontRef idx="minor"/>
+        </p:style>
+        <p:txBody>
+          <a:bodyPr lIns="0" rIns="0" tIns="0" bIns="0" anchor="t">
+            <a:noAutofit/>
+          </a:bodyPr>
+          <a:p>
+            <a:pPr>
+              <a:lnSpc>
+                <a:spcPct val="90000"/>
+              </a:lnSpc>
+              <a:buNone/>
+            </a:pPr>
+            <a:r>
+              <a:rPr b="0" lang="fr-FR" sz="2000" spc="-18" strike="noStrike">
+                <a:solidFill>
+                  <a:srgbClr val="ff7900"/>
+                </a:solidFill>
+                <a:latin typeface="Helvetica 75 Bold"/>
+                <a:ea typeface="DejaVu Sans"/>
+              </a:rPr>
+              <a:t>Complexité</a:t>
+            </a:r>
+            <a:endParaRPr b="0" lang="en-US" sz="2000" spc="-1" strike="noStrike">
+              <a:latin typeface="Arial"/>
+            </a:endParaRPr>
+          </a:p>
+        </p:txBody>
+      </p:sp>
+      <p:pic>
+        <p:nvPicPr>
+          <p:cNvPr id="92" name="Picture 3" descr=""/>
+          <p:cNvPicPr/>
+          <p:nvPr/>
+        </p:nvPicPr>
+        <p:blipFill>
+          <a:blip r:embed="rId1"/>
+          <a:stretch/>
+        </p:blipFill>
+        <p:spPr>
+          <a:xfrm>
+            <a:off x="395640" y="843480"/>
+            <a:ext cx="8031600" cy="3325320"/>
+          </a:xfrm>
+          <a:prstGeom prst="rect">
+            <a:avLst/>
+          </a:prstGeom>
+          <a:ln w="0">
+            <a:noFill/>
+          </a:ln>
+        </p:spPr>
+      </p:pic>
+    </p:spTree>
+  </p:cSld>
+  <p:transition spd="med">
+    <p:fade/>
+  </p:transition>
+</p:sld>
+</file>
+
+<file path=ppt/slides/slide6.xml><?xml version="1.0" encoding="utf-8"?>
+<p:sld xmlns:a="http://schemas.openxmlformats.org/drawingml/2006/main" xmlns:p="http://schemas.openxmlformats.org/presentationml/2006/main" xmlns:r="http://schemas.openxmlformats.org/officeDocument/2006/relationships" xmlns:p14="http://schemas.microsoft.com/office/powerpoint/2010/main" xmlns:p15="http://schemas.microsoft.com/office/powerpoint/2012/main" xmlns:mc="http://schemas.openxmlformats.org/markup-compatibility/2006">
+  <p:cSld>
+    <p:spTree>
+      <p:nvGrpSpPr>
+        <p:cNvPr id="1" name=""/>
+        <p:cNvGrpSpPr/>
+        <p:nvPr/>
+      </p:nvGrpSpPr>
+      <p:grpSpPr>
+        <a:xfrm>
+          <a:off x="0" y="0"/>
+          <a:ext cx="0" cy="0"/>
+          <a:chOff x="0" y="0"/>
+          <a:chExt cx="0" cy="0"/>
+        </a:xfrm>
+      </p:grpSpPr>
+      <p:sp>
+        <p:nvSpPr>
+          <p:cNvPr id="93" name="TextShape 1"/>
+          <p:cNvSpPr/>
+          <p:nvPr/>
+        </p:nvSpPr>
+        <p:spPr>
+          <a:xfrm>
+            <a:off x="314280" y="267480"/>
+            <a:ext cx="8509680" cy="738000"/>
           </a:xfrm>
           <a:prstGeom prst="rect">
             <a:avLst/>
@@ -7119,7 +7399,7 @@
       </p:sp>
       <p:pic>
         <p:nvPicPr>
-          <p:cNvPr id="90" name="Picture 2" descr=""/>
+          <p:cNvPr id="94" name="Picture 2" descr=""/>
           <p:cNvPicPr/>
           <p:nvPr/>
         </p:nvPicPr>
@@ -7130,7 +7410,7 @@
         <p:spPr>
           <a:xfrm>
             <a:off x="683640" y="1203480"/>
-            <a:ext cx="6228000" cy="3501000"/>
+            <a:ext cx="6227280" cy="3500280"/>
           </a:xfrm>
           <a:prstGeom prst="rect">
             <a:avLst/>
